--- a/report/helpers/template-ona-report.pptx
+++ b/report/helpers/template-ona-report.pptx
@@ -20,6 +20,11 @@
     <p:sldId id="265" r:id="rId14"/>
     <p:sldId id="266" r:id="rId15"/>
     <p:sldId id="267" r:id="rId16"/>
+    <p:sldId id="268" r:id="rId17"/>
+    <p:sldId id="269" r:id="rId18"/>
+    <p:sldId id="270" r:id="rId19"/>
+    <p:sldId id="271" r:id="rId20"/>
+    <p:sldId id="272" r:id="rId21"/>
   </p:sldIdLst>
   <p:sldSz cy="6858000" cx="12192000"/>
   <p:notesSz cx="6858000" cy="9144000"/>
@@ -254,7 +259,7 @@
   </p:defaultTextStyle>
   <p:extLst>
     <p:ext uri="GoogleSlidesCustomDataVersion2">
-      <go:slidesCustomData xmlns:go="http://customooxmlschemas.google.com/" r:id="rId17" roundtripDataSignature="AMtx7mg3PdROOnueQuDTPkNVbheg3Kjx1Q=="/>
+      <go:slidesCustomData xmlns:go="http://customooxmlschemas.google.com/" r:id="rId22" roundtripDataSignature="AMtx7mg5KYPMu1ZKwdNl9XtBh66QxSDDCg=="/>
     </p:ext>
   </p:extLst>
 </p:presentation>
@@ -790,7 +795,7 @@
   <p:cSld>
     <p:spTree>
       <p:nvGrpSpPr>
-        <p:cNvPr id="186" name="Shape 186"/>
+        <p:cNvPr id="167" name="Shape 167"/>
         <p:cNvGrpSpPr/>
         <p:nvPr/>
       </p:nvGrpSpPr>
@@ -804,7 +809,7 @@
       </p:grpSpPr>
       <p:sp>
         <p:nvSpPr>
-          <p:cNvPr id="187" name="Google Shape;187;p1:notes"/>
+          <p:cNvPr id="168" name="Google Shape;168;g32c78dc77c3_0_41:notes"/>
           <p:cNvSpPr txBox="1"/>
           <p:nvPr>
             <p:ph idx="1" type="body"/>
@@ -843,7 +848,502 @@
       </p:sp>
       <p:sp>
         <p:nvSpPr>
-          <p:cNvPr id="188" name="Google Shape;188;p1:notes"/>
+          <p:cNvPr id="169" name="Google Shape;169;g32c78dc77c3_0_41:notes"/>
+          <p:cNvSpPr/>
+          <p:nvPr>
+            <p:ph idx="2" type="sldImg"/>
+          </p:nvPr>
+        </p:nvSpPr>
+        <p:spPr>
+          <a:xfrm>
+            <a:off x="1143225" y="685800"/>
+            <a:ext cx="4572300" cy="3429000"/>
+          </a:xfrm>
+          <a:custGeom>
+            <a:rect b="b" l="l" r="r" t="t"/>
+            <a:pathLst>
+              <a:path extrusionOk="0" h="120000" w="120000">
+                <a:moveTo>
+                  <a:pt x="0" y="0"/>
+                </a:moveTo>
+                <a:lnTo>
+                  <a:pt x="120000" y="0"/>
+                </a:lnTo>
+                <a:lnTo>
+                  <a:pt x="120000" y="120000"/>
+                </a:lnTo>
+                <a:lnTo>
+                  <a:pt x="0" y="120000"/>
+                </a:lnTo>
+                <a:close/>
+              </a:path>
+            </a:pathLst>
+          </a:custGeom>
+        </p:spPr>
+      </p:sp>
+    </p:spTree>
+  </p:cSld>
+  <p:clrMapOvr>
+    <a:masterClrMapping/>
+  </p:clrMapOvr>
+</p:notes>
+</file>
+
+<file path=ppt/notesSlides/notesSlide11.xml><?xml version="1.0" encoding="utf-8"?>
+<p:notes xmlns:a="http://schemas.openxmlformats.org/drawingml/2006/main" xmlns:r="http://schemas.openxmlformats.org/officeDocument/2006/relationships" xmlns:mc="http://schemas.openxmlformats.org/markup-compatibility/2006" xmlns:mv="urn:schemas-microsoft-com:mac:vml" xmlns:p="http://schemas.openxmlformats.org/presentationml/2006/main" xmlns:c="http://schemas.openxmlformats.org/drawingml/2006/chart" xmlns:dgm="http://schemas.openxmlformats.org/drawingml/2006/diagram" xmlns:o="urn:schemas-microsoft-com:office:office" xmlns:v="urn:schemas-microsoft-com:vml" xmlns:pvml="urn:schemas-microsoft-com:office:powerpoint" xmlns:com="http://schemas.openxmlformats.org/drawingml/2006/compatibility" xmlns:p14="http://schemas.microsoft.com/office/powerpoint/2010/main" xmlns:p15="http://schemas.microsoft.com/office/powerpoint/2012/main" xmlns:ahyp="http://schemas.microsoft.com/office/drawing/2018/hyperlinkcolor" showMasterPhAnim="0" showMasterSp="0">
+  <p:cSld>
+    <p:spTree>
+      <p:nvGrpSpPr>
+        <p:cNvPr id="175" name="Shape 175"/>
+        <p:cNvGrpSpPr/>
+        <p:nvPr/>
+      </p:nvGrpSpPr>
+      <p:grpSpPr>
+        <a:xfrm>
+          <a:off x="0" y="0"/>
+          <a:ext cx="0" cy="0"/>
+          <a:chOff x="0" y="0"/>
+          <a:chExt cx="0" cy="0"/>
+        </a:xfrm>
+      </p:grpSpPr>
+      <p:sp>
+        <p:nvSpPr>
+          <p:cNvPr id="176" name="Google Shape;176;g32c78dc77c3_0_78:notes"/>
+          <p:cNvSpPr txBox="1"/>
+          <p:nvPr>
+            <p:ph idx="1" type="body"/>
+          </p:nvPr>
+        </p:nvSpPr>
+        <p:spPr>
+          <a:xfrm>
+            <a:off x="685800" y="4343400"/>
+            <a:ext cx="5486400" cy="4114800"/>
+          </a:xfrm>
+          <a:prstGeom prst="rect">
+            <a:avLst/>
+          </a:prstGeom>
+        </p:spPr>
+        <p:txBody>
+          <a:bodyPr anchorCtr="0" anchor="t" bIns="91425" lIns="91425" spcFirstLastPara="1" rIns="91425" wrap="square" tIns="91425">
+            <a:noAutofit/>
+          </a:bodyPr>
+          <a:lstStyle/>
+          <a:p>
+            <a:pPr indent="0" lvl="0" marL="0" rtl="0" algn="l">
+              <a:spcBef>
+                <a:spcPts val="0"/>
+              </a:spcBef>
+              <a:spcAft>
+                <a:spcPts val="0"/>
+              </a:spcAft>
+              <a:buNone/>
+            </a:pPr>
+            <a:r>
+              <a:t/>
+            </a:r>
+            <a:endParaRPr/>
+          </a:p>
+        </p:txBody>
+      </p:sp>
+      <p:sp>
+        <p:nvSpPr>
+          <p:cNvPr id="177" name="Google Shape;177;g32c78dc77c3_0_78:notes"/>
+          <p:cNvSpPr/>
+          <p:nvPr>
+            <p:ph idx="2" type="sldImg"/>
+          </p:nvPr>
+        </p:nvSpPr>
+        <p:spPr>
+          <a:xfrm>
+            <a:off x="1143225" y="685800"/>
+            <a:ext cx="4572300" cy="3429000"/>
+          </a:xfrm>
+          <a:custGeom>
+            <a:rect b="b" l="l" r="r" t="t"/>
+            <a:pathLst>
+              <a:path extrusionOk="0" h="120000" w="120000">
+                <a:moveTo>
+                  <a:pt x="0" y="0"/>
+                </a:moveTo>
+                <a:lnTo>
+                  <a:pt x="120000" y="0"/>
+                </a:lnTo>
+                <a:lnTo>
+                  <a:pt x="120000" y="120000"/>
+                </a:lnTo>
+                <a:lnTo>
+                  <a:pt x="0" y="120000"/>
+                </a:lnTo>
+                <a:close/>
+              </a:path>
+            </a:pathLst>
+          </a:custGeom>
+        </p:spPr>
+      </p:sp>
+    </p:spTree>
+  </p:cSld>
+  <p:clrMapOvr>
+    <a:masterClrMapping/>
+  </p:clrMapOvr>
+</p:notes>
+</file>
+
+<file path=ppt/notesSlides/notesSlide12.xml><?xml version="1.0" encoding="utf-8"?>
+<p:notes xmlns:a="http://schemas.openxmlformats.org/drawingml/2006/main" xmlns:r="http://schemas.openxmlformats.org/officeDocument/2006/relationships" xmlns:mc="http://schemas.openxmlformats.org/markup-compatibility/2006" xmlns:mv="urn:schemas-microsoft-com:mac:vml" xmlns:p="http://schemas.openxmlformats.org/presentationml/2006/main" xmlns:c="http://schemas.openxmlformats.org/drawingml/2006/chart" xmlns:dgm="http://schemas.openxmlformats.org/drawingml/2006/diagram" xmlns:o="urn:schemas-microsoft-com:office:office" xmlns:v="urn:schemas-microsoft-com:vml" xmlns:pvml="urn:schemas-microsoft-com:office:powerpoint" xmlns:com="http://schemas.openxmlformats.org/drawingml/2006/compatibility" xmlns:p14="http://schemas.microsoft.com/office/powerpoint/2010/main" xmlns:p15="http://schemas.microsoft.com/office/powerpoint/2012/main" xmlns:ahyp="http://schemas.microsoft.com/office/drawing/2018/hyperlinkcolor" showMasterPhAnim="0" showMasterSp="0">
+  <p:cSld>
+    <p:spTree>
+      <p:nvGrpSpPr>
+        <p:cNvPr id="186" name="Shape 186"/>
+        <p:cNvGrpSpPr/>
+        <p:nvPr/>
+      </p:nvGrpSpPr>
+      <p:grpSpPr>
+        <a:xfrm>
+          <a:off x="0" y="0"/>
+          <a:ext cx="0" cy="0"/>
+          <a:chOff x="0" y="0"/>
+          <a:chExt cx="0" cy="0"/>
+        </a:xfrm>
+      </p:grpSpPr>
+      <p:sp>
+        <p:nvSpPr>
+          <p:cNvPr id="187" name="Google Shape;187;g33455df2fac_0_66:notes"/>
+          <p:cNvSpPr txBox="1"/>
+          <p:nvPr>
+            <p:ph idx="1" type="body"/>
+          </p:nvPr>
+        </p:nvSpPr>
+        <p:spPr>
+          <a:xfrm>
+            <a:off x="685800" y="4343400"/>
+            <a:ext cx="5486400" cy="4114800"/>
+          </a:xfrm>
+          <a:prstGeom prst="rect">
+            <a:avLst/>
+          </a:prstGeom>
+        </p:spPr>
+        <p:txBody>
+          <a:bodyPr anchorCtr="0" anchor="t" bIns="91425" lIns="91425" spcFirstLastPara="1" rIns="91425" wrap="square" tIns="91425">
+            <a:noAutofit/>
+          </a:bodyPr>
+          <a:lstStyle/>
+          <a:p>
+            <a:pPr indent="0" lvl="0" marL="0" rtl="0" algn="l">
+              <a:spcBef>
+                <a:spcPts val="0"/>
+              </a:spcBef>
+              <a:spcAft>
+                <a:spcPts val="0"/>
+              </a:spcAft>
+              <a:buNone/>
+            </a:pPr>
+            <a:r>
+              <a:t/>
+            </a:r>
+            <a:endParaRPr/>
+          </a:p>
+        </p:txBody>
+      </p:sp>
+      <p:sp>
+        <p:nvSpPr>
+          <p:cNvPr id="188" name="Google Shape;188;g33455df2fac_0_66:notes"/>
+          <p:cNvSpPr/>
+          <p:nvPr>
+            <p:ph idx="2" type="sldImg"/>
+          </p:nvPr>
+        </p:nvSpPr>
+        <p:spPr>
+          <a:xfrm>
+            <a:off x="1143225" y="685800"/>
+            <a:ext cx="4572300" cy="3429000"/>
+          </a:xfrm>
+          <a:custGeom>
+            <a:rect b="b" l="l" r="r" t="t"/>
+            <a:pathLst>
+              <a:path extrusionOk="0" h="120000" w="120000">
+                <a:moveTo>
+                  <a:pt x="0" y="0"/>
+                </a:moveTo>
+                <a:lnTo>
+                  <a:pt x="120000" y="0"/>
+                </a:lnTo>
+                <a:lnTo>
+                  <a:pt x="120000" y="120000"/>
+                </a:lnTo>
+                <a:lnTo>
+                  <a:pt x="0" y="120000"/>
+                </a:lnTo>
+                <a:close/>
+              </a:path>
+            </a:pathLst>
+          </a:custGeom>
+        </p:spPr>
+      </p:sp>
+    </p:spTree>
+  </p:cSld>
+  <p:clrMapOvr>
+    <a:masterClrMapping/>
+  </p:clrMapOvr>
+</p:notes>
+</file>
+
+<file path=ppt/notesSlides/notesSlide13.xml><?xml version="1.0" encoding="utf-8"?>
+<p:notes xmlns:a="http://schemas.openxmlformats.org/drawingml/2006/main" xmlns:r="http://schemas.openxmlformats.org/officeDocument/2006/relationships" xmlns:mc="http://schemas.openxmlformats.org/markup-compatibility/2006" xmlns:mv="urn:schemas-microsoft-com:mac:vml" xmlns:p="http://schemas.openxmlformats.org/presentationml/2006/main" xmlns:c="http://schemas.openxmlformats.org/drawingml/2006/chart" xmlns:dgm="http://schemas.openxmlformats.org/drawingml/2006/diagram" xmlns:o="urn:schemas-microsoft-com:office:office" xmlns:v="urn:schemas-microsoft-com:vml" xmlns:pvml="urn:schemas-microsoft-com:office:powerpoint" xmlns:com="http://schemas.openxmlformats.org/drawingml/2006/compatibility" xmlns:p14="http://schemas.microsoft.com/office/powerpoint/2010/main" xmlns:p15="http://schemas.microsoft.com/office/powerpoint/2012/main" xmlns:ahyp="http://schemas.microsoft.com/office/drawing/2018/hyperlinkcolor" showMasterPhAnim="0" showMasterSp="0">
+  <p:cSld>
+    <p:spTree>
+      <p:nvGrpSpPr>
+        <p:cNvPr id="197" name="Shape 197"/>
+        <p:cNvGrpSpPr/>
+        <p:nvPr/>
+      </p:nvGrpSpPr>
+      <p:grpSpPr>
+        <a:xfrm>
+          <a:off x="0" y="0"/>
+          <a:ext cx="0" cy="0"/>
+          <a:chOff x="0" y="0"/>
+          <a:chExt cx="0" cy="0"/>
+        </a:xfrm>
+      </p:grpSpPr>
+      <p:sp>
+        <p:nvSpPr>
+          <p:cNvPr id="198" name="Google Shape;198;g32c78dc77c3_0_34:notes"/>
+          <p:cNvSpPr txBox="1"/>
+          <p:nvPr>
+            <p:ph idx="1" type="body"/>
+          </p:nvPr>
+        </p:nvSpPr>
+        <p:spPr>
+          <a:xfrm>
+            <a:off x="685800" y="4343400"/>
+            <a:ext cx="5486400" cy="4114800"/>
+          </a:xfrm>
+          <a:prstGeom prst="rect">
+            <a:avLst/>
+          </a:prstGeom>
+        </p:spPr>
+        <p:txBody>
+          <a:bodyPr anchorCtr="0" anchor="t" bIns="91425" lIns="91425" spcFirstLastPara="1" rIns="91425" wrap="square" tIns="91425">
+            <a:noAutofit/>
+          </a:bodyPr>
+          <a:lstStyle/>
+          <a:p>
+            <a:pPr indent="0" lvl="0" marL="0" rtl="0" algn="l">
+              <a:spcBef>
+                <a:spcPts val="0"/>
+              </a:spcBef>
+              <a:spcAft>
+                <a:spcPts val="0"/>
+              </a:spcAft>
+              <a:buNone/>
+            </a:pPr>
+            <a:r>
+              <a:t/>
+            </a:r>
+            <a:endParaRPr/>
+          </a:p>
+        </p:txBody>
+      </p:sp>
+      <p:sp>
+        <p:nvSpPr>
+          <p:cNvPr id="199" name="Google Shape;199;g32c78dc77c3_0_34:notes"/>
+          <p:cNvSpPr/>
+          <p:nvPr>
+            <p:ph idx="2" type="sldImg"/>
+          </p:nvPr>
+        </p:nvSpPr>
+        <p:spPr>
+          <a:xfrm>
+            <a:off x="1143225" y="685800"/>
+            <a:ext cx="4572300" cy="3429000"/>
+          </a:xfrm>
+          <a:custGeom>
+            <a:rect b="b" l="l" r="r" t="t"/>
+            <a:pathLst>
+              <a:path extrusionOk="0" h="120000" w="120000">
+                <a:moveTo>
+                  <a:pt x="0" y="0"/>
+                </a:moveTo>
+                <a:lnTo>
+                  <a:pt x="120000" y="0"/>
+                </a:lnTo>
+                <a:lnTo>
+                  <a:pt x="120000" y="120000"/>
+                </a:lnTo>
+                <a:lnTo>
+                  <a:pt x="0" y="120000"/>
+                </a:lnTo>
+                <a:close/>
+              </a:path>
+            </a:pathLst>
+          </a:custGeom>
+        </p:spPr>
+      </p:sp>
+    </p:spTree>
+  </p:cSld>
+  <p:clrMapOvr>
+    <a:masterClrMapping/>
+  </p:clrMapOvr>
+</p:notes>
+</file>
+
+<file path=ppt/notesSlides/notesSlide14.xml><?xml version="1.0" encoding="utf-8"?>
+<p:notes xmlns:a="http://schemas.openxmlformats.org/drawingml/2006/main" xmlns:r="http://schemas.openxmlformats.org/officeDocument/2006/relationships" xmlns:mc="http://schemas.openxmlformats.org/markup-compatibility/2006" xmlns:mv="urn:schemas-microsoft-com:mac:vml" xmlns:p="http://schemas.openxmlformats.org/presentationml/2006/main" xmlns:c="http://schemas.openxmlformats.org/drawingml/2006/chart" xmlns:dgm="http://schemas.openxmlformats.org/drawingml/2006/diagram" xmlns:o="urn:schemas-microsoft-com:office:office" xmlns:v="urn:schemas-microsoft-com:vml" xmlns:pvml="urn:schemas-microsoft-com:office:powerpoint" xmlns:com="http://schemas.openxmlformats.org/drawingml/2006/compatibility" xmlns:p14="http://schemas.microsoft.com/office/powerpoint/2010/main" xmlns:p15="http://schemas.microsoft.com/office/powerpoint/2012/main" xmlns:ahyp="http://schemas.microsoft.com/office/drawing/2018/hyperlinkcolor" showMasterPhAnim="0" showMasterSp="0">
+  <p:cSld>
+    <p:spTree>
+      <p:nvGrpSpPr>
+        <p:cNvPr id="205" name="Shape 205"/>
+        <p:cNvGrpSpPr/>
+        <p:nvPr/>
+      </p:nvGrpSpPr>
+      <p:grpSpPr>
+        <a:xfrm>
+          <a:off x="0" y="0"/>
+          <a:ext cx="0" cy="0"/>
+          <a:chOff x="0" y="0"/>
+          <a:chExt cx="0" cy="0"/>
+        </a:xfrm>
+      </p:grpSpPr>
+      <p:sp>
+        <p:nvSpPr>
+          <p:cNvPr id="206" name="Google Shape;206;g33455df2fac_0_28:notes"/>
+          <p:cNvSpPr txBox="1"/>
+          <p:nvPr>
+            <p:ph idx="1" type="body"/>
+          </p:nvPr>
+        </p:nvSpPr>
+        <p:spPr>
+          <a:xfrm>
+            <a:off x="685800" y="4343400"/>
+            <a:ext cx="5486400" cy="4114800"/>
+          </a:xfrm>
+          <a:prstGeom prst="rect">
+            <a:avLst/>
+          </a:prstGeom>
+        </p:spPr>
+        <p:txBody>
+          <a:bodyPr anchorCtr="0" anchor="t" bIns="91425" lIns="91425" spcFirstLastPara="1" rIns="91425" wrap="square" tIns="91425">
+            <a:noAutofit/>
+          </a:bodyPr>
+          <a:lstStyle/>
+          <a:p>
+            <a:pPr indent="0" lvl="0" marL="0" rtl="0" algn="l">
+              <a:spcBef>
+                <a:spcPts val="0"/>
+              </a:spcBef>
+              <a:spcAft>
+                <a:spcPts val="0"/>
+              </a:spcAft>
+              <a:buNone/>
+            </a:pPr>
+            <a:r>
+              <a:t/>
+            </a:r>
+            <a:endParaRPr/>
+          </a:p>
+        </p:txBody>
+      </p:sp>
+      <p:sp>
+        <p:nvSpPr>
+          <p:cNvPr id="207" name="Google Shape;207;g33455df2fac_0_28:notes"/>
+          <p:cNvSpPr/>
+          <p:nvPr>
+            <p:ph idx="2" type="sldImg"/>
+          </p:nvPr>
+        </p:nvSpPr>
+        <p:spPr>
+          <a:xfrm>
+            <a:off x="1143225" y="685800"/>
+            <a:ext cx="4572300" cy="3429000"/>
+          </a:xfrm>
+          <a:custGeom>
+            <a:rect b="b" l="l" r="r" t="t"/>
+            <a:pathLst>
+              <a:path extrusionOk="0" h="120000" w="120000">
+                <a:moveTo>
+                  <a:pt x="0" y="0"/>
+                </a:moveTo>
+                <a:lnTo>
+                  <a:pt x="120000" y="0"/>
+                </a:lnTo>
+                <a:lnTo>
+                  <a:pt x="120000" y="120000"/>
+                </a:lnTo>
+                <a:lnTo>
+                  <a:pt x="0" y="120000"/>
+                </a:lnTo>
+                <a:close/>
+              </a:path>
+            </a:pathLst>
+          </a:custGeom>
+        </p:spPr>
+      </p:sp>
+    </p:spTree>
+  </p:cSld>
+  <p:clrMapOvr>
+    <a:masterClrMapping/>
+  </p:clrMapOvr>
+</p:notes>
+</file>
+
+<file path=ppt/notesSlides/notesSlide15.xml><?xml version="1.0" encoding="utf-8"?>
+<p:notes xmlns:a="http://schemas.openxmlformats.org/drawingml/2006/main" xmlns:r="http://schemas.openxmlformats.org/officeDocument/2006/relationships" xmlns:mc="http://schemas.openxmlformats.org/markup-compatibility/2006" xmlns:mv="urn:schemas-microsoft-com:mac:vml" xmlns:p="http://schemas.openxmlformats.org/presentationml/2006/main" xmlns:c="http://schemas.openxmlformats.org/drawingml/2006/chart" xmlns:dgm="http://schemas.openxmlformats.org/drawingml/2006/diagram" xmlns:o="urn:schemas-microsoft-com:office:office" xmlns:v="urn:schemas-microsoft-com:vml" xmlns:pvml="urn:schemas-microsoft-com:office:powerpoint" xmlns:com="http://schemas.openxmlformats.org/drawingml/2006/compatibility" xmlns:p14="http://schemas.microsoft.com/office/powerpoint/2010/main" xmlns:p15="http://schemas.microsoft.com/office/powerpoint/2012/main" xmlns:ahyp="http://schemas.microsoft.com/office/drawing/2018/hyperlinkcolor" showMasterPhAnim="0" showMasterSp="0">
+  <p:cSld>
+    <p:spTree>
+      <p:nvGrpSpPr>
+        <p:cNvPr id="215" name="Shape 215"/>
+        <p:cNvGrpSpPr/>
+        <p:nvPr/>
+      </p:nvGrpSpPr>
+      <p:grpSpPr>
+        <a:xfrm>
+          <a:off x="0" y="0"/>
+          <a:ext cx="0" cy="0"/>
+          <a:chOff x="0" y="0"/>
+          <a:chExt cx="0" cy="0"/>
+        </a:xfrm>
+      </p:grpSpPr>
+      <p:sp>
+        <p:nvSpPr>
+          <p:cNvPr id="216" name="Google Shape;216;p1:notes"/>
+          <p:cNvSpPr txBox="1"/>
+          <p:nvPr>
+            <p:ph idx="1" type="body"/>
+          </p:nvPr>
+        </p:nvSpPr>
+        <p:spPr>
+          <a:xfrm>
+            <a:off x="685800" y="4343400"/>
+            <a:ext cx="5486400" cy="4114800"/>
+          </a:xfrm>
+          <a:prstGeom prst="rect">
+            <a:avLst/>
+          </a:prstGeom>
+        </p:spPr>
+        <p:txBody>
+          <a:bodyPr anchorCtr="0" anchor="t" bIns="91425" lIns="91425" spcFirstLastPara="1" rIns="91425" wrap="square" tIns="91425">
+            <a:noAutofit/>
+          </a:bodyPr>
+          <a:lstStyle/>
+          <a:p>
+            <a:pPr indent="0" lvl="0" marL="0" rtl="0" algn="l">
+              <a:spcBef>
+                <a:spcPts val="0"/>
+              </a:spcBef>
+              <a:spcAft>
+                <a:spcPts val="0"/>
+              </a:spcAft>
+              <a:buNone/>
+            </a:pPr>
+            <a:r>
+              <a:t/>
+            </a:r>
+            <a:endParaRPr/>
+          </a:p>
+        </p:txBody>
+      </p:sp>
+      <p:sp>
+        <p:nvSpPr>
+          <p:cNvPr id="217" name="Google Shape;217;p1:notes"/>
           <p:cNvSpPr/>
           <p:nvPr>
             <p:ph idx="2" type="sldImg"/>
@@ -884,12 +1384,12 @@
 </p:notes>
 </file>
 
-<file path=ppt/notesSlides/notesSlide11.xml><?xml version="1.0" encoding="utf-8"?>
+<file path=ppt/notesSlides/notesSlide16.xml><?xml version="1.0" encoding="utf-8"?>
 <p:notes xmlns:a="http://schemas.openxmlformats.org/drawingml/2006/main" xmlns:r="http://schemas.openxmlformats.org/officeDocument/2006/relationships" xmlns:mc="http://schemas.openxmlformats.org/markup-compatibility/2006" xmlns:mv="urn:schemas-microsoft-com:mac:vml" xmlns:p="http://schemas.openxmlformats.org/presentationml/2006/main" xmlns:c="http://schemas.openxmlformats.org/drawingml/2006/chart" xmlns:dgm="http://schemas.openxmlformats.org/drawingml/2006/diagram" xmlns:o="urn:schemas-microsoft-com:office:office" xmlns:v="urn:schemas-microsoft-com:vml" xmlns:pvml="urn:schemas-microsoft-com:office:powerpoint" xmlns:com="http://schemas.openxmlformats.org/drawingml/2006/compatibility" xmlns:p14="http://schemas.microsoft.com/office/powerpoint/2010/main" xmlns:p15="http://schemas.microsoft.com/office/powerpoint/2012/main" xmlns:ahyp="http://schemas.microsoft.com/office/drawing/2018/hyperlinkcolor" showMasterPhAnim="0" showMasterSp="0">
   <p:cSld>
     <p:spTree>
       <p:nvGrpSpPr>
-        <p:cNvPr id="192" name="Shape 192"/>
+        <p:cNvPr id="221" name="Shape 221"/>
         <p:cNvGrpSpPr/>
         <p:nvPr/>
       </p:nvGrpSpPr>
@@ -903,7 +1403,7 @@
       </p:grpSpPr>
       <p:sp>
         <p:nvSpPr>
-          <p:cNvPr id="193" name="Google Shape;193;p3:notes"/>
+          <p:cNvPr id="222" name="Google Shape;222;p3:notes"/>
           <p:cNvSpPr txBox="1"/>
           <p:nvPr>
             <p:ph idx="1" type="body"/>
@@ -942,7 +1442,7 @@
       </p:sp>
       <p:sp>
         <p:nvSpPr>
-          <p:cNvPr id="194" name="Google Shape;194;p3:notes"/>
+          <p:cNvPr id="223" name="Google Shape;223;p3:notes"/>
           <p:cNvSpPr/>
           <p:nvPr>
             <p:ph idx="2" type="sldImg"/>
@@ -983,12 +1483,12 @@
 </p:notes>
 </file>
 
-<file path=ppt/notesSlides/notesSlide12.xml><?xml version="1.0" encoding="utf-8"?>
+<file path=ppt/notesSlides/notesSlide17.xml><?xml version="1.0" encoding="utf-8"?>
 <p:notes xmlns:a="http://schemas.openxmlformats.org/drawingml/2006/main" xmlns:r="http://schemas.openxmlformats.org/officeDocument/2006/relationships" xmlns:mc="http://schemas.openxmlformats.org/markup-compatibility/2006" xmlns:mv="urn:schemas-microsoft-com:mac:vml" xmlns:p="http://schemas.openxmlformats.org/presentationml/2006/main" xmlns:c="http://schemas.openxmlformats.org/drawingml/2006/chart" xmlns:dgm="http://schemas.openxmlformats.org/drawingml/2006/diagram" xmlns:o="urn:schemas-microsoft-com:office:office" xmlns:v="urn:schemas-microsoft-com:vml" xmlns:pvml="urn:schemas-microsoft-com:office:powerpoint" xmlns:com="http://schemas.openxmlformats.org/drawingml/2006/compatibility" xmlns:p14="http://schemas.microsoft.com/office/powerpoint/2010/main" xmlns:p15="http://schemas.microsoft.com/office/powerpoint/2012/main" xmlns:ahyp="http://schemas.microsoft.com/office/drawing/2018/hyperlinkcolor" showMasterPhAnim="0" showMasterSp="0">
   <p:cSld>
     <p:spTree>
       <p:nvGrpSpPr>
-        <p:cNvPr id="198" name="Shape 198"/>
+        <p:cNvPr id="227" name="Shape 227"/>
         <p:cNvGrpSpPr/>
         <p:nvPr/>
       </p:nvGrpSpPr>
@@ -1002,7 +1502,7 @@
       </p:grpSpPr>
       <p:sp>
         <p:nvSpPr>
-          <p:cNvPr id="199" name="Google Shape;199;p4:notes"/>
+          <p:cNvPr id="228" name="Google Shape;228;p4:notes"/>
           <p:cNvSpPr txBox="1"/>
           <p:nvPr>
             <p:ph idx="1" type="body"/>
@@ -1041,7 +1541,7 @@
       </p:sp>
       <p:sp>
         <p:nvSpPr>
-          <p:cNvPr id="200" name="Google Shape;200;p4:notes"/>
+          <p:cNvPr id="229" name="Google Shape;229;p4:notes"/>
           <p:cNvSpPr/>
           <p:nvPr>
             <p:ph idx="2" type="sldImg"/>
@@ -1186,7 +1686,7 @@
   <p:cSld>
     <p:spTree>
       <p:nvGrpSpPr>
-        <p:cNvPr id="103" name="Shape 103"/>
+        <p:cNvPr id="97" name="Shape 97"/>
         <p:cNvGrpSpPr/>
         <p:nvPr/>
       </p:nvGrpSpPr>
@@ -1200,7 +1700,7 @@
       </p:grpSpPr>
       <p:sp>
         <p:nvSpPr>
-          <p:cNvPr id="104" name="Google Shape;104;g32c78dc77c3_0_12:notes"/>
+          <p:cNvPr id="98" name="Google Shape;98;g33455df2fac_0_37:notes"/>
           <p:cNvSpPr txBox="1"/>
           <p:nvPr>
             <p:ph idx="1" type="body"/>
@@ -1239,7 +1739,7 @@
       </p:sp>
       <p:sp>
         <p:nvSpPr>
-          <p:cNvPr id="105" name="Google Shape;105;g32c78dc77c3_0_12:notes"/>
+          <p:cNvPr id="99" name="Google Shape;99;g33455df2fac_0_37:notes"/>
           <p:cNvSpPr/>
           <p:nvPr>
             <p:ph idx="2" type="sldImg"/>
@@ -1285,7 +1785,7 @@
   <p:cSld>
     <p:spTree>
       <p:nvGrpSpPr>
-        <p:cNvPr id="111" name="Shape 111"/>
+        <p:cNvPr id="107" name="Shape 107"/>
         <p:cNvGrpSpPr/>
         <p:nvPr/>
       </p:nvGrpSpPr>
@@ -1299,7 +1799,7 @@
       </p:grpSpPr>
       <p:sp>
         <p:nvSpPr>
-          <p:cNvPr id="112" name="Google Shape;112;g32c78dc77c3_0_48:notes"/>
+          <p:cNvPr id="108" name="Google Shape;108;g32c78dc77c3_0_12:notes"/>
           <p:cNvSpPr txBox="1"/>
           <p:nvPr>
             <p:ph idx="1" type="body"/>
@@ -1338,7 +1838,7 @@
       </p:sp>
       <p:sp>
         <p:nvSpPr>
-          <p:cNvPr id="113" name="Google Shape;113;g32c78dc77c3_0_48:notes"/>
+          <p:cNvPr id="109" name="Google Shape;109;g32c78dc77c3_0_12:notes"/>
           <p:cNvSpPr/>
           <p:nvPr>
             <p:ph idx="2" type="sldImg"/>
@@ -1384,7 +1884,7 @@
   <p:cSld>
     <p:spTree>
       <p:nvGrpSpPr>
-        <p:cNvPr id="128" name="Shape 128"/>
+        <p:cNvPr id="115" name="Shape 115"/>
         <p:cNvGrpSpPr/>
         <p:nvPr/>
       </p:nvGrpSpPr>
@@ -1398,7 +1898,7 @@
       </p:grpSpPr>
       <p:sp>
         <p:nvSpPr>
-          <p:cNvPr id="129" name="Google Shape;129;g32c78dc77c3_0_27:notes"/>
+          <p:cNvPr id="116" name="Google Shape;116;g32c78dc77c3_0_48:notes"/>
           <p:cNvSpPr txBox="1"/>
           <p:nvPr>
             <p:ph idx="1" type="body"/>
@@ -1437,7 +1937,7 @@
       </p:sp>
       <p:sp>
         <p:nvSpPr>
-          <p:cNvPr id="130" name="Google Shape;130;g32c78dc77c3_0_27:notes"/>
+          <p:cNvPr id="117" name="Google Shape;117;g32c78dc77c3_0_48:notes"/>
           <p:cNvSpPr/>
           <p:nvPr>
             <p:ph idx="2" type="sldImg"/>
@@ -1483,7 +1983,7 @@
   <p:cSld>
     <p:spTree>
       <p:nvGrpSpPr>
-        <p:cNvPr id="136" name="Shape 136"/>
+        <p:cNvPr id="126" name="Shape 126"/>
         <p:cNvGrpSpPr/>
         <p:nvPr/>
       </p:nvGrpSpPr>
@@ -1497,7 +1997,7 @@
       </p:grpSpPr>
       <p:sp>
         <p:nvSpPr>
-          <p:cNvPr id="137" name="Google Shape;137;g32c78dc77c3_0_63:notes"/>
+          <p:cNvPr id="127" name="Google Shape;127;g33455df2fac_0_46:notes"/>
           <p:cNvSpPr txBox="1"/>
           <p:nvPr>
             <p:ph idx="1" type="body"/>
@@ -1536,7 +2036,7 @@
       </p:sp>
       <p:sp>
         <p:nvSpPr>
-          <p:cNvPr id="138" name="Google Shape;138;g32c78dc77c3_0_63:notes"/>
+          <p:cNvPr id="128" name="Google Shape;128;g33455df2fac_0_46:notes"/>
           <p:cNvSpPr/>
           <p:nvPr>
             <p:ph idx="2" type="sldImg"/>
@@ -1582,7 +2082,7 @@
   <p:cSld>
     <p:spTree>
       <p:nvGrpSpPr>
-        <p:cNvPr id="152" name="Shape 152"/>
+        <p:cNvPr id="137" name="Shape 137"/>
         <p:cNvGrpSpPr/>
         <p:nvPr/>
       </p:nvGrpSpPr>
@@ -1596,7 +2096,7 @@
       </p:grpSpPr>
       <p:sp>
         <p:nvSpPr>
-          <p:cNvPr id="153" name="Google Shape;153;g32c78dc77c3_0_41:notes"/>
+          <p:cNvPr id="138" name="Google Shape;138;g32c78dc77c3_0_27:notes"/>
           <p:cNvSpPr txBox="1"/>
           <p:nvPr>
             <p:ph idx="1" type="body"/>
@@ -1635,7 +2135,7 @@
       </p:sp>
       <p:sp>
         <p:nvSpPr>
-          <p:cNvPr id="154" name="Google Shape;154;g32c78dc77c3_0_41:notes"/>
+          <p:cNvPr id="139" name="Google Shape;139;g32c78dc77c3_0_27:notes"/>
           <p:cNvSpPr/>
           <p:nvPr>
             <p:ph idx="2" type="sldImg"/>
@@ -1681,7 +2181,7 @@
   <p:cSld>
     <p:spTree>
       <p:nvGrpSpPr>
-        <p:cNvPr id="160" name="Shape 160"/>
+        <p:cNvPr id="145" name="Shape 145"/>
         <p:cNvGrpSpPr/>
         <p:nvPr/>
       </p:nvGrpSpPr>
@@ -1695,7 +2195,7 @@
       </p:grpSpPr>
       <p:sp>
         <p:nvSpPr>
-          <p:cNvPr id="161" name="Google Shape;161;g32c78dc77c3_0_78:notes"/>
+          <p:cNvPr id="146" name="Google Shape;146;g32c78dc77c3_0_63:notes"/>
           <p:cNvSpPr txBox="1"/>
           <p:nvPr>
             <p:ph idx="1" type="body"/>
@@ -1734,7 +2234,7 @@
       </p:sp>
       <p:sp>
         <p:nvSpPr>
-          <p:cNvPr id="162" name="Google Shape;162;g32c78dc77c3_0_78:notes"/>
+          <p:cNvPr id="147" name="Google Shape;147;g32c78dc77c3_0_63:notes"/>
           <p:cNvSpPr/>
           <p:nvPr>
             <p:ph idx="2" type="sldImg"/>
@@ -1780,7 +2280,7 @@
   <p:cSld>
     <p:spTree>
       <p:nvGrpSpPr>
-        <p:cNvPr id="178" name="Shape 178"/>
+        <p:cNvPr id="156" name="Shape 156"/>
         <p:cNvGrpSpPr/>
         <p:nvPr/>
       </p:nvGrpSpPr>
@@ -1794,7 +2294,7 @@
       </p:grpSpPr>
       <p:sp>
         <p:nvSpPr>
-          <p:cNvPr id="179" name="Google Shape;179;g32c78dc77c3_0_34:notes"/>
+          <p:cNvPr id="157" name="Google Shape;157;g33455df2fac_0_56:notes"/>
           <p:cNvSpPr txBox="1"/>
           <p:nvPr>
             <p:ph idx="1" type="body"/>
@@ -1833,7 +2333,7 @@
       </p:sp>
       <p:sp>
         <p:nvSpPr>
-          <p:cNvPr id="180" name="Google Shape;180;g32c78dc77c3_0_34:notes"/>
+          <p:cNvPr id="158" name="Google Shape;158;g33455df2fac_0_56:notes"/>
           <p:cNvSpPr/>
           <p:nvPr>
             <p:ph idx="2" type="sldImg"/>
@@ -12273,7 +12773,7 @@
     </p:bg>
     <p:spTree>
       <p:nvGrpSpPr>
-        <p:cNvPr id="189" name="Shape 189"/>
+        <p:cNvPr id="170" name="Shape 170"/>
         <p:cNvGrpSpPr/>
         <p:nvPr/>
       </p:nvGrpSpPr>
@@ -12285,842 +12785,23 @@
           <a:chExt cx="0" cy="0"/>
         </a:xfrm>
       </p:grpSpPr>
-      <p:sp>
-        <p:nvSpPr>
-          <p:cNvPr id="190" name="Google Shape;190;p1"/>
-          <p:cNvSpPr txBox="1"/>
-          <p:nvPr>
-            <p:ph type="ctrTitle"/>
-          </p:nvPr>
-        </p:nvSpPr>
-        <p:spPr>
-          <a:xfrm>
-            <a:off x="1524000" y="1122363"/>
-            <a:ext cx="9144000" cy="2387600"/>
-          </a:xfrm>
-          <a:prstGeom prst="rect">
-            <a:avLst/>
-          </a:prstGeom>
-          <a:noFill/>
-          <a:ln>
-            <a:noFill/>
-          </a:ln>
-        </p:spPr>
-        <p:txBody>
-          <a:bodyPr anchorCtr="0" anchor="b" bIns="45700" lIns="91425" spcFirstLastPara="1" rIns="91425" wrap="square" tIns="45700">
-            <a:normAutofit/>
-          </a:bodyPr>
-          <a:lstStyle/>
-          <a:p>
-            <a:pPr indent="0" lvl="0" marL="0" rtl="0" algn="ctr">
-              <a:lnSpc>
-                <a:spcPct val="90000"/>
-              </a:lnSpc>
-              <a:spcBef>
-                <a:spcPts val="0"/>
-              </a:spcBef>
-              <a:spcAft>
-                <a:spcPts val="0"/>
-              </a:spcAft>
-              <a:buClr>
-                <a:schemeClr val="dk1"/>
-              </a:buClr>
-              <a:buSzPts val="6000"/>
-              <a:buFont typeface="Calibri"/>
-              <a:buNone/>
-            </a:pPr>
-            <a:r>
-              <a:t/>
-            </a:r>
-            <a:endParaRPr/>
-          </a:p>
-        </p:txBody>
-      </p:sp>
-      <p:sp>
-        <p:nvSpPr>
-          <p:cNvPr id="191" name="Google Shape;191;p1"/>
-          <p:cNvSpPr txBox="1"/>
-          <p:nvPr>
-            <p:ph idx="1" type="subTitle"/>
-          </p:nvPr>
-        </p:nvSpPr>
-        <p:spPr>
-          <a:xfrm>
-            <a:off x="1524000" y="3602038"/>
-            <a:ext cx="9144000" cy="1655762"/>
-          </a:xfrm>
-          <a:prstGeom prst="rect">
-            <a:avLst/>
-          </a:prstGeom>
-          <a:noFill/>
-          <a:ln>
-            <a:noFill/>
-          </a:ln>
-        </p:spPr>
-        <p:txBody>
-          <a:bodyPr anchorCtr="0" anchor="t" bIns="45700" lIns="91425" spcFirstLastPara="1" rIns="91425" wrap="square" tIns="45700">
-            <a:normAutofit/>
-          </a:bodyPr>
-          <a:lstStyle/>
-          <a:p>
-            <a:pPr indent="0" lvl="0" marL="0" rtl="0" algn="ctr">
-              <a:lnSpc>
-                <a:spcPct val="90000"/>
-              </a:lnSpc>
-              <a:spcBef>
-                <a:spcPts val="0"/>
-              </a:spcBef>
-              <a:spcAft>
-                <a:spcPts val="0"/>
-              </a:spcAft>
-              <a:buClr>
-                <a:schemeClr val="dk1"/>
-              </a:buClr>
-              <a:buSzPts val="2400"/>
-              <a:buNone/>
-            </a:pPr>
-            <a:r>
-              <a:t/>
-            </a:r>
-            <a:endParaRPr/>
-          </a:p>
-        </p:txBody>
-      </p:sp>
-    </p:spTree>
-  </p:cSld>
-  <p:clrMapOvr>
-    <a:masterClrMapping/>
-  </p:clrMapOvr>
-</p:sld>
-</file>
-
-<file path=ppt/slides/slide11.xml><?xml version="1.0" encoding="utf-8"?>
-<p:sld xmlns:a="http://schemas.openxmlformats.org/drawingml/2006/main" xmlns:r="http://schemas.openxmlformats.org/officeDocument/2006/relationships" xmlns:mc="http://schemas.openxmlformats.org/markup-compatibility/2006" xmlns:mv="urn:schemas-microsoft-com:mac:vml" xmlns:p="http://schemas.openxmlformats.org/presentationml/2006/main" xmlns:c="http://schemas.openxmlformats.org/drawingml/2006/chart" xmlns:dgm="http://schemas.openxmlformats.org/drawingml/2006/diagram" xmlns:o="urn:schemas-microsoft-com:office:office" xmlns:v="urn:schemas-microsoft-com:vml" xmlns:pvml="urn:schemas-microsoft-com:office:powerpoint" xmlns:com="http://schemas.openxmlformats.org/drawingml/2006/compatibility" xmlns:p14="http://schemas.microsoft.com/office/powerpoint/2010/main" xmlns:p15="http://schemas.microsoft.com/office/powerpoint/2012/main" xmlns:ahyp="http://schemas.microsoft.com/office/drawing/2018/hyperlinkcolor">
-  <p:cSld>
-    <p:bg>
-      <p:bgPr>
-        <a:blipFill>
-          <a:blip r:embed="rId3">
-            <a:alphaModFix/>
-          </a:blip>
-          <a:stretch>
-            <a:fillRect/>
-          </a:stretch>
-        </a:blipFill>
-      </p:bgPr>
-    </p:bg>
-    <p:spTree>
-      <p:nvGrpSpPr>
-        <p:cNvPr id="195" name="Shape 195"/>
-        <p:cNvGrpSpPr/>
-        <p:nvPr/>
-      </p:nvGrpSpPr>
-      <p:grpSpPr>
-        <a:xfrm>
-          <a:off x="0" y="0"/>
-          <a:ext cx="0" cy="0"/>
-          <a:chOff x="0" y="0"/>
-          <a:chExt cx="0" cy="0"/>
-        </a:xfrm>
-      </p:grpSpPr>
-      <p:sp>
-        <p:nvSpPr>
-          <p:cNvPr id="196" name="Google Shape;196;p3"/>
-          <p:cNvSpPr txBox="1"/>
-          <p:nvPr>
-            <p:ph type="title"/>
-          </p:nvPr>
-        </p:nvSpPr>
-        <p:spPr>
-          <a:xfrm>
-            <a:off x="838200" y="365125"/>
-            <a:ext cx="10515600" cy="1325563"/>
-          </a:xfrm>
-          <a:prstGeom prst="rect">
-            <a:avLst/>
-          </a:prstGeom>
-          <a:noFill/>
-          <a:ln>
-            <a:noFill/>
-          </a:ln>
-        </p:spPr>
-        <p:txBody>
-          <a:bodyPr anchorCtr="0" anchor="ctr" bIns="45700" lIns="91425" spcFirstLastPara="1" rIns="91425" wrap="square" tIns="45700">
-            <a:normAutofit/>
-          </a:bodyPr>
-          <a:lstStyle/>
-          <a:p>
-            <a:pPr indent="0" lvl="0" marL="0" rtl="0" algn="l">
-              <a:lnSpc>
-                <a:spcPct val="90000"/>
-              </a:lnSpc>
-              <a:spcBef>
-                <a:spcPts val="0"/>
-              </a:spcBef>
-              <a:spcAft>
-                <a:spcPts val="0"/>
-              </a:spcAft>
-              <a:buClr>
-                <a:schemeClr val="dk1"/>
-              </a:buClr>
-              <a:buSzPts val="4400"/>
-              <a:buFont typeface="Calibri"/>
-              <a:buNone/>
-            </a:pPr>
-            <a:r>
-              <a:t/>
-            </a:r>
-            <a:endParaRPr/>
-          </a:p>
-        </p:txBody>
-      </p:sp>
-      <p:sp>
-        <p:nvSpPr>
-          <p:cNvPr id="197" name="Google Shape;197;p3"/>
-          <p:cNvSpPr txBox="1"/>
-          <p:nvPr>
-            <p:ph idx="1" type="body"/>
-          </p:nvPr>
-        </p:nvSpPr>
-        <p:spPr>
-          <a:xfrm>
-            <a:off x="838200" y="1825625"/>
-            <a:ext cx="10515600" cy="4351338"/>
-          </a:xfrm>
-          <a:prstGeom prst="rect">
-            <a:avLst/>
-          </a:prstGeom>
-          <a:noFill/>
-          <a:ln>
-            <a:noFill/>
-          </a:ln>
-        </p:spPr>
-        <p:txBody>
-          <a:bodyPr anchorCtr="0" anchor="t" bIns="45700" lIns="91425" spcFirstLastPara="1" rIns="91425" wrap="square" tIns="45700">
-            <a:normAutofit/>
-          </a:bodyPr>
-          <a:lstStyle/>
-          <a:p>
-            <a:pPr indent="-50800" lvl="0" marL="228600" rtl="0" algn="l">
-              <a:lnSpc>
-                <a:spcPct val="90000"/>
-              </a:lnSpc>
-              <a:spcBef>
-                <a:spcPts val="0"/>
-              </a:spcBef>
-              <a:spcAft>
-                <a:spcPts val="0"/>
-              </a:spcAft>
-              <a:buClr>
-                <a:schemeClr val="dk1"/>
-              </a:buClr>
-              <a:buSzPts val="2800"/>
-              <a:buNone/>
-            </a:pPr>
-            <a:r>
-              <a:t/>
-            </a:r>
-            <a:endParaRPr/>
-          </a:p>
-        </p:txBody>
-      </p:sp>
-    </p:spTree>
-  </p:cSld>
-  <p:clrMapOvr>
-    <a:masterClrMapping/>
-  </p:clrMapOvr>
-</p:sld>
-</file>
-
-<file path=ppt/slides/slide12.xml><?xml version="1.0" encoding="utf-8"?>
-<p:sld xmlns:a="http://schemas.openxmlformats.org/drawingml/2006/main" xmlns:r="http://schemas.openxmlformats.org/officeDocument/2006/relationships" xmlns:mc="http://schemas.openxmlformats.org/markup-compatibility/2006" xmlns:mv="urn:schemas-microsoft-com:mac:vml" xmlns:p="http://schemas.openxmlformats.org/presentationml/2006/main" xmlns:c="http://schemas.openxmlformats.org/drawingml/2006/chart" xmlns:dgm="http://schemas.openxmlformats.org/drawingml/2006/diagram" xmlns:o="urn:schemas-microsoft-com:office:office" xmlns:v="urn:schemas-microsoft-com:vml" xmlns:pvml="urn:schemas-microsoft-com:office:powerpoint" xmlns:com="http://schemas.openxmlformats.org/drawingml/2006/compatibility" xmlns:p14="http://schemas.microsoft.com/office/powerpoint/2010/main" xmlns:p15="http://schemas.microsoft.com/office/powerpoint/2012/main" xmlns:ahyp="http://schemas.microsoft.com/office/drawing/2018/hyperlinkcolor">
-  <p:cSld>
-    <p:bg>
-      <p:bgPr>
-        <a:blipFill>
-          <a:blip r:embed="rId3">
-            <a:alphaModFix/>
-          </a:blip>
-          <a:stretch>
-            <a:fillRect/>
-          </a:stretch>
-        </a:blipFill>
-      </p:bgPr>
-    </p:bg>
-    <p:spTree>
-      <p:nvGrpSpPr>
-        <p:cNvPr id="201" name="Shape 201"/>
-        <p:cNvGrpSpPr/>
-        <p:nvPr/>
-      </p:nvGrpSpPr>
-      <p:grpSpPr>
-        <a:xfrm>
-          <a:off x="0" y="0"/>
-          <a:ext cx="0" cy="0"/>
-          <a:chOff x="0" y="0"/>
-          <a:chExt cx="0" cy="0"/>
-        </a:xfrm>
-      </p:grpSpPr>
-      <p:sp>
-        <p:nvSpPr>
-          <p:cNvPr id="202" name="Google Shape;202;p4"/>
-          <p:cNvSpPr txBox="1"/>
-          <p:nvPr>
-            <p:ph type="title"/>
-          </p:nvPr>
-        </p:nvSpPr>
-        <p:spPr>
-          <a:xfrm>
-            <a:off x="838200" y="365125"/>
-            <a:ext cx="10515600" cy="1325563"/>
-          </a:xfrm>
-          <a:prstGeom prst="rect">
-            <a:avLst/>
-          </a:prstGeom>
-          <a:noFill/>
-          <a:ln>
-            <a:noFill/>
-          </a:ln>
-        </p:spPr>
-        <p:txBody>
-          <a:bodyPr anchorCtr="0" anchor="ctr" bIns="45700" lIns="91425" spcFirstLastPara="1" rIns="91425" wrap="square" tIns="45700">
-            <a:normAutofit/>
-          </a:bodyPr>
-          <a:lstStyle/>
-          <a:p>
-            <a:pPr indent="0" lvl="0" marL="0" rtl="0" algn="l">
-              <a:lnSpc>
-                <a:spcPct val="90000"/>
-              </a:lnSpc>
-              <a:spcBef>
-                <a:spcPts val="0"/>
-              </a:spcBef>
-              <a:spcAft>
-                <a:spcPts val="0"/>
-              </a:spcAft>
-              <a:buClr>
-                <a:schemeClr val="dk1"/>
-              </a:buClr>
-              <a:buSzPts val="4400"/>
-              <a:buFont typeface="Calibri"/>
-              <a:buNone/>
-            </a:pPr>
-            <a:r>
-              <a:t/>
-            </a:r>
-            <a:endParaRPr/>
-          </a:p>
-        </p:txBody>
-      </p:sp>
-      <p:sp>
-        <p:nvSpPr>
-          <p:cNvPr id="203" name="Google Shape;203;p4"/>
-          <p:cNvSpPr txBox="1"/>
-          <p:nvPr>
-            <p:ph idx="1" type="body"/>
-          </p:nvPr>
-        </p:nvSpPr>
-        <p:spPr>
-          <a:xfrm>
-            <a:off x="838200" y="1825625"/>
-            <a:ext cx="10515600" cy="4351338"/>
-          </a:xfrm>
-          <a:prstGeom prst="rect">
-            <a:avLst/>
-          </a:prstGeom>
-          <a:noFill/>
-          <a:ln>
-            <a:noFill/>
-          </a:ln>
-        </p:spPr>
-        <p:txBody>
-          <a:bodyPr anchorCtr="0" anchor="t" bIns="45700" lIns="91425" spcFirstLastPara="1" rIns="91425" wrap="square" tIns="45700">
-            <a:normAutofit/>
-          </a:bodyPr>
-          <a:lstStyle/>
-          <a:p>
-            <a:pPr indent="-50800" lvl="0" marL="228600" rtl="0" algn="l">
-              <a:lnSpc>
-                <a:spcPct val="90000"/>
-              </a:lnSpc>
-              <a:spcBef>
-                <a:spcPts val="0"/>
-              </a:spcBef>
-              <a:spcAft>
-                <a:spcPts val="0"/>
-              </a:spcAft>
-              <a:buClr>
-                <a:schemeClr val="dk1"/>
-              </a:buClr>
-              <a:buSzPts val="2800"/>
-              <a:buNone/>
-            </a:pPr>
-            <a:r>
-              <a:t/>
-            </a:r>
-            <a:endParaRPr/>
-          </a:p>
-        </p:txBody>
-      </p:sp>
-    </p:spTree>
-  </p:cSld>
-  <p:clrMapOvr>
-    <a:masterClrMapping/>
-  </p:clrMapOvr>
-</p:sld>
-</file>
-
-<file path=ppt/slides/slide2.xml><?xml version="1.0" encoding="utf-8"?>
-<p:sld xmlns:a="http://schemas.openxmlformats.org/drawingml/2006/main" xmlns:r="http://schemas.openxmlformats.org/officeDocument/2006/relationships" xmlns:mc="http://schemas.openxmlformats.org/markup-compatibility/2006" xmlns:mv="urn:schemas-microsoft-com:mac:vml" xmlns:p="http://schemas.openxmlformats.org/presentationml/2006/main" xmlns:c="http://schemas.openxmlformats.org/drawingml/2006/chart" xmlns:dgm="http://schemas.openxmlformats.org/drawingml/2006/diagram" xmlns:o="urn:schemas-microsoft-com:office:office" xmlns:v="urn:schemas-microsoft-com:vml" xmlns:pvml="urn:schemas-microsoft-com:office:powerpoint" xmlns:com="http://schemas.openxmlformats.org/drawingml/2006/compatibility" xmlns:p14="http://schemas.microsoft.com/office/powerpoint/2010/main" xmlns:p15="http://schemas.microsoft.com/office/powerpoint/2012/main" xmlns:ahyp="http://schemas.microsoft.com/office/drawing/2018/hyperlinkcolor">
-  <p:cSld>
-    <p:bg>
-      <p:bgPr>
-        <a:blipFill>
-          <a:blip r:embed="rId3">
-            <a:alphaModFix/>
-          </a:blip>
-          <a:stretch>
-            <a:fillRect/>
-          </a:stretch>
-        </a:blipFill>
-      </p:bgPr>
-    </p:bg>
-    <p:spTree>
-      <p:nvGrpSpPr>
-        <p:cNvPr id="90" name="Shape 90"/>
-        <p:cNvGrpSpPr/>
-        <p:nvPr/>
-      </p:nvGrpSpPr>
-      <p:grpSpPr>
-        <a:xfrm>
-          <a:off x="0" y="0"/>
-          <a:ext cx="0" cy="0"/>
-          <a:chOff x="0" y="0"/>
-          <a:chExt cx="0" cy="0"/>
-        </a:xfrm>
-      </p:grpSpPr>
-      <p:sp>
-        <p:nvSpPr>
-          <p:cNvPr id="91" name="Google Shape;91;p2"/>
-          <p:cNvSpPr/>
-          <p:nvPr/>
-        </p:nvSpPr>
-        <p:spPr>
-          <a:xfrm>
-            <a:off x="1590898" y="1281316"/>
-            <a:ext cx="2693700" cy="245100"/>
-          </a:xfrm>
-          <a:prstGeom prst="roundRect">
-            <a:avLst>
-              <a:gd fmla="val 16667" name="adj"/>
-            </a:avLst>
-          </a:prstGeom>
-          <a:solidFill>
-            <a:srgbClr val="548135"/>
-          </a:solidFill>
-          <a:ln>
-            <a:noFill/>
-          </a:ln>
-        </p:spPr>
-        <p:txBody>
-          <a:bodyPr anchorCtr="0" anchor="ctr" bIns="45700" lIns="91425" spcFirstLastPara="1" rIns="91425" wrap="square" tIns="45700">
-            <a:noAutofit/>
-          </a:bodyPr>
-          <a:lstStyle/>
-          <a:p>
-            <a:pPr indent="0" lvl="0" marL="0" marR="0" rtl="0" algn="ctr">
-              <a:spcBef>
-                <a:spcPts val="0"/>
-              </a:spcBef>
-              <a:spcAft>
-                <a:spcPts val="0"/>
-              </a:spcAft>
-              <a:buNone/>
-            </a:pPr>
-            <a:r>
-              <a:t/>
-            </a:r>
-            <a:endParaRPr sz="2000">
-              <a:solidFill>
-                <a:srgbClr val="FFFFFF"/>
-              </a:solidFill>
-              <a:latin typeface="Calibri"/>
-              <a:ea typeface="Calibri"/>
-              <a:cs typeface="Calibri"/>
-              <a:sym typeface="Calibri"/>
-            </a:endParaRPr>
-          </a:p>
-        </p:txBody>
-      </p:sp>
-      <p:sp>
-        <p:nvSpPr>
-          <p:cNvPr id="92" name="Google Shape;92;p2"/>
-          <p:cNvSpPr txBox="1"/>
-          <p:nvPr/>
-        </p:nvSpPr>
-        <p:spPr>
-          <a:xfrm>
-            <a:off x="1517728" y="1239092"/>
-            <a:ext cx="2933700" cy="307800"/>
-          </a:xfrm>
-          <a:prstGeom prst="rect">
-            <a:avLst/>
-          </a:prstGeom>
-          <a:noFill/>
-          <a:ln>
-            <a:noFill/>
-          </a:ln>
-        </p:spPr>
-        <p:txBody>
-          <a:bodyPr anchorCtr="0" anchor="t" bIns="45700" lIns="91425" spcFirstLastPara="1" rIns="91425" wrap="square" tIns="45700">
-            <a:spAutoFit/>
-          </a:bodyPr>
-          <a:lstStyle/>
-          <a:p>
-            <a:pPr indent="0" lvl="0" marL="0" marR="0" rtl="0" algn="l">
-              <a:spcBef>
-                <a:spcPts val="0"/>
-              </a:spcBef>
-              <a:spcAft>
-                <a:spcPts val="0"/>
-              </a:spcAft>
-              <a:buNone/>
-            </a:pPr>
-            <a:r>
-              <a:rPr lang="pt-BR" sz="1400">
-                <a:solidFill>
-                  <a:srgbClr val="FFFFFF"/>
-                </a:solidFill>
-                <a:latin typeface="Calibri"/>
-                <a:ea typeface="Calibri"/>
-                <a:cs typeface="Calibri"/>
-                <a:sym typeface="Calibri"/>
-              </a:rPr>
-              <a:t> SEÇÃO 1.GESTÃO ORGANIZACIONAL</a:t>
-            </a:r>
-            <a:endParaRPr sz="1600">
-              <a:solidFill>
-                <a:srgbClr val="FFFFFF"/>
-              </a:solidFill>
-              <a:latin typeface="Calibri"/>
-              <a:ea typeface="Calibri"/>
-              <a:cs typeface="Calibri"/>
-              <a:sym typeface="Calibri"/>
-            </a:endParaRPr>
-          </a:p>
-        </p:txBody>
-      </p:sp>
-      <p:pic>
-        <p:nvPicPr>
-          <p:cNvPr descr="Tela de computador com texto preto sobre fundo verde&#10;&#10;Descrição gerada automaticamente" id="93" name="Google Shape;93;p2"/>
-          <p:cNvPicPr preferRelativeResize="0"/>
-          <p:nvPr/>
-        </p:nvPicPr>
-        <p:blipFill rotWithShape="1">
-          <a:blip r:embed="rId4">
-            <a:alphaModFix/>
-          </a:blip>
-          <a:srcRect b="0" l="0" r="0" t="0"/>
-          <a:stretch/>
-        </p:blipFill>
-        <p:spPr>
-          <a:xfrm>
-            <a:off x="1566185" y="1551245"/>
-            <a:ext cx="2743200" cy="3632886"/>
-          </a:xfrm>
-          <a:prstGeom prst="rect">
-            <a:avLst/>
-          </a:prstGeom>
-          <a:noFill/>
-          <a:ln>
-            <a:noFill/>
-          </a:ln>
-        </p:spPr>
-      </p:pic>
       <p:grpSp>
         <p:nvGrpSpPr>
-          <p:cNvPr id="94" name="Google Shape;94;p2"/>
+          <p:cNvPr id="171" name="Google Shape;171;g32c78dc77c3_0_41"/>
           <p:cNvGrpSpPr/>
           <p:nvPr/>
         </p:nvGrpSpPr>
         <p:grpSpPr>
           <a:xfrm>
-            <a:off x="1519264" y="5301786"/>
-            <a:ext cx="4056846" cy="1014900"/>
-            <a:chOff x="512849" y="4370133"/>
-            <a:chExt cx="4056846" cy="1014900"/>
-          </a:xfrm>
-        </p:grpSpPr>
-        <p:sp>
-          <p:nvSpPr>
-            <p:cNvPr id="95" name="Google Shape;95;p2"/>
-            <p:cNvSpPr/>
-            <p:nvPr/>
-          </p:nvSpPr>
-          <p:spPr>
-            <a:xfrm>
-              <a:off x="512849" y="4441059"/>
-              <a:ext cx="2837100" cy="916500"/>
-            </a:xfrm>
-            <a:prstGeom prst="roundRect">
-              <a:avLst>
-                <a:gd fmla="val 16667" name="adj"/>
-              </a:avLst>
-            </a:prstGeom>
-            <a:solidFill>
-              <a:srgbClr val="548135"/>
-            </a:solidFill>
-            <a:ln>
-              <a:noFill/>
-            </a:ln>
-          </p:spPr>
-          <p:txBody>
-            <a:bodyPr anchorCtr="0" anchor="ctr" bIns="45700" lIns="91425" spcFirstLastPara="1" rIns="91425" wrap="square" tIns="45700">
-              <a:noAutofit/>
-            </a:bodyPr>
-            <a:lstStyle/>
-            <a:p>
-              <a:pPr indent="0" lvl="0" marL="0" marR="0" rtl="0" algn="ctr">
-                <a:spcBef>
-                  <a:spcPts val="0"/>
-                </a:spcBef>
-                <a:spcAft>
-                  <a:spcPts val="0"/>
-                </a:spcAft>
-                <a:buNone/>
-              </a:pPr>
-              <a:r>
-                <a:t/>
-              </a:r>
-              <a:endParaRPr sz="1800">
-                <a:solidFill>
-                  <a:srgbClr val="FFFFFF"/>
-                </a:solidFill>
-                <a:latin typeface="Calibri"/>
-                <a:ea typeface="Calibri"/>
-                <a:cs typeface="Calibri"/>
-                <a:sym typeface="Calibri"/>
-              </a:endParaRPr>
-            </a:p>
-          </p:txBody>
-        </p:sp>
-        <p:sp>
-          <p:nvSpPr>
-            <p:cNvPr id="96" name="Google Shape;96;p2"/>
-            <p:cNvSpPr/>
-            <p:nvPr/>
-          </p:nvSpPr>
-          <p:spPr>
-            <a:xfrm>
-              <a:off x="2702243" y="4370133"/>
-              <a:ext cx="1353000" cy="1014900"/>
-            </a:xfrm>
-            <a:prstGeom prst="ellipse">
-              <a:avLst/>
-            </a:prstGeom>
-            <a:solidFill>
-              <a:srgbClr val="FFFFFF"/>
-            </a:solidFill>
-            <a:ln>
-              <a:noFill/>
-            </a:ln>
-          </p:spPr>
-          <p:txBody>
-            <a:bodyPr anchorCtr="0" anchor="ctr" bIns="45700" lIns="91425" spcFirstLastPara="1" rIns="91425" wrap="square" tIns="45700">
-              <a:noAutofit/>
-            </a:bodyPr>
-            <a:lstStyle/>
-            <a:p>
-              <a:pPr indent="0" lvl="0" marL="0" marR="0" rtl="0" algn="ctr">
-                <a:spcBef>
-                  <a:spcPts val="0"/>
-                </a:spcBef>
-                <a:spcAft>
-                  <a:spcPts val="0"/>
-                </a:spcAft>
-                <a:buNone/>
-              </a:pPr>
-              <a:r>
-                <a:t/>
-              </a:r>
-              <a:endParaRPr sz="1800">
-                <a:solidFill>
-                  <a:srgbClr val="FFFFFF"/>
-                </a:solidFill>
-                <a:latin typeface="Calibri"/>
-                <a:ea typeface="Calibri"/>
-                <a:cs typeface="Calibri"/>
-                <a:sym typeface="Calibri"/>
-              </a:endParaRPr>
-            </a:p>
-          </p:txBody>
-        </p:sp>
-        <p:sp>
-          <p:nvSpPr>
-            <p:cNvPr id="97" name="Google Shape;97;p2"/>
-            <p:cNvSpPr txBox="1"/>
-            <p:nvPr/>
-          </p:nvSpPr>
-          <p:spPr>
-            <a:xfrm>
-              <a:off x="3136895" y="4449649"/>
-              <a:ext cx="1432800" cy="369300"/>
-            </a:xfrm>
-            <a:prstGeom prst="rect">
-              <a:avLst/>
-            </a:prstGeom>
-            <a:noFill/>
-            <a:ln>
-              <a:noFill/>
-            </a:ln>
-          </p:spPr>
-          <p:txBody>
-            <a:bodyPr anchorCtr="0" anchor="t" bIns="45700" lIns="91425" spcFirstLastPara="1" rIns="91425" wrap="square" tIns="45700">
-              <a:spAutoFit/>
-            </a:bodyPr>
-            <a:lstStyle/>
-            <a:p>
-              <a:pPr indent="0" lvl="0" marL="0" marR="0" rtl="0" algn="l">
-                <a:spcBef>
-                  <a:spcPts val="0"/>
-                </a:spcBef>
-                <a:spcAft>
-                  <a:spcPts val="0"/>
-                </a:spcAft>
-                <a:buNone/>
-              </a:pPr>
-              <a:r>
-                <a:rPr lang="pt-BR" sz="1800">
-                  <a:solidFill>
-                    <a:srgbClr val="548135"/>
-                  </a:solidFill>
-                  <a:latin typeface="Calibri"/>
-                  <a:ea typeface="Calibri"/>
-                  <a:cs typeface="Calibri"/>
-                  <a:sym typeface="Calibri"/>
-                </a:rPr>
-                <a:t>Total N1 </a:t>
-              </a:r>
-              <a:endParaRPr/>
-            </a:p>
-          </p:txBody>
-        </p:sp>
-        <p:sp>
-          <p:nvSpPr>
-            <p:cNvPr id="98" name="Google Shape;98;p2"/>
-            <p:cNvSpPr txBox="1"/>
-            <p:nvPr/>
-          </p:nvSpPr>
-          <p:spPr>
-            <a:xfrm>
-              <a:off x="512851" y="4462882"/>
-              <a:ext cx="1165200" cy="861900"/>
-            </a:xfrm>
-            <a:prstGeom prst="rect">
-              <a:avLst/>
-            </a:prstGeom>
-            <a:noFill/>
-            <a:ln>
-              <a:noFill/>
-            </a:ln>
-          </p:spPr>
-          <p:txBody>
-            <a:bodyPr anchorCtr="0" anchor="t" bIns="45700" lIns="91425" spcFirstLastPara="1" rIns="91425" wrap="square" tIns="45700">
-              <a:spAutoFit/>
-            </a:bodyPr>
-            <a:lstStyle/>
-            <a:p>
-              <a:pPr indent="0" lvl="0" marL="0" marR="0" rtl="0" algn="l">
-                <a:spcBef>
-                  <a:spcPts val="0"/>
-                </a:spcBef>
-                <a:spcAft>
-                  <a:spcPts val="0"/>
-                </a:spcAft>
-                <a:buNone/>
-              </a:pPr>
-              <a:r>
-                <a:rPr lang="pt-BR" sz="1800">
-                  <a:solidFill>
-                    <a:srgbClr val="FFFFFF"/>
-                  </a:solidFill>
-                  <a:latin typeface="Calibri"/>
-                  <a:ea typeface="Calibri"/>
-                  <a:cs typeface="Calibri"/>
-                  <a:sym typeface="Calibri"/>
-                </a:rPr>
-                <a:t>N1</a:t>
-              </a:r>
-              <a:endParaRPr/>
-            </a:p>
-            <a:p>
-              <a:pPr indent="0" lvl="0" marL="0" marR="0" rtl="0" algn="l">
-                <a:spcBef>
-                  <a:spcPts val="0"/>
-                </a:spcBef>
-                <a:spcAft>
-                  <a:spcPts val="0"/>
-                </a:spcAft>
-                <a:buNone/>
-              </a:pPr>
-              <a:r>
-                <a:rPr lang="pt-BR" sz="1600">
-                  <a:solidFill>
-                    <a:srgbClr val="FFFFFF"/>
-                  </a:solidFill>
-                  <a:latin typeface="Calibri"/>
-                  <a:ea typeface="Calibri"/>
-                  <a:cs typeface="Calibri"/>
-                  <a:sym typeface="Calibri"/>
-                </a:rPr>
-                <a:t>Core 46</a:t>
-              </a:r>
-              <a:endParaRPr/>
-            </a:p>
-            <a:p>
-              <a:pPr indent="0" lvl="0" marL="0" marR="0" rtl="0" algn="l">
-                <a:spcBef>
-                  <a:spcPts val="0"/>
-                </a:spcBef>
-                <a:spcAft>
-                  <a:spcPts val="0"/>
-                </a:spcAft>
-                <a:buNone/>
-              </a:pPr>
-              <a:r>
-                <a:rPr lang="pt-BR" sz="1600">
-                  <a:solidFill>
-                    <a:srgbClr val="FFFFFF"/>
-                  </a:solidFill>
-                  <a:latin typeface="Calibri"/>
-                  <a:ea typeface="Calibri"/>
-                  <a:cs typeface="Calibri"/>
-                  <a:sym typeface="Calibri"/>
-                </a:rPr>
-                <a:t>Outros 100</a:t>
-              </a:r>
-              <a:endParaRPr/>
-            </a:p>
-          </p:txBody>
-        </p:sp>
-      </p:grpSp>
-      <p:grpSp>
-        <p:nvGrpSpPr>
-          <p:cNvPr id="99" name="Google Shape;99;p2"/>
-          <p:cNvGrpSpPr/>
-          <p:nvPr/>
-        </p:nvGrpSpPr>
-        <p:grpSpPr>
-          <a:xfrm>
-            <a:off x="578439" y="263068"/>
-            <a:ext cx="1230372" cy="1410507"/>
+            <a:off x="461068" y="95545"/>
+            <a:ext cx="1396718" cy="1410507"/>
             <a:chOff x="515359" y="4127491"/>
             <a:chExt cx="1230372" cy="1410507"/>
           </a:xfrm>
         </p:grpSpPr>
         <p:sp>
           <p:nvSpPr>
-            <p:cNvPr id="100" name="Google Shape;100;p2"/>
+            <p:cNvPr id="172" name="Google Shape;172;g32c78dc77c3_0_41"/>
             <p:cNvSpPr/>
             <p:nvPr/>
           </p:nvSpPr>
@@ -13135,7 +12816,7 @@
               </a:avLst>
             </a:prstGeom>
             <a:solidFill>
-              <a:srgbClr val="385623"/>
+              <a:srgbClr val="ED7D31"/>
             </a:solidFill>
             <a:ln>
               <a:noFill/>
@@ -13173,7 +12854,7 @@
         </p:sp>
         <p:sp>
           <p:nvSpPr>
-            <p:cNvPr id="101" name="Google Shape;101;p2"/>
+            <p:cNvPr id="173" name="Google Shape;173;g32c78dc77c3_0_41"/>
             <p:cNvSpPr txBox="1"/>
             <p:nvPr/>
           </p:nvSpPr>
@@ -13232,14 +12913,14 @@
       </p:grpSp>
       <p:sp>
         <p:nvSpPr>
-          <p:cNvPr id="102" name="Google Shape;102;p2"/>
+          <p:cNvPr id="174" name="Google Shape;174;g32c78dc77c3_0_41"/>
           <p:cNvSpPr txBox="1"/>
           <p:nvPr/>
         </p:nvSpPr>
         <p:spPr>
           <a:xfrm>
-            <a:off x="1356116" y="265653"/>
-            <a:ext cx="4997700" cy="1015800"/>
+            <a:off x="1261674" y="477505"/>
+            <a:ext cx="10612500" cy="646500"/>
           </a:xfrm>
           <a:prstGeom prst="rect">
             <a:avLst/>
@@ -13255,7 +12936,10 @@
           </a:bodyPr>
           <a:lstStyle/>
           <a:p>
-            <a:pPr indent="0" lvl="0" marL="0" marR="0" rtl="0" algn="l">
+            <a:pPr indent="0" lvl="0" marL="0" rtl="0" algn="l">
+              <a:lnSpc>
+                <a:spcPct val="90000"/>
+              </a:lnSpc>
               <a:spcBef>
                 <a:spcPts val="0"/>
               </a:spcBef>
@@ -13265,21 +12949,27 @@
               <a:buNone/>
             </a:pPr>
             <a:r>
-              <a:rPr lang="pt-BR" sz="6000">
+              <a:rPr lang="pt-BR" sz="4000">
+                <a:latin typeface="Calibri"/>
+                <a:ea typeface="Calibri"/>
+                <a:cs typeface="Calibri"/>
+                <a:sym typeface="Calibri"/>
+              </a:rPr>
+              <a:t>Seção </a:t>
+            </a:r>
+            <a:r>
+              <a:rPr lang="pt-BR" sz="4000">
                 <a:solidFill>
-                  <a:srgbClr val="000000"/>
+                  <a:schemeClr val="dk1"/>
                 </a:solidFill>
                 <a:latin typeface="Calibri"/>
                 <a:ea typeface="Calibri"/>
                 <a:cs typeface="Calibri"/>
                 <a:sym typeface="Calibri"/>
               </a:rPr>
-              <a:t>Resultados</a:t>
+              <a:t>Diagnóstico e terapêutica (3.) por subseções </a:t>
             </a:r>
-            <a:endParaRPr sz="1800">
-              <a:solidFill>
-                <a:srgbClr val="000000"/>
-              </a:solidFill>
+            <a:endParaRPr sz="6000">
               <a:latin typeface="Calibri"/>
               <a:ea typeface="Calibri"/>
               <a:cs typeface="Calibri"/>
@@ -13296,7 +12986,7 @@
 </p:sld>
 </file>
 
-<file path=ppt/slides/slide3.xml><?xml version="1.0" encoding="utf-8"?>
+<file path=ppt/slides/slide11.xml><?xml version="1.0" encoding="utf-8"?>
 <p:sld xmlns:a="http://schemas.openxmlformats.org/drawingml/2006/main" xmlns:r="http://schemas.openxmlformats.org/officeDocument/2006/relationships" xmlns:mc="http://schemas.openxmlformats.org/markup-compatibility/2006" xmlns:mv="urn:schemas-microsoft-com:mac:vml" xmlns:p="http://schemas.openxmlformats.org/presentationml/2006/main" xmlns:c="http://schemas.openxmlformats.org/drawingml/2006/chart" xmlns:dgm="http://schemas.openxmlformats.org/drawingml/2006/diagram" xmlns:o="urn:schemas-microsoft-com:office:office" xmlns:v="urn:schemas-microsoft-com:vml" xmlns:pvml="urn:schemas-microsoft-com:office:powerpoint" xmlns:com="http://schemas.openxmlformats.org/drawingml/2006/compatibility" xmlns:p14="http://schemas.microsoft.com/office/powerpoint/2010/main" xmlns:p15="http://schemas.microsoft.com/office/powerpoint/2012/main" xmlns:ahyp="http://schemas.microsoft.com/office/drawing/2018/hyperlinkcolor">
   <p:cSld>
     <p:bg>
@@ -13313,7 +13003,7 @@
     </p:bg>
     <p:spTree>
       <p:nvGrpSpPr>
-        <p:cNvPr id="106" name="Shape 106"/>
+        <p:cNvPr id="178" name="Shape 178"/>
         <p:cNvGrpSpPr/>
         <p:nvPr/>
       </p:nvGrpSpPr>
@@ -13327,13 +13017,13 @@
       </p:grpSpPr>
       <p:grpSp>
         <p:nvGrpSpPr>
-          <p:cNvPr id="107" name="Google Shape;107;g32c78dc77c3_0_12"/>
+          <p:cNvPr id="179" name="Google Shape;179;g32c78dc77c3_0_78"/>
           <p:cNvGrpSpPr/>
           <p:nvPr/>
         </p:nvGrpSpPr>
         <p:grpSpPr>
           <a:xfrm>
-            <a:off x="578439" y="263068"/>
+            <a:off x="591339" y="198618"/>
             <a:ext cx="1230372" cy="1410507"/>
             <a:chOff x="515359" y="4127491"/>
             <a:chExt cx="1230372" cy="1410507"/>
@@ -13341,7 +13031,7 @@
         </p:grpSpPr>
         <p:sp>
           <p:nvSpPr>
-            <p:cNvPr id="108" name="Google Shape;108;g32c78dc77c3_0_12"/>
+            <p:cNvPr id="180" name="Google Shape;180;g32c78dc77c3_0_78"/>
             <p:cNvSpPr/>
             <p:nvPr/>
           </p:nvSpPr>
@@ -13356,7 +13046,7 @@
               </a:avLst>
             </a:prstGeom>
             <a:solidFill>
-              <a:srgbClr val="385623"/>
+              <a:srgbClr val="757070"/>
             </a:solidFill>
             <a:ln>
               <a:noFill/>
@@ -13394,7 +13084,7 @@
         </p:sp>
         <p:sp>
           <p:nvSpPr>
-            <p:cNvPr id="109" name="Google Shape;109;g32c78dc77c3_0_12"/>
+            <p:cNvPr id="181" name="Google Shape;181;g32c78dc77c3_0_78"/>
             <p:cNvSpPr txBox="1"/>
             <p:nvPr/>
           </p:nvSpPr>
@@ -13453,14 +13143,14 @@
       </p:grpSp>
       <p:sp>
         <p:nvSpPr>
-          <p:cNvPr id="110" name="Google Shape;110;g32c78dc77c3_0_12"/>
+          <p:cNvPr id="182" name="Google Shape;182;g32c78dc77c3_0_78"/>
           <p:cNvSpPr txBox="1"/>
           <p:nvPr/>
         </p:nvSpPr>
         <p:spPr>
           <a:xfrm>
-            <a:off x="1369025" y="645075"/>
-            <a:ext cx="10324500" cy="646500"/>
+            <a:off x="1371666" y="85178"/>
+            <a:ext cx="4997700" cy="1015800"/>
           </a:xfrm>
           <a:prstGeom prst="rect">
             <a:avLst/>
@@ -13476,10 +13166,7 @@
           </a:bodyPr>
           <a:lstStyle/>
           <a:p>
-            <a:pPr indent="0" lvl="0" marL="0" rtl="0" algn="l">
-              <a:lnSpc>
-                <a:spcPct val="90000"/>
-              </a:lnSpc>
+            <a:pPr indent="0" lvl="0" marL="0" marR="0" rtl="0" algn="l">
               <a:spcBef>
                 <a:spcPts val="0"/>
               </a:spcBef>
@@ -13489,15 +13176,21 @@
               <a:buNone/>
             </a:pPr>
             <a:r>
-              <a:rPr lang="pt-BR" sz="4000">
+              <a:rPr lang="pt-BR" sz="6000">
+                <a:solidFill>
+                  <a:srgbClr val="000000"/>
+                </a:solidFill>
                 <a:latin typeface="Calibri"/>
                 <a:ea typeface="Calibri"/>
                 <a:cs typeface="Calibri"/>
                 <a:sym typeface="Calibri"/>
               </a:rPr>
-              <a:t>Seção Gestão Organizacional (1.) por subseções</a:t>
+              <a:t>Resultados</a:t>
             </a:r>
-            <a:endParaRPr sz="6000">
+            <a:endParaRPr sz="1800">
+              <a:solidFill>
+                <a:srgbClr val="000000"/>
+              </a:solidFill>
               <a:latin typeface="Calibri"/>
               <a:ea typeface="Calibri"/>
               <a:cs typeface="Calibri"/>
@@ -13506,6 +13199,124 @@
           </a:p>
         </p:txBody>
       </p:sp>
+      <p:grpSp>
+        <p:nvGrpSpPr>
+          <p:cNvPr id="183" name="Google Shape;183;g32c78dc77c3_0_78"/>
+          <p:cNvGrpSpPr/>
+          <p:nvPr/>
+        </p:nvGrpSpPr>
+        <p:grpSpPr>
+          <a:xfrm>
+            <a:off x="1462250" y="1029031"/>
+            <a:ext cx="2873639" cy="414145"/>
+            <a:chOff x="5505442" y="403385"/>
+            <a:chExt cx="2693700" cy="370500"/>
+          </a:xfrm>
+        </p:grpSpPr>
+        <p:sp>
+          <p:nvSpPr>
+            <p:cNvPr id="184" name="Google Shape;184;g32c78dc77c3_0_78"/>
+            <p:cNvSpPr/>
+            <p:nvPr/>
+          </p:nvSpPr>
+          <p:spPr>
+            <a:xfrm>
+              <a:off x="5505442" y="403385"/>
+              <a:ext cx="2693700" cy="370500"/>
+            </a:xfrm>
+            <a:prstGeom prst="roundRect">
+              <a:avLst>
+                <a:gd fmla="val 16667" name="adj"/>
+              </a:avLst>
+            </a:prstGeom>
+            <a:solidFill>
+              <a:srgbClr val="AEABAB"/>
+            </a:solidFill>
+            <a:ln>
+              <a:noFill/>
+            </a:ln>
+          </p:spPr>
+          <p:txBody>
+            <a:bodyPr anchorCtr="0" anchor="ctr" bIns="45700" lIns="91425" spcFirstLastPara="1" rIns="91425" wrap="square" tIns="45700">
+              <a:noAutofit/>
+            </a:bodyPr>
+            <a:lstStyle/>
+            <a:p>
+              <a:pPr indent="0" lvl="0" marL="0" marR="0" rtl="0" algn="ctr">
+                <a:spcBef>
+                  <a:spcPts val="0"/>
+                </a:spcBef>
+                <a:spcAft>
+                  <a:spcPts val="0"/>
+                </a:spcAft>
+                <a:buNone/>
+              </a:pPr>
+              <a:r>
+                <a:t/>
+              </a:r>
+              <a:endParaRPr sz="1400">
+                <a:solidFill>
+                  <a:srgbClr val="FFFFFF"/>
+                </a:solidFill>
+                <a:latin typeface="Calibri"/>
+                <a:ea typeface="Calibri"/>
+                <a:cs typeface="Calibri"/>
+                <a:sym typeface="Calibri"/>
+              </a:endParaRPr>
+            </a:p>
+          </p:txBody>
+        </p:sp>
+        <p:sp>
+          <p:nvSpPr>
+            <p:cNvPr id="185" name="Google Shape;185;g32c78dc77c3_0_78"/>
+            <p:cNvSpPr txBox="1"/>
+            <p:nvPr/>
+          </p:nvSpPr>
+          <p:spPr>
+            <a:xfrm>
+              <a:off x="5588874" y="434926"/>
+              <a:ext cx="2437200" cy="275400"/>
+            </a:xfrm>
+            <a:prstGeom prst="rect">
+              <a:avLst/>
+            </a:prstGeom>
+            <a:noFill/>
+            <a:ln>
+              <a:noFill/>
+            </a:ln>
+          </p:spPr>
+          <p:txBody>
+            <a:bodyPr anchorCtr="0" anchor="t" bIns="45700" lIns="91425" spcFirstLastPara="1" rIns="91425" wrap="square" tIns="45700">
+              <a:spAutoFit/>
+            </a:bodyPr>
+            <a:lstStyle/>
+            <a:p>
+              <a:pPr indent="0" lvl="0" marL="0" marR="0" rtl="0" algn="ctr">
+                <a:spcBef>
+                  <a:spcPts val="0"/>
+                </a:spcBef>
+                <a:spcAft>
+                  <a:spcPts val="0"/>
+                </a:spcAft>
+                <a:buNone/>
+              </a:pPr>
+              <a:r>
+                <a:rPr lang="pt-BR" sz="1400">
+                  <a:solidFill>
+                    <a:srgbClr val="FFFFFF"/>
+                  </a:solidFill>
+                  <a:latin typeface="Calibri"/>
+                  <a:ea typeface="Calibri"/>
+                  <a:cs typeface="Calibri"/>
+                  <a:sym typeface="Calibri"/>
+                </a:rPr>
+                <a:t>SEÇÃO 4. GESTÃO DE APOIO</a:t>
+              </a:r>
+              <a:endParaRPr/>
+            </a:p>
+          </p:txBody>
+        </p:sp>
+      </p:grpSp>
     </p:spTree>
   </p:cSld>
   <p:clrMapOvr>
@@ -13514,7 +13325,7 @@
 </p:sld>
 </file>
 
-<file path=ppt/slides/slide4.xml><?xml version="1.0" encoding="utf-8"?>
+<file path=ppt/slides/slide12.xml><?xml version="1.0" encoding="utf-8"?>
 <p:sld xmlns:a="http://schemas.openxmlformats.org/drawingml/2006/main" xmlns:r="http://schemas.openxmlformats.org/officeDocument/2006/relationships" xmlns:mc="http://schemas.openxmlformats.org/markup-compatibility/2006" xmlns:mv="urn:schemas-microsoft-com:mac:vml" xmlns:p="http://schemas.openxmlformats.org/presentationml/2006/main" xmlns:c="http://schemas.openxmlformats.org/drawingml/2006/chart" xmlns:dgm="http://schemas.openxmlformats.org/drawingml/2006/diagram" xmlns:o="urn:schemas-microsoft-com:office:office" xmlns:v="urn:schemas-microsoft-com:vml" xmlns:pvml="urn:schemas-microsoft-com:office:powerpoint" xmlns:com="http://schemas.openxmlformats.org/drawingml/2006/compatibility" xmlns:p14="http://schemas.microsoft.com/office/powerpoint/2010/main" xmlns:p15="http://schemas.microsoft.com/office/powerpoint/2012/main" xmlns:ahyp="http://schemas.microsoft.com/office/drawing/2018/hyperlinkcolor">
   <p:cSld>
     <p:bg>
@@ -13531,7 +13342,7 @@
     </p:bg>
     <p:spTree>
       <p:nvGrpSpPr>
-        <p:cNvPr id="114" name="Shape 114"/>
+        <p:cNvPr id="189" name="Shape 189"/>
         <p:cNvGrpSpPr/>
         <p:nvPr/>
       </p:nvGrpSpPr>
@@ -13545,13 +13356,13 @@
       </p:grpSpPr>
       <p:grpSp>
         <p:nvGrpSpPr>
-          <p:cNvPr id="115" name="Google Shape;115;g32c78dc77c3_0_48"/>
+          <p:cNvPr id="190" name="Google Shape;190;g33455df2fac_0_66"/>
           <p:cNvGrpSpPr/>
           <p:nvPr/>
         </p:nvGrpSpPr>
         <p:grpSpPr>
           <a:xfrm>
-            <a:off x="578439" y="263068"/>
+            <a:off x="565539" y="172843"/>
             <a:ext cx="1230372" cy="1410507"/>
             <a:chOff x="515359" y="4127491"/>
             <a:chExt cx="1230372" cy="1410507"/>
@@ -13559,7 +13370,7 @@
         </p:grpSpPr>
         <p:sp>
           <p:nvSpPr>
-            <p:cNvPr id="116" name="Google Shape;116;g32c78dc77c3_0_48"/>
+            <p:cNvPr id="191" name="Google Shape;191;g33455df2fac_0_66"/>
             <p:cNvSpPr/>
             <p:nvPr/>
           </p:nvSpPr>
@@ -13574,7 +13385,7 @@
               </a:avLst>
             </a:prstGeom>
             <a:solidFill>
-              <a:srgbClr val="385623"/>
+              <a:srgbClr val="757070"/>
             </a:solidFill>
             <a:ln>
               <a:noFill/>
@@ -13612,7 +13423,7 @@
         </p:sp>
         <p:sp>
           <p:nvSpPr>
-            <p:cNvPr id="117" name="Google Shape;117;g32c78dc77c3_0_48"/>
+            <p:cNvPr id="192" name="Google Shape;192;g33455df2fac_0_66"/>
             <p:cNvSpPr txBox="1"/>
             <p:nvPr/>
           </p:nvSpPr>
@@ -13671,14 +13482,14 @@
       </p:grpSp>
       <p:sp>
         <p:nvSpPr>
-          <p:cNvPr id="118" name="Google Shape;118;g32c78dc77c3_0_48"/>
+          <p:cNvPr id="193" name="Google Shape;193;g33455df2fac_0_66"/>
           <p:cNvSpPr txBox="1"/>
           <p:nvPr/>
         </p:nvSpPr>
         <p:spPr>
           <a:xfrm>
-            <a:off x="1356116" y="218953"/>
-            <a:ext cx="4997700" cy="1015800"/>
+            <a:off x="1345878" y="59400"/>
+            <a:ext cx="6622200" cy="1015800"/>
           </a:xfrm>
           <a:prstGeom prst="rect">
             <a:avLst/>
@@ -13715,10 +13526,28 @@
               </a:rPr>
               <a:t>Resultados</a:t>
             </a:r>
-            <a:endParaRPr sz="1800">
-              <a:solidFill>
-                <a:srgbClr val="000000"/>
-              </a:solidFill>
+            <a:r>
+              <a:rPr lang="pt-BR" sz="6000">
+                <a:latin typeface="Calibri"/>
+                <a:ea typeface="Calibri"/>
+                <a:cs typeface="Calibri"/>
+                <a:sym typeface="Calibri"/>
+              </a:rPr>
+              <a:t> </a:t>
+            </a:r>
+            <a:r>
+              <a:rPr lang="pt-BR" sz="6000">
+                <a:solidFill>
+                  <a:schemeClr val="dk1"/>
+                </a:solidFill>
+                <a:latin typeface="Calibri"/>
+                <a:ea typeface="Calibri"/>
+                <a:cs typeface="Calibri"/>
+                <a:sym typeface="Calibri"/>
+              </a:rPr>
+              <a:t>CORE</a:t>
+            </a:r>
+            <a:endParaRPr sz="6000">
               <a:latin typeface="Calibri"/>
               <a:ea typeface="Calibri"/>
               <a:cs typeface="Calibri"/>
@@ -13729,28 +13558,28 @@
       </p:sp>
       <p:grpSp>
         <p:nvGrpSpPr>
-          <p:cNvPr id="119" name="Google Shape;119;g32c78dc77c3_0_48"/>
+          <p:cNvPr id="194" name="Google Shape;194;g33455df2fac_0_66"/>
           <p:cNvGrpSpPr/>
           <p:nvPr/>
         </p:nvGrpSpPr>
         <p:grpSpPr>
           <a:xfrm>
-            <a:off x="1482771" y="1089977"/>
-            <a:ext cx="3192900" cy="426346"/>
-            <a:chOff x="5439973" y="332458"/>
-            <a:chExt cx="3004800" cy="375900"/>
+            <a:off x="1436450" y="1003256"/>
+            <a:ext cx="2873639" cy="414145"/>
+            <a:chOff x="5505442" y="403385"/>
+            <a:chExt cx="2693700" cy="370500"/>
           </a:xfrm>
         </p:grpSpPr>
         <p:sp>
           <p:nvSpPr>
-            <p:cNvPr id="120" name="Google Shape;120;g32c78dc77c3_0_48"/>
+            <p:cNvPr id="195" name="Google Shape;195;g33455df2fac_0_66"/>
             <p:cNvSpPr/>
             <p:nvPr/>
           </p:nvSpPr>
           <p:spPr>
             <a:xfrm>
-              <a:off x="5439973" y="332458"/>
-              <a:ext cx="3004800" cy="375900"/>
+              <a:off x="5505442" y="403385"/>
+              <a:ext cx="2693700" cy="370500"/>
             </a:xfrm>
             <a:prstGeom prst="roundRect">
               <a:avLst>
@@ -13758,7 +13587,7 @@
               </a:avLst>
             </a:prstGeom>
             <a:solidFill>
-              <a:srgbClr val="4472C4"/>
+              <a:srgbClr val="AEABAB"/>
             </a:solidFill>
             <a:ln>
               <a:noFill/>
@@ -13796,14 +13625,14 @@
         </p:sp>
         <p:sp>
           <p:nvSpPr>
-            <p:cNvPr id="121" name="Google Shape;121;g32c78dc77c3_0_48"/>
+            <p:cNvPr id="196" name="Google Shape;196;g33455df2fac_0_66"/>
             <p:cNvSpPr txBox="1"/>
             <p:nvPr/>
           </p:nvSpPr>
           <p:spPr>
             <a:xfrm>
-              <a:off x="5526798" y="386031"/>
-              <a:ext cx="2759100" cy="271500"/>
+              <a:off x="5588874" y="434926"/>
+              <a:ext cx="2437200" cy="275400"/>
             </a:xfrm>
             <a:prstGeom prst="rect">
               <a:avLst/>
@@ -13838,315 +13667,13 @@
                   <a:cs typeface="Calibri"/>
                   <a:sym typeface="Calibri"/>
                 </a:rPr>
-                <a:t>SEÇÃO 2. ASSISTÊNCIA AO PACIENTE</a:t>
+                <a:t>SEÇÃO 4. GESTÃO DE APOIO</a:t>
               </a:r>
               <a:endParaRPr/>
             </a:p>
           </p:txBody>
         </p:sp>
       </p:grpSp>
-      <p:grpSp>
-        <p:nvGrpSpPr>
-          <p:cNvPr id="122" name="Google Shape;122;g32c78dc77c3_0_48"/>
-          <p:cNvGrpSpPr/>
-          <p:nvPr/>
-        </p:nvGrpSpPr>
-        <p:grpSpPr>
-          <a:xfrm>
-            <a:off x="1575001" y="5695365"/>
-            <a:ext cx="3726871" cy="1014900"/>
-            <a:chOff x="5477670" y="2940702"/>
-            <a:chExt cx="3395473" cy="1014900"/>
-          </a:xfrm>
-        </p:grpSpPr>
-        <p:sp>
-          <p:nvSpPr>
-            <p:cNvPr id="123" name="Google Shape;123;g32c78dc77c3_0_48"/>
-            <p:cNvSpPr/>
-            <p:nvPr/>
-          </p:nvSpPr>
-          <p:spPr>
-            <a:xfrm>
-              <a:off x="5477670" y="2989803"/>
-              <a:ext cx="2837100" cy="916500"/>
-            </a:xfrm>
-            <a:prstGeom prst="roundRect">
-              <a:avLst>
-                <a:gd fmla="val 16667" name="adj"/>
-              </a:avLst>
-            </a:prstGeom>
-            <a:solidFill>
-              <a:srgbClr val="4472C4"/>
-            </a:solidFill>
-            <a:ln>
-              <a:noFill/>
-            </a:ln>
-          </p:spPr>
-          <p:txBody>
-            <a:bodyPr anchorCtr="0" anchor="ctr" bIns="45700" lIns="91425" spcFirstLastPara="1" rIns="91425" wrap="square" tIns="45700">
-              <a:noAutofit/>
-            </a:bodyPr>
-            <a:lstStyle/>
-            <a:p>
-              <a:pPr indent="0" lvl="0" marL="0" marR="0" rtl="0" algn="ctr">
-                <a:spcBef>
-                  <a:spcPts val="0"/>
-                </a:spcBef>
-                <a:spcAft>
-                  <a:spcPts val="0"/>
-                </a:spcAft>
-                <a:buNone/>
-              </a:pPr>
-              <a:r>
-                <a:t/>
-              </a:r>
-              <a:endParaRPr sz="1800">
-                <a:solidFill>
-                  <a:srgbClr val="FFFFFF"/>
-                </a:solidFill>
-                <a:latin typeface="Calibri"/>
-                <a:ea typeface="Calibri"/>
-                <a:cs typeface="Calibri"/>
-                <a:sym typeface="Calibri"/>
-              </a:endParaRPr>
-            </a:p>
-          </p:txBody>
-        </p:sp>
-        <p:sp>
-          <p:nvSpPr>
-            <p:cNvPr id="124" name="Google Shape;124;g32c78dc77c3_0_48"/>
-            <p:cNvSpPr/>
-            <p:nvPr/>
-          </p:nvSpPr>
-          <p:spPr>
-            <a:xfrm>
-              <a:off x="7332659" y="2940702"/>
-              <a:ext cx="1353000" cy="1014900"/>
-            </a:xfrm>
-            <a:prstGeom prst="ellipse">
-              <a:avLst/>
-            </a:prstGeom>
-            <a:solidFill>
-              <a:srgbClr val="FFFFFF"/>
-            </a:solidFill>
-            <a:ln>
-              <a:noFill/>
-            </a:ln>
-          </p:spPr>
-          <p:txBody>
-            <a:bodyPr anchorCtr="0" anchor="ctr" bIns="45700" lIns="91425" spcFirstLastPara="1" rIns="91425" wrap="square" tIns="45700">
-              <a:noAutofit/>
-            </a:bodyPr>
-            <a:lstStyle/>
-            <a:p>
-              <a:pPr indent="0" lvl="0" marL="0" marR="0" rtl="0" algn="ctr">
-                <a:spcBef>
-                  <a:spcPts val="0"/>
-                </a:spcBef>
-                <a:spcAft>
-                  <a:spcPts val="0"/>
-                </a:spcAft>
-                <a:buNone/>
-              </a:pPr>
-              <a:r>
-                <a:t/>
-              </a:r>
-              <a:endParaRPr sz="1800">
-                <a:solidFill>
-                  <a:srgbClr val="FFFFFF"/>
-                </a:solidFill>
-                <a:latin typeface="Calibri"/>
-                <a:ea typeface="Calibri"/>
-                <a:cs typeface="Calibri"/>
-                <a:sym typeface="Calibri"/>
-              </a:endParaRPr>
-            </a:p>
-          </p:txBody>
-        </p:sp>
-        <p:sp>
-          <p:nvSpPr>
-            <p:cNvPr id="125" name="Google Shape;125;g32c78dc77c3_0_48"/>
-            <p:cNvSpPr txBox="1"/>
-            <p:nvPr/>
-          </p:nvSpPr>
-          <p:spPr>
-            <a:xfrm>
-              <a:off x="7520143" y="3238663"/>
-              <a:ext cx="1353000" cy="400200"/>
-            </a:xfrm>
-            <a:prstGeom prst="rect">
-              <a:avLst/>
-            </a:prstGeom>
-            <a:noFill/>
-            <a:ln>
-              <a:noFill/>
-            </a:ln>
-          </p:spPr>
-          <p:txBody>
-            <a:bodyPr anchorCtr="0" anchor="t" bIns="45700" lIns="91425" spcFirstLastPara="1" rIns="91425" wrap="square" tIns="45700">
-              <a:spAutoFit/>
-            </a:bodyPr>
-            <a:lstStyle/>
-            <a:p>
-              <a:pPr indent="0" lvl="0" marL="0" marR="0" rtl="0" algn="l">
-                <a:spcBef>
-                  <a:spcPts val="0"/>
-                </a:spcBef>
-                <a:spcAft>
-                  <a:spcPts val="0"/>
-                </a:spcAft>
-                <a:buNone/>
-              </a:pPr>
-              <a:r>
-                <a:rPr lang="pt-BR" sz="2000">
-                  <a:solidFill>
-                    <a:srgbClr val="4472C4"/>
-                  </a:solidFill>
-                  <a:latin typeface="Calibri"/>
-                  <a:ea typeface="Calibri"/>
-                  <a:cs typeface="Calibri"/>
-                  <a:sym typeface="Calibri"/>
-                </a:rPr>
-                <a:t>Total N1 </a:t>
-              </a:r>
-              <a:endParaRPr/>
-            </a:p>
-          </p:txBody>
-        </p:sp>
-        <p:sp>
-          <p:nvSpPr>
-            <p:cNvPr id="126" name="Google Shape;126;g32c78dc77c3_0_48"/>
-            <p:cNvSpPr txBox="1"/>
-            <p:nvPr/>
-          </p:nvSpPr>
-          <p:spPr>
-            <a:xfrm>
-              <a:off x="5521318" y="3071641"/>
-              <a:ext cx="1623900" cy="861900"/>
-            </a:xfrm>
-            <a:prstGeom prst="rect">
-              <a:avLst/>
-            </a:prstGeom>
-            <a:noFill/>
-            <a:ln>
-              <a:noFill/>
-            </a:ln>
-          </p:spPr>
-          <p:txBody>
-            <a:bodyPr anchorCtr="0" anchor="t" bIns="45700" lIns="91425" spcFirstLastPara="1" rIns="91425" wrap="square" tIns="45700">
-              <a:spAutoFit/>
-            </a:bodyPr>
-            <a:lstStyle/>
-            <a:p>
-              <a:pPr indent="0" lvl="0" marL="0" marR="0" rtl="0" algn="l">
-                <a:spcBef>
-                  <a:spcPts val="0"/>
-                </a:spcBef>
-                <a:spcAft>
-                  <a:spcPts val="0"/>
-                </a:spcAft>
-                <a:buNone/>
-              </a:pPr>
-              <a:r>
-                <a:rPr lang="pt-BR" sz="1800">
-                  <a:solidFill>
-                    <a:srgbClr val="FFFFFF"/>
-                  </a:solidFill>
-                  <a:latin typeface="Calibri"/>
-                  <a:ea typeface="Calibri"/>
-                  <a:cs typeface="Calibri"/>
-                  <a:sym typeface="Calibri"/>
-                </a:rPr>
-                <a:t>N1</a:t>
-              </a:r>
-              <a:endParaRPr/>
-            </a:p>
-            <a:p>
-              <a:pPr indent="0" lvl="0" marL="0" marR="0" rtl="0" algn="l">
-                <a:spcBef>
-                  <a:spcPts val="0"/>
-                </a:spcBef>
-                <a:spcAft>
-                  <a:spcPts val="0"/>
-                </a:spcAft>
-                <a:buNone/>
-              </a:pPr>
-              <a:r>
-                <a:rPr lang="pt-BR" sz="1600">
-                  <a:solidFill>
-                    <a:srgbClr val="FFFFFF"/>
-                  </a:solidFill>
-                  <a:latin typeface="Calibri"/>
-                  <a:ea typeface="Calibri"/>
-                  <a:cs typeface="Calibri"/>
-                  <a:sym typeface="Calibri"/>
-                </a:rPr>
-                <a:t>Core 41</a:t>
-              </a:r>
-              <a:endParaRPr/>
-            </a:p>
-            <a:p>
-              <a:pPr indent="0" lvl="0" marL="0" marR="0" rtl="0" algn="l">
-                <a:spcBef>
-                  <a:spcPts val="0"/>
-                </a:spcBef>
-                <a:spcAft>
-                  <a:spcPts val="0"/>
-                </a:spcAft>
-                <a:buNone/>
-              </a:pPr>
-              <a:r>
-                <a:rPr lang="pt-BR" sz="1600">
-                  <a:solidFill>
-                    <a:srgbClr val="FFFFFF"/>
-                  </a:solidFill>
-                  <a:latin typeface="Calibri"/>
-                  <a:ea typeface="Calibri"/>
-                  <a:cs typeface="Calibri"/>
-                  <a:sym typeface="Calibri"/>
-                </a:rPr>
-                <a:t>Outros 220</a:t>
-              </a:r>
-              <a:endParaRPr sz="2000">
-                <a:solidFill>
-                  <a:srgbClr val="FFFFFF"/>
-                </a:solidFill>
-                <a:latin typeface="Calibri"/>
-                <a:ea typeface="Calibri"/>
-                <a:cs typeface="Calibri"/>
-                <a:sym typeface="Calibri"/>
-              </a:endParaRPr>
-            </a:p>
-          </p:txBody>
-        </p:sp>
-      </p:grpSp>
-      <p:pic>
-        <p:nvPicPr>
-          <p:cNvPr descr="Tela de computador com texto preto sobre fundo verde&#10;&#10;Descrição gerada automaticamente" id="127" name="Google Shape;127;g32c78dc77c3_0_48"/>
-          <p:cNvPicPr preferRelativeResize="0"/>
-          <p:nvPr/>
-        </p:nvPicPr>
-        <p:blipFill rotWithShape="1">
-          <a:blip r:embed="rId4">
-            <a:alphaModFix/>
-          </a:blip>
-          <a:srcRect b="0" l="0" r="0" t="0"/>
-          <a:stretch/>
-        </p:blipFill>
-        <p:spPr>
-          <a:xfrm>
-            <a:off x="1904684" y="1556558"/>
-            <a:ext cx="2155415" cy="4136621"/>
-          </a:xfrm>
-          <a:prstGeom prst="rect">
-            <a:avLst/>
-          </a:prstGeom>
-          <a:noFill/>
-          <a:ln>
-            <a:noFill/>
-          </a:ln>
-        </p:spPr>
-      </p:pic>
     </p:spTree>
   </p:cSld>
   <p:clrMapOvr>
@@ -14155,7 +13682,7 @@
 </p:sld>
 </file>
 
-<file path=ppt/slides/slide5.xml><?xml version="1.0" encoding="utf-8"?>
+<file path=ppt/slides/slide13.xml><?xml version="1.0" encoding="utf-8"?>
 <p:sld xmlns:a="http://schemas.openxmlformats.org/drawingml/2006/main" xmlns:r="http://schemas.openxmlformats.org/officeDocument/2006/relationships" xmlns:mc="http://schemas.openxmlformats.org/markup-compatibility/2006" xmlns:mv="urn:schemas-microsoft-com:mac:vml" xmlns:p="http://schemas.openxmlformats.org/presentationml/2006/main" xmlns:c="http://schemas.openxmlformats.org/drawingml/2006/chart" xmlns:dgm="http://schemas.openxmlformats.org/drawingml/2006/diagram" xmlns:o="urn:schemas-microsoft-com:office:office" xmlns:v="urn:schemas-microsoft-com:vml" xmlns:pvml="urn:schemas-microsoft-com:office:powerpoint" xmlns:com="http://schemas.openxmlformats.org/drawingml/2006/compatibility" xmlns:p14="http://schemas.microsoft.com/office/powerpoint/2010/main" xmlns:p15="http://schemas.microsoft.com/office/powerpoint/2012/main" xmlns:ahyp="http://schemas.microsoft.com/office/drawing/2018/hyperlinkcolor">
   <p:cSld>
     <p:bg>
@@ -14172,7 +13699,7 @@
     </p:bg>
     <p:spTree>
       <p:nvGrpSpPr>
-        <p:cNvPr id="131" name="Shape 131"/>
+        <p:cNvPr id="200" name="Shape 200"/>
         <p:cNvGrpSpPr/>
         <p:nvPr/>
       </p:nvGrpSpPr>
@@ -14186,13 +13713,13 @@
       </p:grpSpPr>
       <p:grpSp>
         <p:nvGrpSpPr>
-          <p:cNvPr id="132" name="Google Shape;132;g32c78dc77c3_0_27"/>
+          <p:cNvPr id="201" name="Google Shape;201;g32c78dc77c3_0_34"/>
           <p:cNvGrpSpPr/>
           <p:nvPr/>
         </p:nvGrpSpPr>
         <p:grpSpPr>
           <a:xfrm>
-            <a:off x="578439" y="263068"/>
+            <a:off x="538451" y="108368"/>
             <a:ext cx="1230372" cy="1410507"/>
             <a:chOff x="515359" y="4127491"/>
             <a:chExt cx="1230372" cy="1410507"/>
@@ -14200,7 +13727,7 @@
         </p:grpSpPr>
         <p:sp>
           <p:nvSpPr>
-            <p:cNvPr id="133" name="Google Shape;133;g32c78dc77c3_0_27"/>
+            <p:cNvPr id="202" name="Google Shape;202;g32c78dc77c3_0_34"/>
             <p:cNvSpPr/>
             <p:nvPr/>
           </p:nvSpPr>
@@ -14215,7 +13742,7 @@
               </a:avLst>
             </a:prstGeom>
             <a:solidFill>
-              <a:srgbClr val="385623"/>
+              <a:srgbClr val="757070"/>
             </a:solidFill>
             <a:ln>
               <a:noFill/>
@@ -14253,7 +13780,7 @@
         </p:sp>
         <p:sp>
           <p:nvSpPr>
-            <p:cNvPr id="134" name="Google Shape;134;g32c78dc77c3_0_27"/>
+            <p:cNvPr id="203" name="Google Shape;203;g32c78dc77c3_0_34"/>
             <p:cNvSpPr txBox="1"/>
             <p:nvPr/>
           </p:nvSpPr>
@@ -14312,13 +13839,13 @@
       </p:grpSp>
       <p:sp>
         <p:nvSpPr>
-          <p:cNvPr id="135" name="Google Shape;135;g32c78dc77c3_0_27"/>
+          <p:cNvPr id="204" name="Google Shape;204;g32c78dc77c3_0_34"/>
           <p:cNvSpPr txBox="1"/>
           <p:nvPr/>
         </p:nvSpPr>
         <p:spPr>
           <a:xfrm>
-            <a:off x="1369025" y="645075"/>
+            <a:off x="1329038" y="490375"/>
             <a:ext cx="10324500" cy="646500"/>
           </a:xfrm>
           <a:prstGeom prst="rect">
@@ -14366,7 +13893,7 @@
                 <a:cs typeface="Calibri"/>
                 <a:sym typeface="Calibri"/>
               </a:rPr>
-              <a:t>Assistência ao Paciente (2.) por subseções</a:t>
+              <a:t>Gestão de Apoio (4.) por subseções</a:t>
             </a:r>
             <a:endParaRPr sz="6000">
               <a:latin typeface="Calibri"/>
@@ -14385,7 +13912,7 @@
 </p:sld>
 </file>
 
-<file path=ppt/slides/slide6.xml><?xml version="1.0" encoding="utf-8"?>
+<file path=ppt/slides/slide14.xml><?xml version="1.0" encoding="utf-8"?>
 <p:sld xmlns:a="http://schemas.openxmlformats.org/drawingml/2006/main" xmlns:r="http://schemas.openxmlformats.org/officeDocument/2006/relationships" xmlns:mc="http://schemas.openxmlformats.org/markup-compatibility/2006" xmlns:mv="urn:schemas-microsoft-com:mac:vml" xmlns:p="http://schemas.openxmlformats.org/presentationml/2006/main" xmlns:c="http://schemas.openxmlformats.org/drawingml/2006/chart" xmlns:dgm="http://schemas.openxmlformats.org/drawingml/2006/diagram" xmlns:o="urn:schemas-microsoft-com:office:office" xmlns:v="urn:schemas-microsoft-com:vml" xmlns:pvml="urn:schemas-microsoft-com:office:powerpoint" xmlns:com="http://schemas.openxmlformats.org/drawingml/2006/compatibility" xmlns:p14="http://schemas.microsoft.com/office/powerpoint/2010/main" xmlns:p15="http://schemas.microsoft.com/office/powerpoint/2012/main" xmlns:ahyp="http://schemas.microsoft.com/office/drawing/2018/hyperlinkcolor">
   <p:cSld>
     <p:bg>
@@ -14402,7 +13929,7 @@
     </p:bg>
     <p:spTree>
       <p:nvGrpSpPr>
-        <p:cNvPr id="139" name="Shape 139"/>
+        <p:cNvPr id="208" name="Shape 208"/>
         <p:cNvGrpSpPr/>
         <p:nvPr/>
       </p:nvGrpSpPr>
@@ -14414,23 +13941,904 @@
           <a:chExt cx="0" cy="0"/>
         </a:xfrm>
       </p:grpSpPr>
+      <p:sp>
+        <p:nvSpPr>
+          <p:cNvPr id="209" name="Google Shape;209;g33455df2fac_0_28"/>
+          <p:cNvSpPr/>
+          <p:nvPr/>
+        </p:nvSpPr>
+        <p:spPr>
+          <a:xfrm>
+            <a:off x="1797175" y="1107000"/>
+            <a:ext cx="3515400" cy="381900"/>
+          </a:xfrm>
+          <a:prstGeom prst="roundRect">
+            <a:avLst>
+              <a:gd fmla="val 16667" name="adj"/>
+            </a:avLst>
+          </a:prstGeom>
+          <a:solidFill>
+            <a:schemeClr val="accent4"/>
+          </a:solidFill>
+          <a:ln>
+            <a:noFill/>
+          </a:ln>
+        </p:spPr>
+        <p:txBody>
+          <a:bodyPr anchorCtr="0" anchor="ctr" bIns="45700" lIns="91425" spcFirstLastPara="1" rIns="91425" wrap="square" tIns="45700">
+            <a:noAutofit/>
+          </a:bodyPr>
+          <a:lstStyle/>
+          <a:p>
+            <a:pPr indent="0" lvl="0" marL="0" marR="0" rtl="0" algn="ctr">
+              <a:spcBef>
+                <a:spcPts val="0"/>
+              </a:spcBef>
+              <a:spcAft>
+                <a:spcPts val="0"/>
+              </a:spcAft>
+              <a:buNone/>
+            </a:pPr>
+            <a:r>
+              <a:t/>
+            </a:r>
+            <a:endParaRPr sz="2000">
+              <a:solidFill>
+                <a:srgbClr val="FFFFFF"/>
+              </a:solidFill>
+              <a:latin typeface="Calibri"/>
+              <a:ea typeface="Calibri"/>
+              <a:cs typeface="Calibri"/>
+              <a:sym typeface="Calibri"/>
+            </a:endParaRPr>
+          </a:p>
+        </p:txBody>
+      </p:sp>
+      <p:sp>
+        <p:nvSpPr>
+          <p:cNvPr id="210" name="Google Shape;210;g33455df2fac_0_28"/>
+          <p:cNvSpPr txBox="1"/>
+          <p:nvPr/>
+        </p:nvSpPr>
+        <p:spPr>
+          <a:xfrm>
+            <a:off x="1797175" y="1144050"/>
+            <a:ext cx="3515400" cy="338700"/>
+          </a:xfrm>
+          <a:prstGeom prst="rect">
+            <a:avLst/>
+          </a:prstGeom>
+          <a:noFill/>
+          <a:ln>
+            <a:noFill/>
+          </a:ln>
+        </p:spPr>
+        <p:txBody>
+          <a:bodyPr anchorCtr="0" anchor="t" bIns="45700" lIns="91425" spcFirstLastPara="1" rIns="91425" wrap="square" tIns="45700">
+            <a:spAutoFit/>
+          </a:bodyPr>
+          <a:lstStyle/>
+          <a:p>
+            <a:pPr indent="0" lvl="0" marL="0" marR="0" rtl="0" algn="l">
+              <a:spcBef>
+                <a:spcPts val="0"/>
+              </a:spcBef>
+              <a:spcAft>
+                <a:spcPts val="0"/>
+              </a:spcAft>
+              <a:buNone/>
+            </a:pPr>
+            <a:r>
+              <a:rPr b="1" lang="pt-BR" sz="1600">
+                <a:solidFill>
+                  <a:srgbClr val="FFFFFF"/>
+                </a:solidFill>
+                <a:latin typeface="Calibri"/>
+                <a:ea typeface="Calibri"/>
+                <a:cs typeface="Calibri"/>
+                <a:sym typeface="Calibri"/>
+              </a:rPr>
+              <a:t>AVALIAÇÃO DOS </a:t>
+            </a:r>
+            <a:r>
+              <a:rPr b="1" lang="pt-BR" sz="1600">
+                <a:solidFill>
+                  <a:srgbClr val="FFFFFF"/>
+                </a:solidFill>
+                <a:latin typeface="Calibri"/>
+                <a:ea typeface="Calibri"/>
+                <a:cs typeface="Calibri"/>
+                <a:sym typeface="Calibri"/>
+              </a:rPr>
+              <a:t>ÚLTIMOS</a:t>
+            </a:r>
+            <a:r>
+              <a:rPr b="1" lang="pt-BR" sz="1600">
+                <a:solidFill>
+                  <a:srgbClr val="FFFFFF"/>
+                </a:solidFill>
+                <a:latin typeface="Calibri"/>
+                <a:ea typeface="Calibri"/>
+                <a:cs typeface="Calibri"/>
+                <a:sym typeface="Calibri"/>
+              </a:rPr>
+              <a:t> RESULTADOS</a:t>
+            </a:r>
+            <a:endParaRPr b="1" sz="1600">
+              <a:solidFill>
+                <a:srgbClr val="FFFFFF"/>
+              </a:solidFill>
+              <a:latin typeface="Calibri"/>
+              <a:ea typeface="Calibri"/>
+              <a:cs typeface="Calibri"/>
+              <a:sym typeface="Calibri"/>
+            </a:endParaRPr>
+          </a:p>
+        </p:txBody>
+      </p:sp>
       <p:grpSp>
         <p:nvGrpSpPr>
-          <p:cNvPr id="140" name="Google Shape;140;g32c78dc77c3_0_63"/>
+          <p:cNvPr id="211" name="Google Shape;211;g33455df2fac_0_28"/>
           <p:cNvGrpSpPr/>
           <p:nvPr/>
         </p:nvGrpSpPr>
         <p:grpSpPr>
           <a:xfrm>
-            <a:off x="578439" y="263068"/>
-            <a:ext cx="1230372" cy="1410507"/>
+            <a:off x="607297" y="198948"/>
+            <a:ext cx="1614002" cy="1440003"/>
             <a:chOff x="515359" y="4127491"/>
-            <a:chExt cx="1230372" cy="1410507"/>
+            <a:chExt cx="1230372" cy="1262607"/>
           </a:xfrm>
         </p:grpSpPr>
         <p:sp>
           <p:nvSpPr>
-            <p:cNvPr id="141" name="Google Shape;141;g32c78dc77c3_0_63"/>
+            <p:cNvPr id="212" name="Google Shape;212;g33455df2fac_0_28"/>
+            <p:cNvSpPr/>
+            <p:nvPr/>
+          </p:nvSpPr>
+          <p:spPr>
+            <a:xfrm>
+              <a:off x="515359" y="4127491"/>
+              <a:ext cx="747300" cy="1077000"/>
+            </a:xfrm>
+            <a:prstGeom prst="roundRect">
+              <a:avLst>
+                <a:gd fmla="val 16667" name="adj"/>
+              </a:avLst>
+            </a:prstGeom>
+            <a:solidFill>
+              <a:schemeClr val="accent4"/>
+            </a:solidFill>
+            <a:ln>
+              <a:noFill/>
+            </a:ln>
+          </p:spPr>
+          <p:txBody>
+            <a:bodyPr anchorCtr="0" anchor="ctr" bIns="45700" lIns="91425" spcFirstLastPara="1" rIns="91425" wrap="square" tIns="45700">
+              <a:noAutofit/>
+            </a:bodyPr>
+            <a:lstStyle/>
+            <a:p>
+              <a:pPr indent="0" lvl="0" marL="0" marR="0" rtl="0" algn="ctr">
+                <a:spcBef>
+                  <a:spcPts val="0"/>
+                </a:spcBef>
+                <a:spcAft>
+                  <a:spcPts val="0"/>
+                </a:spcAft>
+                <a:buNone/>
+              </a:pPr>
+              <a:r>
+                <a:t/>
+              </a:r>
+              <a:endParaRPr sz="7200">
+                <a:solidFill>
+                  <a:srgbClr val="FFFFFF"/>
+                </a:solidFill>
+                <a:latin typeface="Calibri"/>
+                <a:ea typeface="Calibri"/>
+                <a:cs typeface="Calibri"/>
+                <a:sym typeface="Calibri"/>
+              </a:endParaRPr>
+            </a:p>
+          </p:txBody>
+        </p:sp>
+        <p:sp>
+          <p:nvSpPr>
+            <p:cNvPr id="213" name="Google Shape;213;g33455df2fac_0_28"/>
+            <p:cNvSpPr txBox="1"/>
+            <p:nvPr/>
+          </p:nvSpPr>
+          <p:spPr>
+            <a:xfrm>
+              <a:off x="589231" y="4337398"/>
+              <a:ext cx="1156500" cy="1052700"/>
+            </a:xfrm>
+            <a:prstGeom prst="rect">
+              <a:avLst/>
+            </a:prstGeom>
+            <a:noFill/>
+            <a:ln>
+              <a:noFill/>
+            </a:ln>
+          </p:spPr>
+          <p:txBody>
+            <a:bodyPr anchorCtr="0" anchor="t" bIns="45700" lIns="91425" spcFirstLastPara="1" rIns="91425" wrap="square" tIns="45700">
+              <a:spAutoFit/>
+            </a:bodyPr>
+            <a:lstStyle/>
+            <a:p>
+              <a:pPr indent="0" lvl="0" marL="0" marR="0" rtl="0" algn="l">
+                <a:spcBef>
+                  <a:spcPts val="0"/>
+                </a:spcBef>
+                <a:spcAft>
+                  <a:spcPts val="0"/>
+                </a:spcAft>
+                <a:buNone/>
+              </a:pPr>
+              <a:r>
+                <a:rPr lang="pt-BR" sz="7200">
+                  <a:solidFill>
+                    <a:srgbClr val="FFFFFF"/>
+                  </a:solidFill>
+                  <a:latin typeface="Calibri"/>
+                  <a:ea typeface="Calibri"/>
+                  <a:cs typeface="Calibri"/>
+                  <a:sym typeface="Calibri"/>
+                </a:rPr>
+                <a:t>3</a:t>
+              </a:r>
+              <a:endParaRPr sz="7200">
+                <a:solidFill>
+                  <a:srgbClr val="FFFFFF"/>
+                </a:solidFill>
+                <a:latin typeface="Calibri"/>
+                <a:ea typeface="Calibri"/>
+                <a:cs typeface="Calibri"/>
+                <a:sym typeface="Calibri"/>
+              </a:endParaRPr>
+            </a:p>
+          </p:txBody>
+        </p:sp>
+      </p:grpSp>
+      <p:sp>
+        <p:nvSpPr>
+          <p:cNvPr id="214" name="Google Shape;214;g33455df2fac_0_28"/>
+          <p:cNvSpPr txBox="1"/>
+          <p:nvPr/>
+        </p:nvSpPr>
+        <p:spPr>
+          <a:xfrm>
+            <a:off x="1797166" y="91203"/>
+            <a:ext cx="4997700" cy="1015800"/>
+          </a:xfrm>
+          <a:prstGeom prst="rect">
+            <a:avLst/>
+          </a:prstGeom>
+          <a:noFill/>
+          <a:ln>
+            <a:noFill/>
+          </a:ln>
+        </p:spPr>
+        <p:txBody>
+          <a:bodyPr anchorCtr="0" anchor="t" bIns="45700" lIns="91425" spcFirstLastPara="1" rIns="91425" wrap="square" tIns="45700">
+            <a:spAutoFit/>
+          </a:bodyPr>
+          <a:lstStyle/>
+          <a:p>
+            <a:pPr indent="0" lvl="0" marL="0" marR="0" rtl="0" algn="l">
+              <a:spcBef>
+                <a:spcPts val="0"/>
+              </a:spcBef>
+              <a:spcAft>
+                <a:spcPts val="0"/>
+              </a:spcAft>
+              <a:buNone/>
+            </a:pPr>
+            <a:r>
+              <a:rPr lang="pt-BR" sz="6000">
+                <a:solidFill>
+                  <a:srgbClr val="000000"/>
+                </a:solidFill>
+                <a:latin typeface="Calibri"/>
+                <a:ea typeface="Calibri"/>
+                <a:cs typeface="Calibri"/>
+                <a:sym typeface="Calibri"/>
+              </a:rPr>
+              <a:t>Resultados</a:t>
+            </a:r>
+            <a:endParaRPr sz="1800">
+              <a:solidFill>
+                <a:srgbClr val="000000"/>
+              </a:solidFill>
+              <a:latin typeface="Calibri"/>
+              <a:ea typeface="Calibri"/>
+              <a:cs typeface="Calibri"/>
+              <a:sym typeface="Calibri"/>
+            </a:endParaRPr>
+          </a:p>
+        </p:txBody>
+      </p:sp>
+    </p:spTree>
+  </p:cSld>
+  <p:clrMapOvr>
+    <a:masterClrMapping/>
+  </p:clrMapOvr>
+</p:sld>
+</file>
+
+<file path=ppt/slides/slide15.xml><?xml version="1.0" encoding="utf-8"?>
+<p:sld xmlns:a="http://schemas.openxmlformats.org/drawingml/2006/main" xmlns:r="http://schemas.openxmlformats.org/officeDocument/2006/relationships" xmlns:mc="http://schemas.openxmlformats.org/markup-compatibility/2006" xmlns:mv="urn:schemas-microsoft-com:mac:vml" xmlns:p="http://schemas.openxmlformats.org/presentationml/2006/main" xmlns:c="http://schemas.openxmlformats.org/drawingml/2006/chart" xmlns:dgm="http://schemas.openxmlformats.org/drawingml/2006/diagram" xmlns:o="urn:schemas-microsoft-com:office:office" xmlns:v="urn:schemas-microsoft-com:vml" xmlns:pvml="urn:schemas-microsoft-com:office:powerpoint" xmlns:com="http://schemas.openxmlformats.org/drawingml/2006/compatibility" xmlns:p14="http://schemas.microsoft.com/office/powerpoint/2010/main" xmlns:p15="http://schemas.microsoft.com/office/powerpoint/2012/main" xmlns:ahyp="http://schemas.microsoft.com/office/drawing/2018/hyperlinkcolor">
+  <p:cSld>
+    <p:bg>
+      <p:bgPr>
+        <a:blipFill>
+          <a:blip r:embed="rId3">
+            <a:alphaModFix/>
+          </a:blip>
+          <a:stretch>
+            <a:fillRect/>
+          </a:stretch>
+        </a:blipFill>
+      </p:bgPr>
+    </p:bg>
+    <p:spTree>
+      <p:nvGrpSpPr>
+        <p:cNvPr id="218" name="Shape 218"/>
+        <p:cNvGrpSpPr/>
+        <p:nvPr/>
+      </p:nvGrpSpPr>
+      <p:grpSpPr>
+        <a:xfrm>
+          <a:off x="0" y="0"/>
+          <a:ext cx="0" cy="0"/>
+          <a:chOff x="0" y="0"/>
+          <a:chExt cx="0" cy="0"/>
+        </a:xfrm>
+      </p:grpSpPr>
+      <p:sp>
+        <p:nvSpPr>
+          <p:cNvPr id="219" name="Google Shape;219;p1"/>
+          <p:cNvSpPr txBox="1"/>
+          <p:nvPr>
+            <p:ph type="ctrTitle"/>
+          </p:nvPr>
+        </p:nvSpPr>
+        <p:spPr>
+          <a:xfrm>
+            <a:off x="1524000" y="1122363"/>
+            <a:ext cx="9144000" cy="2387600"/>
+          </a:xfrm>
+          <a:prstGeom prst="rect">
+            <a:avLst/>
+          </a:prstGeom>
+          <a:noFill/>
+          <a:ln>
+            <a:noFill/>
+          </a:ln>
+        </p:spPr>
+        <p:txBody>
+          <a:bodyPr anchorCtr="0" anchor="b" bIns="45700" lIns="91425" spcFirstLastPara="1" rIns="91425" wrap="square" tIns="45700">
+            <a:normAutofit/>
+          </a:bodyPr>
+          <a:lstStyle/>
+          <a:p>
+            <a:pPr indent="0" lvl="0" marL="0" rtl="0" algn="ctr">
+              <a:lnSpc>
+                <a:spcPct val="90000"/>
+              </a:lnSpc>
+              <a:spcBef>
+                <a:spcPts val="0"/>
+              </a:spcBef>
+              <a:spcAft>
+                <a:spcPts val="0"/>
+              </a:spcAft>
+              <a:buClr>
+                <a:schemeClr val="dk1"/>
+              </a:buClr>
+              <a:buSzPts val="6000"/>
+              <a:buFont typeface="Calibri"/>
+              <a:buNone/>
+            </a:pPr>
+            <a:r>
+              <a:t/>
+            </a:r>
+            <a:endParaRPr/>
+          </a:p>
+        </p:txBody>
+      </p:sp>
+      <p:sp>
+        <p:nvSpPr>
+          <p:cNvPr id="220" name="Google Shape;220;p1"/>
+          <p:cNvSpPr txBox="1"/>
+          <p:nvPr>
+            <p:ph idx="1" type="subTitle"/>
+          </p:nvPr>
+        </p:nvSpPr>
+        <p:spPr>
+          <a:xfrm>
+            <a:off x="1524000" y="3602038"/>
+            <a:ext cx="9144000" cy="1655762"/>
+          </a:xfrm>
+          <a:prstGeom prst="rect">
+            <a:avLst/>
+          </a:prstGeom>
+          <a:noFill/>
+          <a:ln>
+            <a:noFill/>
+          </a:ln>
+        </p:spPr>
+        <p:txBody>
+          <a:bodyPr anchorCtr="0" anchor="t" bIns="45700" lIns="91425" spcFirstLastPara="1" rIns="91425" wrap="square" tIns="45700">
+            <a:normAutofit/>
+          </a:bodyPr>
+          <a:lstStyle/>
+          <a:p>
+            <a:pPr indent="0" lvl="0" marL="0" rtl="0" algn="ctr">
+              <a:lnSpc>
+                <a:spcPct val="90000"/>
+              </a:lnSpc>
+              <a:spcBef>
+                <a:spcPts val="0"/>
+              </a:spcBef>
+              <a:spcAft>
+                <a:spcPts val="0"/>
+              </a:spcAft>
+              <a:buClr>
+                <a:schemeClr val="dk1"/>
+              </a:buClr>
+              <a:buSzPts val="2400"/>
+              <a:buNone/>
+            </a:pPr>
+            <a:r>
+              <a:t/>
+            </a:r>
+            <a:endParaRPr/>
+          </a:p>
+        </p:txBody>
+      </p:sp>
+    </p:spTree>
+  </p:cSld>
+  <p:clrMapOvr>
+    <a:masterClrMapping/>
+  </p:clrMapOvr>
+</p:sld>
+</file>
+
+<file path=ppt/slides/slide16.xml><?xml version="1.0" encoding="utf-8"?>
+<p:sld xmlns:a="http://schemas.openxmlformats.org/drawingml/2006/main" xmlns:r="http://schemas.openxmlformats.org/officeDocument/2006/relationships" xmlns:mc="http://schemas.openxmlformats.org/markup-compatibility/2006" xmlns:mv="urn:schemas-microsoft-com:mac:vml" xmlns:p="http://schemas.openxmlformats.org/presentationml/2006/main" xmlns:c="http://schemas.openxmlformats.org/drawingml/2006/chart" xmlns:dgm="http://schemas.openxmlformats.org/drawingml/2006/diagram" xmlns:o="urn:schemas-microsoft-com:office:office" xmlns:v="urn:schemas-microsoft-com:vml" xmlns:pvml="urn:schemas-microsoft-com:office:powerpoint" xmlns:com="http://schemas.openxmlformats.org/drawingml/2006/compatibility" xmlns:p14="http://schemas.microsoft.com/office/powerpoint/2010/main" xmlns:p15="http://schemas.microsoft.com/office/powerpoint/2012/main" xmlns:ahyp="http://schemas.microsoft.com/office/drawing/2018/hyperlinkcolor">
+  <p:cSld>
+    <p:bg>
+      <p:bgPr>
+        <a:blipFill>
+          <a:blip r:embed="rId3">
+            <a:alphaModFix/>
+          </a:blip>
+          <a:stretch>
+            <a:fillRect/>
+          </a:stretch>
+        </a:blipFill>
+      </p:bgPr>
+    </p:bg>
+    <p:spTree>
+      <p:nvGrpSpPr>
+        <p:cNvPr id="224" name="Shape 224"/>
+        <p:cNvGrpSpPr/>
+        <p:nvPr/>
+      </p:nvGrpSpPr>
+      <p:grpSpPr>
+        <a:xfrm>
+          <a:off x="0" y="0"/>
+          <a:ext cx="0" cy="0"/>
+          <a:chOff x="0" y="0"/>
+          <a:chExt cx="0" cy="0"/>
+        </a:xfrm>
+      </p:grpSpPr>
+      <p:sp>
+        <p:nvSpPr>
+          <p:cNvPr id="225" name="Google Shape;225;p3"/>
+          <p:cNvSpPr txBox="1"/>
+          <p:nvPr>
+            <p:ph type="title"/>
+          </p:nvPr>
+        </p:nvSpPr>
+        <p:spPr>
+          <a:xfrm>
+            <a:off x="838200" y="365125"/>
+            <a:ext cx="10515600" cy="1325563"/>
+          </a:xfrm>
+          <a:prstGeom prst="rect">
+            <a:avLst/>
+          </a:prstGeom>
+          <a:noFill/>
+          <a:ln>
+            <a:noFill/>
+          </a:ln>
+        </p:spPr>
+        <p:txBody>
+          <a:bodyPr anchorCtr="0" anchor="ctr" bIns="45700" lIns="91425" spcFirstLastPara="1" rIns="91425" wrap="square" tIns="45700">
+            <a:normAutofit/>
+          </a:bodyPr>
+          <a:lstStyle/>
+          <a:p>
+            <a:pPr indent="0" lvl="0" marL="0" rtl="0" algn="l">
+              <a:lnSpc>
+                <a:spcPct val="90000"/>
+              </a:lnSpc>
+              <a:spcBef>
+                <a:spcPts val="0"/>
+              </a:spcBef>
+              <a:spcAft>
+                <a:spcPts val="0"/>
+              </a:spcAft>
+              <a:buClr>
+                <a:schemeClr val="dk1"/>
+              </a:buClr>
+              <a:buSzPts val="4400"/>
+              <a:buFont typeface="Calibri"/>
+              <a:buNone/>
+            </a:pPr>
+            <a:r>
+              <a:t/>
+            </a:r>
+            <a:endParaRPr/>
+          </a:p>
+        </p:txBody>
+      </p:sp>
+      <p:sp>
+        <p:nvSpPr>
+          <p:cNvPr id="226" name="Google Shape;226;p3"/>
+          <p:cNvSpPr txBox="1"/>
+          <p:nvPr>
+            <p:ph idx="1" type="body"/>
+          </p:nvPr>
+        </p:nvSpPr>
+        <p:spPr>
+          <a:xfrm>
+            <a:off x="838200" y="1825625"/>
+            <a:ext cx="10515600" cy="4351338"/>
+          </a:xfrm>
+          <a:prstGeom prst="rect">
+            <a:avLst/>
+          </a:prstGeom>
+          <a:noFill/>
+          <a:ln>
+            <a:noFill/>
+          </a:ln>
+        </p:spPr>
+        <p:txBody>
+          <a:bodyPr anchorCtr="0" anchor="t" bIns="45700" lIns="91425" spcFirstLastPara="1" rIns="91425" wrap="square" tIns="45700">
+            <a:normAutofit/>
+          </a:bodyPr>
+          <a:lstStyle/>
+          <a:p>
+            <a:pPr indent="-50800" lvl="0" marL="228600" rtl="0" algn="l">
+              <a:lnSpc>
+                <a:spcPct val="90000"/>
+              </a:lnSpc>
+              <a:spcBef>
+                <a:spcPts val="0"/>
+              </a:spcBef>
+              <a:spcAft>
+                <a:spcPts val="0"/>
+              </a:spcAft>
+              <a:buClr>
+                <a:schemeClr val="dk1"/>
+              </a:buClr>
+              <a:buSzPts val="2800"/>
+              <a:buNone/>
+            </a:pPr>
+            <a:r>
+              <a:t/>
+            </a:r>
+            <a:endParaRPr/>
+          </a:p>
+        </p:txBody>
+      </p:sp>
+    </p:spTree>
+  </p:cSld>
+  <p:clrMapOvr>
+    <a:masterClrMapping/>
+  </p:clrMapOvr>
+</p:sld>
+</file>
+
+<file path=ppt/slides/slide17.xml><?xml version="1.0" encoding="utf-8"?>
+<p:sld xmlns:a="http://schemas.openxmlformats.org/drawingml/2006/main" xmlns:r="http://schemas.openxmlformats.org/officeDocument/2006/relationships" xmlns:mc="http://schemas.openxmlformats.org/markup-compatibility/2006" xmlns:mv="urn:schemas-microsoft-com:mac:vml" xmlns:p="http://schemas.openxmlformats.org/presentationml/2006/main" xmlns:c="http://schemas.openxmlformats.org/drawingml/2006/chart" xmlns:dgm="http://schemas.openxmlformats.org/drawingml/2006/diagram" xmlns:o="urn:schemas-microsoft-com:office:office" xmlns:v="urn:schemas-microsoft-com:vml" xmlns:pvml="urn:schemas-microsoft-com:office:powerpoint" xmlns:com="http://schemas.openxmlformats.org/drawingml/2006/compatibility" xmlns:p14="http://schemas.microsoft.com/office/powerpoint/2010/main" xmlns:p15="http://schemas.microsoft.com/office/powerpoint/2012/main" xmlns:ahyp="http://schemas.microsoft.com/office/drawing/2018/hyperlinkcolor">
+  <p:cSld>
+    <p:bg>
+      <p:bgPr>
+        <a:blipFill>
+          <a:blip r:embed="rId3">
+            <a:alphaModFix/>
+          </a:blip>
+          <a:stretch>
+            <a:fillRect/>
+          </a:stretch>
+        </a:blipFill>
+      </p:bgPr>
+    </p:bg>
+    <p:spTree>
+      <p:nvGrpSpPr>
+        <p:cNvPr id="230" name="Shape 230"/>
+        <p:cNvGrpSpPr/>
+        <p:nvPr/>
+      </p:nvGrpSpPr>
+      <p:grpSpPr>
+        <a:xfrm>
+          <a:off x="0" y="0"/>
+          <a:ext cx="0" cy="0"/>
+          <a:chOff x="0" y="0"/>
+          <a:chExt cx="0" cy="0"/>
+        </a:xfrm>
+      </p:grpSpPr>
+      <p:sp>
+        <p:nvSpPr>
+          <p:cNvPr id="231" name="Google Shape;231;p4"/>
+          <p:cNvSpPr txBox="1"/>
+          <p:nvPr>
+            <p:ph type="title"/>
+          </p:nvPr>
+        </p:nvSpPr>
+        <p:spPr>
+          <a:xfrm>
+            <a:off x="838200" y="365125"/>
+            <a:ext cx="10515600" cy="1325563"/>
+          </a:xfrm>
+          <a:prstGeom prst="rect">
+            <a:avLst/>
+          </a:prstGeom>
+          <a:noFill/>
+          <a:ln>
+            <a:noFill/>
+          </a:ln>
+        </p:spPr>
+        <p:txBody>
+          <a:bodyPr anchorCtr="0" anchor="ctr" bIns="45700" lIns="91425" spcFirstLastPara="1" rIns="91425" wrap="square" tIns="45700">
+            <a:normAutofit/>
+          </a:bodyPr>
+          <a:lstStyle/>
+          <a:p>
+            <a:pPr indent="0" lvl="0" marL="0" rtl="0" algn="l">
+              <a:lnSpc>
+                <a:spcPct val="90000"/>
+              </a:lnSpc>
+              <a:spcBef>
+                <a:spcPts val="0"/>
+              </a:spcBef>
+              <a:spcAft>
+                <a:spcPts val="0"/>
+              </a:spcAft>
+              <a:buClr>
+                <a:schemeClr val="dk1"/>
+              </a:buClr>
+              <a:buSzPts val="4400"/>
+              <a:buFont typeface="Calibri"/>
+              <a:buNone/>
+            </a:pPr>
+            <a:r>
+              <a:t/>
+            </a:r>
+            <a:endParaRPr/>
+          </a:p>
+        </p:txBody>
+      </p:sp>
+      <p:sp>
+        <p:nvSpPr>
+          <p:cNvPr id="232" name="Google Shape;232;p4"/>
+          <p:cNvSpPr txBox="1"/>
+          <p:nvPr>
+            <p:ph idx="1" type="body"/>
+          </p:nvPr>
+        </p:nvSpPr>
+        <p:spPr>
+          <a:xfrm>
+            <a:off x="838200" y="1825625"/>
+            <a:ext cx="10515600" cy="4351338"/>
+          </a:xfrm>
+          <a:prstGeom prst="rect">
+            <a:avLst/>
+          </a:prstGeom>
+          <a:noFill/>
+          <a:ln>
+            <a:noFill/>
+          </a:ln>
+        </p:spPr>
+        <p:txBody>
+          <a:bodyPr anchorCtr="0" anchor="t" bIns="45700" lIns="91425" spcFirstLastPara="1" rIns="91425" wrap="square" tIns="45700">
+            <a:normAutofit/>
+          </a:bodyPr>
+          <a:lstStyle/>
+          <a:p>
+            <a:pPr indent="-50800" lvl="0" marL="228600" rtl="0" algn="l">
+              <a:lnSpc>
+                <a:spcPct val="90000"/>
+              </a:lnSpc>
+              <a:spcBef>
+                <a:spcPts val="0"/>
+              </a:spcBef>
+              <a:spcAft>
+                <a:spcPts val="0"/>
+              </a:spcAft>
+              <a:buClr>
+                <a:schemeClr val="dk1"/>
+              </a:buClr>
+              <a:buSzPts val="2800"/>
+              <a:buNone/>
+            </a:pPr>
+            <a:r>
+              <a:t/>
+            </a:r>
+            <a:endParaRPr/>
+          </a:p>
+        </p:txBody>
+      </p:sp>
+    </p:spTree>
+  </p:cSld>
+  <p:clrMapOvr>
+    <a:masterClrMapping/>
+  </p:clrMapOvr>
+</p:sld>
+</file>
+
+<file path=ppt/slides/slide2.xml><?xml version="1.0" encoding="utf-8"?>
+<p:sld xmlns:a="http://schemas.openxmlformats.org/drawingml/2006/main" xmlns:r="http://schemas.openxmlformats.org/officeDocument/2006/relationships" xmlns:mc="http://schemas.openxmlformats.org/markup-compatibility/2006" xmlns:mv="urn:schemas-microsoft-com:mac:vml" xmlns:p="http://schemas.openxmlformats.org/presentationml/2006/main" xmlns:c="http://schemas.openxmlformats.org/drawingml/2006/chart" xmlns:dgm="http://schemas.openxmlformats.org/drawingml/2006/diagram" xmlns:o="urn:schemas-microsoft-com:office:office" xmlns:v="urn:schemas-microsoft-com:vml" xmlns:pvml="urn:schemas-microsoft-com:office:powerpoint" xmlns:com="http://schemas.openxmlformats.org/drawingml/2006/compatibility" xmlns:p14="http://schemas.microsoft.com/office/powerpoint/2010/main" xmlns:p15="http://schemas.microsoft.com/office/powerpoint/2012/main" xmlns:ahyp="http://schemas.microsoft.com/office/drawing/2018/hyperlinkcolor">
+  <p:cSld>
+    <p:bg>
+      <p:bgPr>
+        <a:blipFill>
+          <a:blip r:embed="rId3">
+            <a:alphaModFix/>
+          </a:blip>
+          <a:stretch>
+            <a:fillRect/>
+          </a:stretch>
+        </a:blipFill>
+      </p:bgPr>
+    </p:bg>
+    <p:spTree>
+      <p:nvGrpSpPr>
+        <p:cNvPr id="90" name="Shape 90"/>
+        <p:cNvGrpSpPr/>
+        <p:nvPr/>
+      </p:nvGrpSpPr>
+      <p:grpSpPr>
+        <a:xfrm>
+          <a:off x="0" y="0"/>
+          <a:ext cx="0" cy="0"/>
+          <a:chOff x="0" y="0"/>
+          <a:chExt cx="0" cy="0"/>
+        </a:xfrm>
+      </p:grpSpPr>
+      <p:sp>
+        <p:nvSpPr>
+          <p:cNvPr id="91" name="Google Shape;91;p2"/>
+          <p:cNvSpPr/>
+          <p:nvPr/>
+        </p:nvSpPr>
+        <p:spPr>
+          <a:xfrm>
+            <a:off x="1822975" y="1132780"/>
+            <a:ext cx="2813700" cy="381900"/>
+          </a:xfrm>
+          <a:prstGeom prst="roundRect">
+            <a:avLst>
+              <a:gd fmla="val 16667" name="adj"/>
+            </a:avLst>
+          </a:prstGeom>
+          <a:solidFill>
+            <a:srgbClr val="548135"/>
+          </a:solidFill>
+          <a:ln>
+            <a:noFill/>
+          </a:ln>
+        </p:spPr>
+        <p:txBody>
+          <a:bodyPr anchorCtr="0" anchor="ctr" bIns="45700" lIns="91425" spcFirstLastPara="1" rIns="91425" wrap="square" tIns="45700">
+            <a:noAutofit/>
+          </a:bodyPr>
+          <a:lstStyle/>
+          <a:p>
+            <a:pPr indent="0" lvl="0" marL="0" marR="0" rtl="0" algn="ctr">
+              <a:spcBef>
+                <a:spcPts val="0"/>
+              </a:spcBef>
+              <a:spcAft>
+                <a:spcPts val="0"/>
+              </a:spcAft>
+              <a:buNone/>
+            </a:pPr>
+            <a:r>
+              <a:t/>
+            </a:r>
+            <a:endParaRPr sz="2000">
+              <a:solidFill>
+                <a:srgbClr val="FFFFFF"/>
+              </a:solidFill>
+              <a:latin typeface="Calibri"/>
+              <a:ea typeface="Calibri"/>
+              <a:cs typeface="Calibri"/>
+              <a:sym typeface="Calibri"/>
+            </a:endParaRPr>
+          </a:p>
+        </p:txBody>
+      </p:sp>
+      <p:sp>
+        <p:nvSpPr>
+          <p:cNvPr id="92" name="Google Shape;92;p2"/>
+          <p:cNvSpPr txBox="1"/>
+          <p:nvPr/>
+        </p:nvSpPr>
+        <p:spPr>
+          <a:xfrm>
+            <a:off x="1822978" y="1169817"/>
+            <a:ext cx="2933700" cy="307800"/>
+          </a:xfrm>
+          <a:prstGeom prst="rect">
+            <a:avLst/>
+          </a:prstGeom>
+          <a:noFill/>
+          <a:ln>
+            <a:noFill/>
+          </a:ln>
+        </p:spPr>
+        <p:txBody>
+          <a:bodyPr anchorCtr="0" anchor="t" bIns="45700" lIns="91425" spcFirstLastPara="1" rIns="91425" wrap="square" tIns="45700">
+            <a:spAutoFit/>
+          </a:bodyPr>
+          <a:lstStyle/>
+          <a:p>
+            <a:pPr indent="0" lvl="0" marL="0" marR="0" rtl="0" algn="l">
+              <a:spcBef>
+                <a:spcPts val="0"/>
+              </a:spcBef>
+              <a:spcAft>
+                <a:spcPts val="0"/>
+              </a:spcAft>
+              <a:buNone/>
+            </a:pPr>
+            <a:r>
+              <a:rPr lang="pt-BR" sz="1400">
+                <a:solidFill>
+                  <a:srgbClr val="FFFFFF"/>
+                </a:solidFill>
+                <a:latin typeface="Calibri"/>
+                <a:ea typeface="Calibri"/>
+                <a:cs typeface="Calibri"/>
+                <a:sym typeface="Calibri"/>
+              </a:rPr>
+              <a:t> SEÇÃO 1.GESTÃO ORGANIZACIONAL</a:t>
+            </a:r>
+            <a:endParaRPr sz="1600">
+              <a:solidFill>
+                <a:srgbClr val="FFFFFF"/>
+              </a:solidFill>
+              <a:latin typeface="Calibri"/>
+              <a:ea typeface="Calibri"/>
+              <a:cs typeface="Calibri"/>
+              <a:sym typeface="Calibri"/>
+            </a:endParaRPr>
+          </a:p>
+        </p:txBody>
+      </p:sp>
+      <p:grpSp>
+        <p:nvGrpSpPr>
+          <p:cNvPr id="93" name="Google Shape;93;p2"/>
+          <p:cNvGrpSpPr/>
+          <p:nvPr/>
+        </p:nvGrpSpPr>
+        <p:grpSpPr>
+          <a:xfrm>
+            <a:off x="594422" y="95823"/>
+            <a:ext cx="1614002" cy="1440003"/>
+            <a:chOff x="515359" y="4127491"/>
+            <a:chExt cx="1230372" cy="1262607"/>
+          </a:xfrm>
+        </p:grpSpPr>
+        <p:sp>
+          <p:nvSpPr>
+            <p:cNvPr id="94" name="Google Shape;94;p2"/>
             <p:cNvSpPr/>
             <p:nvPr/>
           </p:nvSpPr>
@@ -14483,7 +14891,569 @@
         </p:sp>
         <p:sp>
           <p:nvSpPr>
-            <p:cNvPr id="142" name="Google Shape;142;g32c78dc77c3_0_63"/>
+            <p:cNvPr id="95" name="Google Shape;95;p2"/>
+            <p:cNvSpPr txBox="1"/>
+            <p:nvPr/>
+          </p:nvSpPr>
+          <p:spPr>
+            <a:xfrm>
+              <a:off x="589231" y="4337398"/>
+              <a:ext cx="1156500" cy="1052700"/>
+            </a:xfrm>
+            <a:prstGeom prst="rect">
+              <a:avLst/>
+            </a:prstGeom>
+            <a:noFill/>
+            <a:ln>
+              <a:noFill/>
+            </a:ln>
+          </p:spPr>
+          <p:txBody>
+            <a:bodyPr anchorCtr="0" anchor="t" bIns="45700" lIns="91425" spcFirstLastPara="1" rIns="91425" wrap="square" tIns="45700">
+              <a:spAutoFit/>
+            </a:bodyPr>
+            <a:lstStyle/>
+            <a:p>
+              <a:pPr indent="0" lvl="0" marL="0" marR="0" rtl="0" algn="l">
+                <a:spcBef>
+                  <a:spcPts val="0"/>
+                </a:spcBef>
+                <a:spcAft>
+                  <a:spcPts val="0"/>
+                </a:spcAft>
+                <a:buNone/>
+              </a:pPr>
+              <a:r>
+                <a:rPr lang="pt-BR" sz="7200">
+                  <a:solidFill>
+                    <a:srgbClr val="FFFFFF"/>
+                  </a:solidFill>
+                  <a:latin typeface="Calibri"/>
+                  <a:ea typeface="Calibri"/>
+                  <a:cs typeface="Calibri"/>
+                  <a:sym typeface="Calibri"/>
+                </a:rPr>
+                <a:t>3</a:t>
+              </a:r>
+              <a:endParaRPr sz="7200">
+                <a:solidFill>
+                  <a:srgbClr val="FFFFFF"/>
+                </a:solidFill>
+                <a:latin typeface="Calibri"/>
+                <a:ea typeface="Calibri"/>
+                <a:cs typeface="Calibri"/>
+                <a:sym typeface="Calibri"/>
+              </a:endParaRPr>
+            </a:p>
+          </p:txBody>
+        </p:sp>
+      </p:grpSp>
+      <p:sp>
+        <p:nvSpPr>
+          <p:cNvPr id="96" name="Google Shape;96;p2"/>
+          <p:cNvSpPr txBox="1"/>
+          <p:nvPr/>
+        </p:nvSpPr>
+        <p:spPr>
+          <a:xfrm>
+            <a:off x="1822966" y="116978"/>
+            <a:ext cx="4997700" cy="1015800"/>
+          </a:xfrm>
+          <a:prstGeom prst="rect">
+            <a:avLst/>
+          </a:prstGeom>
+          <a:noFill/>
+          <a:ln>
+            <a:noFill/>
+          </a:ln>
+        </p:spPr>
+        <p:txBody>
+          <a:bodyPr anchorCtr="0" anchor="t" bIns="45700" lIns="91425" spcFirstLastPara="1" rIns="91425" wrap="square" tIns="45700">
+            <a:spAutoFit/>
+          </a:bodyPr>
+          <a:lstStyle/>
+          <a:p>
+            <a:pPr indent="0" lvl="0" marL="0" marR="0" rtl="0" algn="l">
+              <a:spcBef>
+                <a:spcPts val="0"/>
+              </a:spcBef>
+              <a:spcAft>
+                <a:spcPts val="0"/>
+              </a:spcAft>
+              <a:buNone/>
+            </a:pPr>
+            <a:r>
+              <a:rPr lang="pt-BR" sz="6000">
+                <a:solidFill>
+                  <a:srgbClr val="000000"/>
+                </a:solidFill>
+                <a:latin typeface="Calibri"/>
+                <a:ea typeface="Calibri"/>
+                <a:cs typeface="Calibri"/>
+                <a:sym typeface="Calibri"/>
+              </a:rPr>
+              <a:t>Resultados</a:t>
+            </a:r>
+            <a:endParaRPr sz="1800">
+              <a:solidFill>
+                <a:srgbClr val="000000"/>
+              </a:solidFill>
+              <a:latin typeface="Calibri"/>
+              <a:ea typeface="Calibri"/>
+              <a:cs typeface="Calibri"/>
+              <a:sym typeface="Calibri"/>
+            </a:endParaRPr>
+          </a:p>
+        </p:txBody>
+      </p:sp>
+    </p:spTree>
+  </p:cSld>
+  <p:clrMapOvr>
+    <a:masterClrMapping/>
+  </p:clrMapOvr>
+</p:sld>
+</file>
+
+<file path=ppt/slides/slide3.xml><?xml version="1.0" encoding="utf-8"?>
+<p:sld xmlns:a="http://schemas.openxmlformats.org/drawingml/2006/main" xmlns:r="http://schemas.openxmlformats.org/officeDocument/2006/relationships" xmlns:mc="http://schemas.openxmlformats.org/markup-compatibility/2006" xmlns:mv="urn:schemas-microsoft-com:mac:vml" xmlns:p="http://schemas.openxmlformats.org/presentationml/2006/main" xmlns:c="http://schemas.openxmlformats.org/drawingml/2006/chart" xmlns:dgm="http://schemas.openxmlformats.org/drawingml/2006/diagram" xmlns:o="urn:schemas-microsoft-com:office:office" xmlns:v="urn:schemas-microsoft-com:vml" xmlns:pvml="urn:schemas-microsoft-com:office:powerpoint" xmlns:com="http://schemas.openxmlformats.org/drawingml/2006/compatibility" xmlns:p14="http://schemas.microsoft.com/office/powerpoint/2010/main" xmlns:p15="http://schemas.microsoft.com/office/powerpoint/2012/main" xmlns:ahyp="http://schemas.microsoft.com/office/drawing/2018/hyperlinkcolor">
+  <p:cSld>
+    <p:bg>
+      <p:bgPr>
+        <a:blipFill>
+          <a:blip r:embed="rId3">
+            <a:alphaModFix/>
+          </a:blip>
+          <a:stretch>
+            <a:fillRect/>
+          </a:stretch>
+        </a:blipFill>
+      </p:bgPr>
+    </p:bg>
+    <p:spTree>
+      <p:nvGrpSpPr>
+        <p:cNvPr id="100" name="Shape 100"/>
+        <p:cNvGrpSpPr/>
+        <p:nvPr/>
+      </p:nvGrpSpPr>
+      <p:grpSpPr>
+        <a:xfrm>
+          <a:off x="0" y="0"/>
+          <a:ext cx="0" cy="0"/>
+          <a:chOff x="0" y="0"/>
+          <a:chExt cx="0" cy="0"/>
+        </a:xfrm>
+      </p:grpSpPr>
+      <p:sp>
+        <p:nvSpPr>
+          <p:cNvPr id="101" name="Google Shape;101;g33455df2fac_0_37"/>
+          <p:cNvSpPr/>
+          <p:nvPr/>
+        </p:nvSpPr>
+        <p:spPr>
+          <a:xfrm>
+            <a:off x="1784300" y="1132805"/>
+            <a:ext cx="2813700" cy="381900"/>
+          </a:xfrm>
+          <a:prstGeom prst="roundRect">
+            <a:avLst>
+              <a:gd fmla="val 16667" name="adj"/>
+            </a:avLst>
+          </a:prstGeom>
+          <a:solidFill>
+            <a:srgbClr val="548135"/>
+          </a:solidFill>
+          <a:ln>
+            <a:noFill/>
+          </a:ln>
+        </p:spPr>
+        <p:txBody>
+          <a:bodyPr anchorCtr="0" anchor="ctr" bIns="45700" lIns="91425" spcFirstLastPara="1" rIns="91425" wrap="square" tIns="45700">
+            <a:noAutofit/>
+          </a:bodyPr>
+          <a:lstStyle/>
+          <a:p>
+            <a:pPr indent="0" lvl="0" marL="0" marR="0" rtl="0" algn="ctr">
+              <a:spcBef>
+                <a:spcPts val="0"/>
+              </a:spcBef>
+              <a:spcAft>
+                <a:spcPts val="0"/>
+              </a:spcAft>
+              <a:buNone/>
+            </a:pPr>
+            <a:r>
+              <a:t/>
+            </a:r>
+            <a:endParaRPr sz="2000">
+              <a:solidFill>
+                <a:srgbClr val="FFFFFF"/>
+              </a:solidFill>
+              <a:latin typeface="Calibri"/>
+              <a:ea typeface="Calibri"/>
+              <a:cs typeface="Calibri"/>
+              <a:sym typeface="Calibri"/>
+            </a:endParaRPr>
+          </a:p>
+        </p:txBody>
+      </p:sp>
+      <p:sp>
+        <p:nvSpPr>
+          <p:cNvPr id="102" name="Google Shape;102;g33455df2fac_0_37"/>
+          <p:cNvSpPr txBox="1"/>
+          <p:nvPr/>
+        </p:nvSpPr>
+        <p:spPr>
+          <a:xfrm>
+            <a:off x="1784303" y="1169842"/>
+            <a:ext cx="2933700" cy="307800"/>
+          </a:xfrm>
+          <a:prstGeom prst="rect">
+            <a:avLst/>
+          </a:prstGeom>
+          <a:noFill/>
+          <a:ln>
+            <a:noFill/>
+          </a:ln>
+        </p:spPr>
+        <p:txBody>
+          <a:bodyPr anchorCtr="0" anchor="t" bIns="45700" lIns="91425" spcFirstLastPara="1" rIns="91425" wrap="square" tIns="45700">
+            <a:spAutoFit/>
+          </a:bodyPr>
+          <a:lstStyle/>
+          <a:p>
+            <a:pPr indent="0" lvl="0" marL="0" marR="0" rtl="0" algn="l">
+              <a:spcBef>
+                <a:spcPts val="0"/>
+              </a:spcBef>
+              <a:spcAft>
+                <a:spcPts val="0"/>
+              </a:spcAft>
+              <a:buNone/>
+            </a:pPr>
+            <a:r>
+              <a:rPr lang="pt-BR" sz="1400">
+                <a:solidFill>
+                  <a:srgbClr val="FFFFFF"/>
+                </a:solidFill>
+                <a:latin typeface="Calibri"/>
+                <a:ea typeface="Calibri"/>
+                <a:cs typeface="Calibri"/>
+                <a:sym typeface="Calibri"/>
+              </a:rPr>
+              <a:t> SEÇÃO 1.GESTÃO ORGANIZACIONAL</a:t>
+            </a:r>
+            <a:endParaRPr sz="1600">
+              <a:solidFill>
+                <a:srgbClr val="FFFFFF"/>
+              </a:solidFill>
+              <a:latin typeface="Calibri"/>
+              <a:ea typeface="Calibri"/>
+              <a:cs typeface="Calibri"/>
+              <a:sym typeface="Calibri"/>
+            </a:endParaRPr>
+          </a:p>
+        </p:txBody>
+      </p:sp>
+      <p:grpSp>
+        <p:nvGrpSpPr>
+          <p:cNvPr id="103" name="Google Shape;103;g33455df2fac_0_37"/>
+          <p:cNvGrpSpPr/>
+          <p:nvPr/>
+        </p:nvGrpSpPr>
+        <p:grpSpPr>
+          <a:xfrm>
+            <a:off x="555747" y="95848"/>
+            <a:ext cx="1614002" cy="1440003"/>
+            <a:chOff x="515359" y="4127491"/>
+            <a:chExt cx="1230372" cy="1262607"/>
+          </a:xfrm>
+        </p:grpSpPr>
+        <p:sp>
+          <p:nvSpPr>
+            <p:cNvPr id="104" name="Google Shape;104;g33455df2fac_0_37"/>
+            <p:cNvSpPr/>
+            <p:nvPr/>
+          </p:nvSpPr>
+          <p:spPr>
+            <a:xfrm>
+              <a:off x="515359" y="4127491"/>
+              <a:ext cx="747300" cy="1077000"/>
+            </a:xfrm>
+            <a:prstGeom prst="roundRect">
+              <a:avLst>
+                <a:gd fmla="val 16667" name="adj"/>
+              </a:avLst>
+            </a:prstGeom>
+            <a:solidFill>
+              <a:srgbClr val="385623"/>
+            </a:solidFill>
+            <a:ln>
+              <a:noFill/>
+            </a:ln>
+          </p:spPr>
+          <p:txBody>
+            <a:bodyPr anchorCtr="0" anchor="ctr" bIns="45700" lIns="91425" spcFirstLastPara="1" rIns="91425" wrap="square" tIns="45700">
+              <a:noAutofit/>
+            </a:bodyPr>
+            <a:lstStyle/>
+            <a:p>
+              <a:pPr indent="0" lvl="0" marL="0" marR="0" rtl="0" algn="ctr">
+                <a:spcBef>
+                  <a:spcPts val="0"/>
+                </a:spcBef>
+                <a:spcAft>
+                  <a:spcPts val="0"/>
+                </a:spcAft>
+                <a:buNone/>
+              </a:pPr>
+              <a:r>
+                <a:t/>
+              </a:r>
+              <a:endParaRPr sz="7200">
+                <a:solidFill>
+                  <a:srgbClr val="FFFFFF"/>
+                </a:solidFill>
+                <a:latin typeface="Calibri"/>
+                <a:ea typeface="Calibri"/>
+                <a:cs typeface="Calibri"/>
+                <a:sym typeface="Calibri"/>
+              </a:endParaRPr>
+            </a:p>
+          </p:txBody>
+        </p:sp>
+        <p:sp>
+          <p:nvSpPr>
+            <p:cNvPr id="105" name="Google Shape;105;g33455df2fac_0_37"/>
+            <p:cNvSpPr txBox="1"/>
+            <p:nvPr/>
+          </p:nvSpPr>
+          <p:spPr>
+            <a:xfrm>
+              <a:off x="589231" y="4337398"/>
+              <a:ext cx="1156500" cy="1052700"/>
+            </a:xfrm>
+            <a:prstGeom prst="rect">
+              <a:avLst/>
+            </a:prstGeom>
+            <a:noFill/>
+            <a:ln>
+              <a:noFill/>
+            </a:ln>
+          </p:spPr>
+          <p:txBody>
+            <a:bodyPr anchorCtr="0" anchor="t" bIns="45700" lIns="91425" spcFirstLastPara="1" rIns="91425" wrap="square" tIns="45700">
+              <a:spAutoFit/>
+            </a:bodyPr>
+            <a:lstStyle/>
+            <a:p>
+              <a:pPr indent="0" lvl="0" marL="0" marR="0" rtl="0" algn="l">
+                <a:spcBef>
+                  <a:spcPts val="0"/>
+                </a:spcBef>
+                <a:spcAft>
+                  <a:spcPts val="0"/>
+                </a:spcAft>
+                <a:buNone/>
+              </a:pPr>
+              <a:r>
+                <a:rPr lang="pt-BR" sz="7200">
+                  <a:solidFill>
+                    <a:srgbClr val="FFFFFF"/>
+                  </a:solidFill>
+                  <a:latin typeface="Calibri"/>
+                  <a:ea typeface="Calibri"/>
+                  <a:cs typeface="Calibri"/>
+                  <a:sym typeface="Calibri"/>
+                </a:rPr>
+                <a:t>3</a:t>
+              </a:r>
+              <a:endParaRPr sz="7200">
+                <a:solidFill>
+                  <a:srgbClr val="FFFFFF"/>
+                </a:solidFill>
+                <a:latin typeface="Calibri"/>
+                <a:ea typeface="Calibri"/>
+                <a:cs typeface="Calibri"/>
+                <a:sym typeface="Calibri"/>
+              </a:endParaRPr>
+            </a:p>
+          </p:txBody>
+        </p:sp>
+      </p:grpSp>
+      <p:sp>
+        <p:nvSpPr>
+          <p:cNvPr id="106" name="Google Shape;106;g33455df2fac_0_37"/>
+          <p:cNvSpPr txBox="1"/>
+          <p:nvPr/>
+        </p:nvSpPr>
+        <p:spPr>
+          <a:xfrm>
+            <a:off x="1784309" y="117000"/>
+            <a:ext cx="10051200" cy="1015800"/>
+          </a:xfrm>
+          <a:prstGeom prst="rect">
+            <a:avLst/>
+          </a:prstGeom>
+          <a:noFill/>
+          <a:ln>
+            <a:noFill/>
+          </a:ln>
+        </p:spPr>
+        <p:txBody>
+          <a:bodyPr anchorCtr="0" anchor="t" bIns="45700" lIns="91425" spcFirstLastPara="1" rIns="91425" wrap="square" tIns="45700">
+            <a:spAutoFit/>
+          </a:bodyPr>
+          <a:lstStyle/>
+          <a:p>
+            <a:pPr indent="0" lvl="0" marL="0" marR="0" rtl="0" algn="l">
+              <a:spcBef>
+                <a:spcPts val="0"/>
+              </a:spcBef>
+              <a:spcAft>
+                <a:spcPts val="0"/>
+              </a:spcAft>
+              <a:buNone/>
+            </a:pPr>
+            <a:r>
+              <a:rPr lang="pt-BR" sz="6000">
+                <a:solidFill>
+                  <a:srgbClr val="000000"/>
+                </a:solidFill>
+                <a:latin typeface="Calibri"/>
+                <a:ea typeface="Calibri"/>
+                <a:cs typeface="Calibri"/>
+                <a:sym typeface="Calibri"/>
+              </a:rPr>
+              <a:t>Resultados </a:t>
+            </a:r>
+            <a:r>
+              <a:rPr lang="pt-BR" sz="6000">
+                <a:latin typeface="Calibri"/>
+                <a:ea typeface="Calibri"/>
+                <a:cs typeface="Calibri"/>
+                <a:sym typeface="Calibri"/>
+              </a:rPr>
+              <a:t>CORE</a:t>
+            </a:r>
+            <a:endParaRPr sz="1800">
+              <a:solidFill>
+                <a:srgbClr val="000000"/>
+              </a:solidFill>
+              <a:latin typeface="Calibri"/>
+              <a:ea typeface="Calibri"/>
+              <a:cs typeface="Calibri"/>
+              <a:sym typeface="Calibri"/>
+            </a:endParaRPr>
+          </a:p>
+        </p:txBody>
+      </p:sp>
+    </p:spTree>
+  </p:cSld>
+  <p:clrMapOvr>
+    <a:masterClrMapping/>
+  </p:clrMapOvr>
+</p:sld>
+</file>
+
+<file path=ppt/slides/slide4.xml><?xml version="1.0" encoding="utf-8"?>
+<p:sld xmlns:a="http://schemas.openxmlformats.org/drawingml/2006/main" xmlns:r="http://schemas.openxmlformats.org/officeDocument/2006/relationships" xmlns:mc="http://schemas.openxmlformats.org/markup-compatibility/2006" xmlns:mv="urn:schemas-microsoft-com:mac:vml" xmlns:p="http://schemas.openxmlformats.org/presentationml/2006/main" xmlns:c="http://schemas.openxmlformats.org/drawingml/2006/chart" xmlns:dgm="http://schemas.openxmlformats.org/drawingml/2006/diagram" xmlns:o="urn:schemas-microsoft-com:office:office" xmlns:v="urn:schemas-microsoft-com:vml" xmlns:pvml="urn:schemas-microsoft-com:office:powerpoint" xmlns:com="http://schemas.openxmlformats.org/drawingml/2006/compatibility" xmlns:p14="http://schemas.microsoft.com/office/powerpoint/2010/main" xmlns:p15="http://schemas.microsoft.com/office/powerpoint/2012/main" xmlns:ahyp="http://schemas.microsoft.com/office/drawing/2018/hyperlinkcolor">
+  <p:cSld>
+    <p:bg>
+      <p:bgPr>
+        <a:blipFill>
+          <a:blip r:embed="rId3">
+            <a:alphaModFix/>
+          </a:blip>
+          <a:stretch>
+            <a:fillRect/>
+          </a:stretch>
+        </a:blipFill>
+      </p:bgPr>
+    </p:bg>
+    <p:spTree>
+      <p:nvGrpSpPr>
+        <p:cNvPr id="110" name="Shape 110"/>
+        <p:cNvGrpSpPr/>
+        <p:nvPr/>
+      </p:nvGrpSpPr>
+      <p:grpSpPr>
+        <a:xfrm>
+          <a:off x="0" y="0"/>
+          <a:ext cx="0" cy="0"/>
+          <a:chOff x="0" y="0"/>
+          <a:chExt cx="0" cy="0"/>
+        </a:xfrm>
+      </p:grpSpPr>
+      <p:grpSp>
+        <p:nvGrpSpPr>
+          <p:cNvPr id="111" name="Google Shape;111;g32c78dc77c3_0_12"/>
+          <p:cNvGrpSpPr/>
+          <p:nvPr/>
+        </p:nvGrpSpPr>
+        <p:grpSpPr>
+          <a:xfrm>
+            <a:off x="538451" y="95468"/>
+            <a:ext cx="1230372" cy="1410507"/>
+            <a:chOff x="515359" y="4127491"/>
+            <a:chExt cx="1230372" cy="1410507"/>
+          </a:xfrm>
+        </p:grpSpPr>
+        <p:sp>
+          <p:nvSpPr>
+            <p:cNvPr id="112" name="Google Shape;112;g32c78dc77c3_0_12"/>
+            <p:cNvSpPr/>
+            <p:nvPr/>
+          </p:nvSpPr>
+          <p:spPr>
+            <a:xfrm>
+              <a:off x="515359" y="4127491"/>
+              <a:ext cx="747300" cy="1077000"/>
+            </a:xfrm>
+            <a:prstGeom prst="roundRect">
+              <a:avLst>
+                <a:gd fmla="val 16667" name="adj"/>
+              </a:avLst>
+            </a:prstGeom>
+            <a:solidFill>
+              <a:srgbClr val="385623"/>
+            </a:solidFill>
+            <a:ln>
+              <a:noFill/>
+            </a:ln>
+          </p:spPr>
+          <p:txBody>
+            <a:bodyPr anchorCtr="0" anchor="ctr" bIns="45700" lIns="91425" spcFirstLastPara="1" rIns="91425" wrap="square" tIns="45700">
+              <a:noAutofit/>
+            </a:bodyPr>
+            <a:lstStyle/>
+            <a:p>
+              <a:pPr indent="0" lvl="0" marL="0" marR="0" rtl="0" algn="ctr">
+                <a:spcBef>
+                  <a:spcPts val="0"/>
+                </a:spcBef>
+                <a:spcAft>
+                  <a:spcPts val="0"/>
+                </a:spcAft>
+                <a:buNone/>
+              </a:pPr>
+              <a:r>
+                <a:t/>
+              </a:r>
+              <a:endParaRPr sz="7200">
+                <a:solidFill>
+                  <a:srgbClr val="FFFFFF"/>
+                </a:solidFill>
+                <a:latin typeface="Calibri"/>
+                <a:ea typeface="Calibri"/>
+                <a:cs typeface="Calibri"/>
+                <a:sym typeface="Calibri"/>
+              </a:endParaRPr>
+            </a:p>
+          </p:txBody>
+        </p:sp>
+        <p:sp>
+          <p:nvSpPr>
+            <p:cNvPr id="113" name="Google Shape;113;g32c78dc77c3_0_12"/>
             <p:cNvSpPr txBox="1"/>
             <p:nvPr/>
           </p:nvSpPr>
@@ -14542,13 +15512,105 @@
       </p:grpSp>
       <p:sp>
         <p:nvSpPr>
-          <p:cNvPr id="143" name="Google Shape;143;g32c78dc77c3_0_63"/>
+          <p:cNvPr id="114" name="Google Shape;114;g32c78dc77c3_0_12"/>
           <p:cNvSpPr txBox="1"/>
           <p:nvPr/>
         </p:nvSpPr>
         <p:spPr>
           <a:xfrm>
-            <a:off x="1356116" y="265653"/>
+            <a:off x="1329038" y="477475"/>
+            <a:ext cx="10324500" cy="646500"/>
+          </a:xfrm>
+          <a:prstGeom prst="rect">
+            <a:avLst/>
+          </a:prstGeom>
+          <a:noFill/>
+          <a:ln>
+            <a:noFill/>
+          </a:ln>
+        </p:spPr>
+        <p:txBody>
+          <a:bodyPr anchorCtr="0" anchor="t" bIns="45700" lIns="91425" spcFirstLastPara="1" rIns="91425" wrap="square" tIns="45700">
+            <a:spAutoFit/>
+          </a:bodyPr>
+          <a:lstStyle/>
+          <a:p>
+            <a:pPr indent="0" lvl="0" marL="0" rtl="0" algn="l">
+              <a:lnSpc>
+                <a:spcPct val="90000"/>
+              </a:lnSpc>
+              <a:spcBef>
+                <a:spcPts val="0"/>
+              </a:spcBef>
+              <a:spcAft>
+                <a:spcPts val="0"/>
+              </a:spcAft>
+              <a:buNone/>
+            </a:pPr>
+            <a:r>
+              <a:rPr lang="pt-BR" sz="4000">
+                <a:latin typeface="Calibri"/>
+                <a:ea typeface="Calibri"/>
+                <a:cs typeface="Calibri"/>
+                <a:sym typeface="Calibri"/>
+              </a:rPr>
+              <a:t>Seção Gestão Organizacional (1.) por subseções</a:t>
+            </a:r>
+            <a:endParaRPr sz="6000">
+              <a:latin typeface="Calibri"/>
+              <a:ea typeface="Calibri"/>
+              <a:cs typeface="Calibri"/>
+              <a:sym typeface="Calibri"/>
+            </a:endParaRPr>
+          </a:p>
+        </p:txBody>
+      </p:sp>
+    </p:spTree>
+  </p:cSld>
+  <p:clrMapOvr>
+    <a:masterClrMapping/>
+  </p:clrMapOvr>
+</p:sld>
+</file>
+
+<file path=ppt/slides/slide5.xml><?xml version="1.0" encoding="utf-8"?>
+<p:sld xmlns:a="http://schemas.openxmlformats.org/drawingml/2006/main" xmlns:r="http://schemas.openxmlformats.org/officeDocument/2006/relationships" xmlns:mc="http://schemas.openxmlformats.org/markup-compatibility/2006" xmlns:mv="urn:schemas-microsoft-com:mac:vml" xmlns:p="http://schemas.openxmlformats.org/presentationml/2006/main" xmlns:c="http://schemas.openxmlformats.org/drawingml/2006/chart" xmlns:dgm="http://schemas.openxmlformats.org/drawingml/2006/diagram" xmlns:o="urn:schemas-microsoft-com:office:office" xmlns:v="urn:schemas-microsoft-com:vml" xmlns:pvml="urn:schemas-microsoft-com:office:powerpoint" xmlns:com="http://schemas.openxmlformats.org/drawingml/2006/compatibility" xmlns:p14="http://schemas.microsoft.com/office/powerpoint/2010/main" xmlns:p15="http://schemas.microsoft.com/office/powerpoint/2012/main" xmlns:ahyp="http://schemas.microsoft.com/office/drawing/2018/hyperlinkcolor">
+  <p:cSld>
+    <p:bg>
+      <p:bgPr>
+        <a:blipFill>
+          <a:blip r:embed="rId3">
+            <a:alphaModFix/>
+          </a:blip>
+          <a:stretch>
+            <a:fillRect/>
+          </a:stretch>
+        </a:blipFill>
+      </p:bgPr>
+    </p:bg>
+    <p:spTree>
+      <p:nvGrpSpPr>
+        <p:cNvPr id="118" name="Shape 118"/>
+        <p:cNvGrpSpPr/>
+        <p:nvPr/>
+      </p:nvGrpSpPr>
+      <p:grpSpPr>
+        <a:xfrm>
+          <a:off x="0" y="0"/>
+          <a:ext cx="0" cy="0"/>
+          <a:chOff x="0" y="0"/>
+          <a:chExt cx="0" cy="0"/>
+        </a:xfrm>
+      </p:grpSpPr>
+      <p:sp>
+        <p:nvSpPr>
+          <p:cNvPr id="119" name="Google Shape;119;g32c78dc77c3_0_48"/>
+          <p:cNvSpPr txBox="1"/>
+          <p:nvPr/>
+        </p:nvSpPr>
+        <p:spPr>
+          <a:xfrm>
+            <a:off x="1742866" y="108728"/>
             <a:ext cx="4997700" cy="1015800"/>
           </a:xfrm>
           <a:prstGeom prst="rect">
@@ -14598,23 +15660,297 @@
           </a:p>
         </p:txBody>
       </p:sp>
-      <p:pic>
-        <p:nvPicPr>
-          <p:cNvPr id="144" name="Google Shape;144;g32c78dc77c3_0_63"/>
-          <p:cNvPicPr preferRelativeResize="0"/>
+      <p:grpSp>
+        <p:nvGrpSpPr>
+          <p:cNvPr id="120" name="Google Shape;120;g32c78dc77c3_0_48"/>
+          <p:cNvGrpSpPr/>
           <p:nvPr/>
-        </p:nvPicPr>
-        <p:blipFill rotWithShape="1">
-          <a:blip r:embed="rId4">
+        </p:nvGrpSpPr>
+        <p:grpSpPr>
+          <a:xfrm>
+            <a:off x="1843721" y="1070802"/>
+            <a:ext cx="3192900" cy="426346"/>
+            <a:chOff x="5439973" y="332458"/>
+            <a:chExt cx="3004800" cy="375900"/>
+          </a:xfrm>
+        </p:grpSpPr>
+        <p:sp>
+          <p:nvSpPr>
+            <p:cNvPr id="121" name="Google Shape;121;g32c78dc77c3_0_48"/>
+            <p:cNvSpPr/>
+            <p:nvPr/>
+          </p:nvSpPr>
+          <p:spPr>
+            <a:xfrm>
+              <a:off x="5439973" y="332458"/>
+              <a:ext cx="3004800" cy="375900"/>
+            </a:xfrm>
+            <a:prstGeom prst="roundRect">
+              <a:avLst>
+                <a:gd fmla="val 16667" name="adj"/>
+              </a:avLst>
+            </a:prstGeom>
+            <a:solidFill>
+              <a:srgbClr val="4472C4"/>
+            </a:solidFill>
+            <a:ln>
+              <a:noFill/>
+            </a:ln>
+          </p:spPr>
+          <p:txBody>
+            <a:bodyPr anchorCtr="0" anchor="ctr" bIns="45700" lIns="91425" spcFirstLastPara="1" rIns="91425" wrap="square" tIns="45700">
+              <a:noAutofit/>
+            </a:bodyPr>
+            <a:lstStyle/>
+            <a:p>
+              <a:pPr indent="0" lvl="0" marL="0" marR="0" rtl="0" algn="ctr">
+                <a:spcBef>
+                  <a:spcPts val="0"/>
+                </a:spcBef>
+                <a:spcAft>
+                  <a:spcPts val="0"/>
+                </a:spcAft>
+                <a:buNone/>
+              </a:pPr>
+              <a:r>
+                <a:t/>
+              </a:r>
+              <a:endParaRPr sz="1400">
+                <a:solidFill>
+                  <a:srgbClr val="FFFFFF"/>
+                </a:solidFill>
+                <a:latin typeface="Calibri"/>
+                <a:ea typeface="Calibri"/>
+                <a:cs typeface="Calibri"/>
+                <a:sym typeface="Calibri"/>
+              </a:endParaRPr>
+            </a:p>
+          </p:txBody>
+        </p:sp>
+        <p:sp>
+          <p:nvSpPr>
+            <p:cNvPr id="122" name="Google Shape;122;g32c78dc77c3_0_48"/>
+            <p:cNvSpPr txBox="1"/>
+            <p:nvPr/>
+          </p:nvSpPr>
+          <p:spPr>
+            <a:xfrm>
+              <a:off x="5526798" y="386031"/>
+              <a:ext cx="2759100" cy="271500"/>
+            </a:xfrm>
+            <a:prstGeom prst="rect">
+              <a:avLst/>
+            </a:prstGeom>
+            <a:noFill/>
+            <a:ln>
+              <a:noFill/>
+            </a:ln>
+          </p:spPr>
+          <p:txBody>
+            <a:bodyPr anchorCtr="0" anchor="t" bIns="45700" lIns="91425" spcFirstLastPara="1" rIns="91425" wrap="square" tIns="45700">
+              <a:spAutoFit/>
+            </a:bodyPr>
+            <a:lstStyle/>
+            <a:p>
+              <a:pPr indent="0" lvl="0" marL="0" marR="0" rtl="0" algn="ctr">
+                <a:spcBef>
+                  <a:spcPts val="0"/>
+                </a:spcBef>
+                <a:spcAft>
+                  <a:spcPts val="0"/>
+                </a:spcAft>
+                <a:buNone/>
+              </a:pPr>
+              <a:r>
+                <a:rPr lang="pt-BR" sz="1400">
+                  <a:solidFill>
+                    <a:srgbClr val="FFFFFF"/>
+                  </a:solidFill>
+                  <a:latin typeface="Calibri"/>
+                  <a:ea typeface="Calibri"/>
+                  <a:cs typeface="Calibri"/>
+                  <a:sym typeface="Calibri"/>
+                </a:rPr>
+                <a:t>SEÇÃO 2. ASSISTÊNCIA AO PACIENTE</a:t>
+              </a:r>
+              <a:endParaRPr/>
+            </a:p>
+          </p:txBody>
+        </p:sp>
+      </p:grpSp>
+      <p:grpSp>
+        <p:nvGrpSpPr>
+          <p:cNvPr id="123" name="Google Shape;123;g32c78dc77c3_0_48"/>
+          <p:cNvGrpSpPr/>
+          <p:nvPr/>
+        </p:nvGrpSpPr>
+        <p:grpSpPr>
+          <a:xfrm>
+            <a:off x="542847" y="160298"/>
+            <a:ext cx="1614002" cy="1440003"/>
+            <a:chOff x="515359" y="4127491"/>
+            <a:chExt cx="1230372" cy="1262607"/>
+          </a:xfrm>
+        </p:grpSpPr>
+        <p:sp>
+          <p:nvSpPr>
+            <p:cNvPr id="124" name="Google Shape;124;g32c78dc77c3_0_48"/>
+            <p:cNvSpPr/>
+            <p:nvPr/>
+          </p:nvSpPr>
+          <p:spPr>
+            <a:xfrm>
+              <a:off x="515359" y="4127491"/>
+              <a:ext cx="747300" cy="1077000"/>
+            </a:xfrm>
+            <a:prstGeom prst="roundRect">
+              <a:avLst>
+                <a:gd fmla="val 16667" name="adj"/>
+              </a:avLst>
+            </a:prstGeom>
+            <a:solidFill>
+              <a:srgbClr val="4472C4"/>
+            </a:solidFill>
+            <a:ln>
+              <a:noFill/>
+            </a:ln>
+          </p:spPr>
+          <p:txBody>
+            <a:bodyPr anchorCtr="0" anchor="ctr" bIns="45700" lIns="91425" spcFirstLastPara="1" rIns="91425" wrap="square" tIns="45700">
+              <a:noAutofit/>
+            </a:bodyPr>
+            <a:lstStyle/>
+            <a:p>
+              <a:pPr indent="0" lvl="0" marL="0" marR="0" rtl="0" algn="ctr">
+                <a:spcBef>
+                  <a:spcPts val="0"/>
+                </a:spcBef>
+                <a:spcAft>
+                  <a:spcPts val="0"/>
+                </a:spcAft>
+                <a:buNone/>
+              </a:pPr>
+              <a:r>
+                <a:t/>
+              </a:r>
+              <a:endParaRPr sz="7200">
+                <a:solidFill>
+                  <a:srgbClr val="FFFFFF"/>
+                </a:solidFill>
+                <a:latin typeface="Calibri"/>
+                <a:ea typeface="Calibri"/>
+                <a:cs typeface="Calibri"/>
+                <a:sym typeface="Calibri"/>
+              </a:endParaRPr>
+            </a:p>
+          </p:txBody>
+        </p:sp>
+        <p:sp>
+          <p:nvSpPr>
+            <p:cNvPr id="125" name="Google Shape;125;g32c78dc77c3_0_48"/>
+            <p:cNvSpPr txBox="1"/>
+            <p:nvPr/>
+          </p:nvSpPr>
+          <p:spPr>
+            <a:xfrm>
+              <a:off x="589231" y="4337398"/>
+              <a:ext cx="1156500" cy="1052700"/>
+            </a:xfrm>
+            <a:prstGeom prst="rect">
+              <a:avLst/>
+            </a:prstGeom>
+            <a:noFill/>
+            <a:ln>
+              <a:noFill/>
+            </a:ln>
+          </p:spPr>
+          <p:txBody>
+            <a:bodyPr anchorCtr="0" anchor="t" bIns="45700" lIns="91425" spcFirstLastPara="1" rIns="91425" wrap="square" tIns="45700">
+              <a:spAutoFit/>
+            </a:bodyPr>
+            <a:lstStyle/>
+            <a:p>
+              <a:pPr indent="0" lvl="0" marL="0" marR="0" rtl="0" algn="l">
+                <a:spcBef>
+                  <a:spcPts val="0"/>
+                </a:spcBef>
+                <a:spcAft>
+                  <a:spcPts val="0"/>
+                </a:spcAft>
+                <a:buNone/>
+              </a:pPr>
+              <a:r>
+                <a:rPr lang="pt-BR" sz="7200">
+                  <a:solidFill>
+                    <a:srgbClr val="FFFFFF"/>
+                  </a:solidFill>
+                  <a:latin typeface="Calibri"/>
+                  <a:ea typeface="Calibri"/>
+                  <a:cs typeface="Calibri"/>
+                  <a:sym typeface="Calibri"/>
+                </a:rPr>
+                <a:t>3</a:t>
+              </a:r>
+              <a:endParaRPr sz="7200">
+                <a:solidFill>
+                  <a:srgbClr val="FFFFFF"/>
+                </a:solidFill>
+                <a:latin typeface="Calibri"/>
+                <a:ea typeface="Calibri"/>
+                <a:cs typeface="Calibri"/>
+                <a:sym typeface="Calibri"/>
+              </a:endParaRPr>
+            </a:p>
+          </p:txBody>
+        </p:sp>
+      </p:grpSp>
+    </p:spTree>
+  </p:cSld>
+  <p:clrMapOvr>
+    <a:masterClrMapping/>
+  </p:clrMapOvr>
+</p:sld>
+</file>
+
+<file path=ppt/slides/slide6.xml><?xml version="1.0" encoding="utf-8"?>
+<p:sld xmlns:a="http://schemas.openxmlformats.org/drawingml/2006/main" xmlns:r="http://schemas.openxmlformats.org/officeDocument/2006/relationships" xmlns:mc="http://schemas.openxmlformats.org/markup-compatibility/2006" xmlns:mv="urn:schemas-microsoft-com:mac:vml" xmlns:p="http://schemas.openxmlformats.org/presentationml/2006/main" xmlns:c="http://schemas.openxmlformats.org/drawingml/2006/chart" xmlns:dgm="http://schemas.openxmlformats.org/drawingml/2006/diagram" xmlns:o="urn:schemas-microsoft-com:office:office" xmlns:v="urn:schemas-microsoft-com:vml" xmlns:pvml="urn:schemas-microsoft-com:office:powerpoint" xmlns:com="http://schemas.openxmlformats.org/drawingml/2006/compatibility" xmlns:p14="http://schemas.microsoft.com/office/powerpoint/2010/main" xmlns:p15="http://schemas.microsoft.com/office/powerpoint/2012/main" xmlns:ahyp="http://schemas.microsoft.com/office/drawing/2018/hyperlinkcolor">
+  <p:cSld>
+    <p:bg>
+      <p:bgPr>
+        <a:blipFill>
+          <a:blip r:embed="rId3">
             <a:alphaModFix/>
           </a:blip>
-          <a:srcRect b="0" l="0" r="0" t="0"/>
-          <a:stretch/>
-        </p:blipFill>
+          <a:stretch>
+            <a:fillRect/>
+          </a:stretch>
+        </a:blipFill>
+      </p:bgPr>
+    </p:bg>
+    <p:spTree>
+      <p:nvGrpSpPr>
+        <p:cNvPr id="129" name="Shape 129"/>
+        <p:cNvGrpSpPr/>
+        <p:nvPr/>
+      </p:nvGrpSpPr>
+      <p:grpSpPr>
+        <a:xfrm>
+          <a:off x="0" y="0"/>
+          <a:ext cx="0" cy="0"/>
+          <a:chOff x="0" y="0"/>
+          <a:chExt cx="0" cy="0"/>
+        </a:xfrm>
+      </p:grpSpPr>
+      <p:sp>
+        <p:nvSpPr>
+          <p:cNvPr id="130" name="Google Shape;130;g33455df2fac_0_46"/>
+          <p:cNvSpPr txBox="1"/>
+          <p:nvPr/>
+        </p:nvSpPr>
         <p:spPr>
           <a:xfrm>
-            <a:off x="1593095" y="2071090"/>
-            <a:ext cx="2743200" cy="2733675"/>
+            <a:off x="1807325" y="134475"/>
+            <a:ext cx="8713200" cy="1015800"/>
           </a:xfrm>
           <a:prstGeom prst="rect">
             <a:avLst/>
@@ -14624,37 +15960,13 @@
             <a:noFill/>
           </a:ln>
         </p:spPr>
-      </p:pic>
-      <p:sp>
-        <p:nvSpPr>
-          <p:cNvPr id="145" name="Google Shape;145;g32c78dc77c3_0_63"/>
-          <p:cNvSpPr/>
-          <p:nvPr/>
-        </p:nvSpPr>
-        <p:spPr>
-          <a:xfrm>
-            <a:off x="1223239" y="4966968"/>
-            <a:ext cx="2837100" cy="916500"/>
-          </a:xfrm>
-          <a:prstGeom prst="roundRect">
-            <a:avLst>
-              <a:gd fmla="val 16667" name="adj"/>
-            </a:avLst>
-          </a:prstGeom>
-          <a:solidFill>
-            <a:srgbClr val="ED7D31"/>
-          </a:solidFill>
-          <a:ln>
-            <a:noFill/>
-          </a:ln>
-        </p:spPr>
         <p:txBody>
-          <a:bodyPr anchorCtr="0" anchor="ctr" bIns="45700" lIns="91425" spcFirstLastPara="1" rIns="91425" wrap="square" tIns="45700">
-            <a:noAutofit/>
+          <a:bodyPr anchorCtr="0" anchor="t" bIns="45700" lIns="91425" spcFirstLastPara="1" rIns="91425" wrap="square" tIns="45700">
+            <a:spAutoFit/>
           </a:bodyPr>
           <a:lstStyle/>
           <a:p>
-            <a:pPr indent="0" lvl="0" marL="0" marR="0" rtl="0" algn="ctr">
+            <a:pPr indent="0" lvl="0" marL="0" rtl="0" algn="l">
               <a:spcBef>
                 <a:spcPts val="0"/>
               </a:spcBef>
@@ -14664,12 +15976,18 @@
               <a:buNone/>
             </a:pPr>
             <a:r>
-              <a:t/>
+              <a:rPr lang="pt-BR" sz="6000">
+                <a:solidFill>
+                  <a:schemeClr val="dk1"/>
+                </a:solidFill>
+                <a:latin typeface="Calibri"/>
+                <a:ea typeface="Calibri"/>
+                <a:cs typeface="Calibri"/>
+                <a:sym typeface="Calibri"/>
+              </a:rPr>
+              <a:t>Resultados CORE</a:t>
             </a:r>
-            <a:endParaRPr sz="1800">
-              <a:solidFill>
-                <a:srgbClr val="FFFFFF"/>
-              </a:solidFill>
+            <a:endParaRPr sz="6000">
               <a:latin typeface="Calibri"/>
               <a:ea typeface="Calibri"/>
               <a:cs typeface="Calibri"/>
@@ -14678,34 +15996,442 @@
           </a:p>
         </p:txBody>
       </p:sp>
+      <p:grpSp>
+        <p:nvGrpSpPr>
+          <p:cNvPr id="131" name="Google Shape;131;g33455df2fac_0_46"/>
+          <p:cNvGrpSpPr/>
+          <p:nvPr/>
+        </p:nvGrpSpPr>
+        <p:grpSpPr>
+          <a:xfrm>
+            <a:off x="1908171" y="1096552"/>
+            <a:ext cx="3192900" cy="426346"/>
+            <a:chOff x="5439973" y="332458"/>
+            <a:chExt cx="3004800" cy="375900"/>
+          </a:xfrm>
+        </p:grpSpPr>
+        <p:sp>
+          <p:nvSpPr>
+            <p:cNvPr id="132" name="Google Shape;132;g33455df2fac_0_46"/>
+            <p:cNvSpPr/>
+            <p:nvPr/>
+          </p:nvSpPr>
+          <p:spPr>
+            <a:xfrm>
+              <a:off x="5439973" y="332458"/>
+              <a:ext cx="3004800" cy="375900"/>
+            </a:xfrm>
+            <a:prstGeom prst="roundRect">
+              <a:avLst>
+                <a:gd fmla="val 16667" name="adj"/>
+              </a:avLst>
+            </a:prstGeom>
+            <a:solidFill>
+              <a:srgbClr val="4472C4"/>
+            </a:solidFill>
+            <a:ln>
+              <a:noFill/>
+            </a:ln>
+          </p:spPr>
+          <p:txBody>
+            <a:bodyPr anchorCtr="0" anchor="ctr" bIns="45700" lIns="91425" spcFirstLastPara="1" rIns="91425" wrap="square" tIns="45700">
+              <a:noAutofit/>
+            </a:bodyPr>
+            <a:lstStyle/>
+            <a:p>
+              <a:pPr indent="0" lvl="0" marL="0" marR="0" rtl="0" algn="ctr">
+                <a:spcBef>
+                  <a:spcPts val="0"/>
+                </a:spcBef>
+                <a:spcAft>
+                  <a:spcPts val="0"/>
+                </a:spcAft>
+                <a:buNone/>
+              </a:pPr>
+              <a:r>
+                <a:t/>
+              </a:r>
+              <a:endParaRPr sz="1400">
+                <a:solidFill>
+                  <a:srgbClr val="FFFFFF"/>
+                </a:solidFill>
+                <a:latin typeface="Calibri"/>
+                <a:ea typeface="Calibri"/>
+                <a:cs typeface="Calibri"/>
+                <a:sym typeface="Calibri"/>
+              </a:endParaRPr>
+            </a:p>
+          </p:txBody>
+        </p:sp>
+        <p:sp>
+          <p:nvSpPr>
+            <p:cNvPr id="133" name="Google Shape;133;g33455df2fac_0_46"/>
+            <p:cNvSpPr txBox="1"/>
+            <p:nvPr/>
+          </p:nvSpPr>
+          <p:spPr>
+            <a:xfrm>
+              <a:off x="5526798" y="386031"/>
+              <a:ext cx="2759100" cy="271500"/>
+            </a:xfrm>
+            <a:prstGeom prst="rect">
+              <a:avLst/>
+            </a:prstGeom>
+            <a:noFill/>
+            <a:ln>
+              <a:noFill/>
+            </a:ln>
+          </p:spPr>
+          <p:txBody>
+            <a:bodyPr anchorCtr="0" anchor="t" bIns="45700" lIns="91425" spcFirstLastPara="1" rIns="91425" wrap="square" tIns="45700">
+              <a:spAutoFit/>
+            </a:bodyPr>
+            <a:lstStyle/>
+            <a:p>
+              <a:pPr indent="0" lvl="0" marL="0" marR="0" rtl="0" algn="ctr">
+                <a:spcBef>
+                  <a:spcPts val="0"/>
+                </a:spcBef>
+                <a:spcAft>
+                  <a:spcPts val="0"/>
+                </a:spcAft>
+                <a:buNone/>
+              </a:pPr>
+              <a:r>
+                <a:rPr lang="pt-BR" sz="1400">
+                  <a:solidFill>
+                    <a:srgbClr val="FFFFFF"/>
+                  </a:solidFill>
+                  <a:latin typeface="Calibri"/>
+                  <a:ea typeface="Calibri"/>
+                  <a:cs typeface="Calibri"/>
+                  <a:sym typeface="Calibri"/>
+                </a:rPr>
+                <a:t>SEÇÃO 2. ASSISTÊNCIA AO PACIENTE</a:t>
+              </a:r>
+              <a:endParaRPr/>
+            </a:p>
+          </p:txBody>
+        </p:sp>
+      </p:grpSp>
+      <p:grpSp>
+        <p:nvGrpSpPr>
+          <p:cNvPr id="134" name="Google Shape;134;g33455df2fac_0_46"/>
+          <p:cNvGrpSpPr/>
+          <p:nvPr/>
+        </p:nvGrpSpPr>
+        <p:grpSpPr>
+          <a:xfrm>
+            <a:off x="607297" y="186048"/>
+            <a:ext cx="1614002" cy="1440003"/>
+            <a:chOff x="515359" y="4127491"/>
+            <a:chExt cx="1230372" cy="1262607"/>
+          </a:xfrm>
+        </p:grpSpPr>
+        <p:sp>
+          <p:nvSpPr>
+            <p:cNvPr id="135" name="Google Shape;135;g33455df2fac_0_46"/>
+            <p:cNvSpPr/>
+            <p:nvPr/>
+          </p:nvSpPr>
+          <p:spPr>
+            <a:xfrm>
+              <a:off x="515359" y="4127491"/>
+              <a:ext cx="747300" cy="1077000"/>
+            </a:xfrm>
+            <a:prstGeom prst="roundRect">
+              <a:avLst>
+                <a:gd fmla="val 16667" name="adj"/>
+              </a:avLst>
+            </a:prstGeom>
+            <a:solidFill>
+              <a:srgbClr val="4472C4"/>
+            </a:solidFill>
+            <a:ln>
+              <a:noFill/>
+            </a:ln>
+          </p:spPr>
+          <p:txBody>
+            <a:bodyPr anchorCtr="0" anchor="ctr" bIns="45700" lIns="91425" spcFirstLastPara="1" rIns="91425" wrap="square" tIns="45700">
+              <a:noAutofit/>
+            </a:bodyPr>
+            <a:lstStyle/>
+            <a:p>
+              <a:pPr indent="0" lvl="0" marL="0" marR="0" rtl="0" algn="ctr">
+                <a:spcBef>
+                  <a:spcPts val="0"/>
+                </a:spcBef>
+                <a:spcAft>
+                  <a:spcPts val="0"/>
+                </a:spcAft>
+                <a:buNone/>
+              </a:pPr>
+              <a:r>
+                <a:t/>
+              </a:r>
+              <a:endParaRPr sz="7200">
+                <a:solidFill>
+                  <a:srgbClr val="FFFFFF"/>
+                </a:solidFill>
+                <a:latin typeface="Calibri"/>
+                <a:ea typeface="Calibri"/>
+                <a:cs typeface="Calibri"/>
+                <a:sym typeface="Calibri"/>
+              </a:endParaRPr>
+            </a:p>
+          </p:txBody>
+        </p:sp>
+        <p:sp>
+          <p:nvSpPr>
+            <p:cNvPr id="136" name="Google Shape;136;g33455df2fac_0_46"/>
+            <p:cNvSpPr txBox="1"/>
+            <p:nvPr/>
+          </p:nvSpPr>
+          <p:spPr>
+            <a:xfrm>
+              <a:off x="589231" y="4337398"/>
+              <a:ext cx="1156500" cy="1052700"/>
+            </a:xfrm>
+            <a:prstGeom prst="rect">
+              <a:avLst/>
+            </a:prstGeom>
+            <a:noFill/>
+            <a:ln>
+              <a:noFill/>
+            </a:ln>
+          </p:spPr>
+          <p:txBody>
+            <a:bodyPr anchorCtr="0" anchor="t" bIns="45700" lIns="91425" spcFirstLastPara="1" rIns="91425" wrap="square" tIns="45700">
+              <a:spAutoFit/>
+            </a:bodyPr>
+            <a:lstStyle/>
+            <a:p>
+              <a:pPr indent="0" lvl="0" marL="0" marR="0" rtl="0" algn="l">
+                <a:spcBef>
+                  <a:spcPts val="0"/>
+                </a:spcBef>
+                <a:spcAft>
+                  <a:spcPts val="0"/>
+                </a:spcAft>
+                <a:buNone/>
+              </a:pPr>
+              <a:r>
+                <a:rPr lang="pt-BR" sz="7200">
+                  <a:solidFill>
+                    <a:srgbClr val="FFFFFF"/>
+                  </a:solidFill>
+                  <a:latin typeface="Calibri"/>
+                  <a:ea typeface="Calibri"/>
+                  <a:cs typeface="Calibri"/>
+                  <a:sym typeface="Calibri"/>
+                </a:rPr>
+                <a:t>3</a:t>
+              </a:r>
+              <a:endParaRPr sz="7200">
+                <a:solidFill>
+                  <a:srgbClr val="FFFFFF"/>
+                </a:solidFill>
+                <a:latin typeface="Calibri"/>
+                <a:ea typeface="Calibri"/>
+                <a:cs typeface="Calibri"/>
+                <a:sym typeface="Calibri"/>
+              </a:endParaRPr>
+            </a:p>
+          </p:txBody>
+        </p:sp>
+      </p:grpSp>
+    </p:spTree>
+  </p:cSld>
+  <p:clrMapOvr>
+    <a:masterClrMapping/>
+  </p:clrMapOvr>
+</p:sld>
+</file>
+
+<file path=ppt/slides/slide7.xml><?xml version="1.0" encoding="utf-8"?>
+<p:sld xmlns:a="http://schemas.openxmlformats.org/drawingml/2006/main" xmlns:r="http://schemas.openxmlformats.org/officeDocument/2006/relationships" xmlns:mc="http://schemas.openxmlformats.org/markup-compatibility/2006" xmlns:mv="urn:schemas-microsoft-com:mac:vml" xmlns:p="http://schemas.openxmlformats.org/presentationml/2006/main" xmlns:c="http://schemas.openxmlformats.org/drawingml/2006/chart" xmlns:dgm="http://schemas.openxmlformats.org/drawingml/2006/diagram" xmlns:o="urn:schemas-microsoft-com:office:office" xmlns:v="urn:schemas-microsoft-com:vml" xmlns:pvml="urn:schemas-microsoft-com:office:powerpoint" xmlns:com="http://schemas.openxmlformats.org/drawingml/2006/compatibility" xmlns:p14="http://schemas.microsoft.com/office/powerpoint/2010/main" xmlns:p15="http://schemas.microsoft.com/office/powerpoint/2012/main" xmlns:ahyp="http://schemas.microsoft.com/office/drawing/2018/hyperlinkcolor">
+  <p:cSld>
+    <p:bg>
+      <p:bgPr>
+        <a:blipFill>
+          <a:blip r:embed="rId3">
+            <a:alphaModFix/>
+          </a:blip>
+          <a:stretch>
+            <a:fillRect/>
+          </a:stretch>
+        </a:blipFill>
+      </p:bgPr>
+    </p:bg>
+    <p:spTree>
+      <p:nvGrpSpPr>
+        <p:cNvPr id="140" name="Shape 140"/>
+        <p:cNvGrpSpPr/>
+        <p:nvPr/>
+      </p:nvGrpSpPr>
+      <p:grpSpPr>
+        <a:xfrm>
+          <a:off x="0" y="0"/>
+          <a:ext cx="0" cy="0"/>
+          <a:chOff x="0" y="0"/>
+          <a:chExt cx="0" cy="0"/>
+        </a:xfrm>
+      </p:grpSpPr>
+      <p:grpSp>
+        <p:nvGrpSpPr>
+          <p:cNvPr id="141" name="Google Shape;141;g32c78dc77c3_0_27"/>
+          <p:cNvGrpSpPr/>
+          <p:nvPr/>
+        </p:nvGrpSpPr>
+        <p:grpSpPr>
+          <a:xfrm>
+            <a:off x="591339" y="108393"/>
+            <a:ext cx="1230372" cy="1410507"/>
+            <a:chOff x="515359" y="4127491"/>
+            <a:chExt cx="1230372" cy="1410507"/>
+          </a:xfrm>
+        </p:grpSpPr>
+        <p:sp>
+          <p:nvSpPr>
+            <p:cNvPr id="142" name="Google Shape;142;g32c78dc77c3_0_27"/>
+            <p:cNvSpPr/>
+            <p:nvPr/>
+          </p:nvSpPr>
+          <p:spPr>
+            <a:xfrm>
+              <a:off x="515359" y="4127491"/>
+              <a:ext cx="747300" cy="1077000"/>
+            </a:xfrm>
+            <a:prstGeom prst="roundRect">
+              <a:avLst>
+                <a:gd fmla="val 16667" name="adj"/>
+              </a:avLst>
+            </a:prstGeom>
+            <a:solidFill>
+              <a:srgbClr val="4472C4"/>
+            </a:solidFill>
+            <a:ln>
+              <a:noFill/>
+            </a:ln>
+          </p:spPr>
+          <p:txBody>
+            <a:bodyPr anchorCtr="0" anchor="ctr" bIns="45700" lIns="91425" spcFirstLastPara="1" rIns="91425" wrap="square" tIns="45700">
+              <a:noAutofit/>
+            </a:bodyPr>
+            <a:lstStyle/>
+            <a:p>
+              <a:pPr indent="0" lvl="0" marL="0" marR="0" rtl="0" algn="ctr">
+                <a:spcBef>
+                  <a:spcPts val="0"/>
+                </a:spcBef>
+                <a:spcAft>
+                  <a:spcPts val="0"/>
+                </a:spcAft>
+                <a:buNone/>
+              </a:pPr>
+              <a:r>
+                <a:t/>
+              </a:r>
+              <a:endParaRPr sz="7200">
+                <a:solidFill>
+                  <a:srgbClr val="FFFFFF"/>
+                </a:solidFill>
+                <a:latin typeface="Calibri"/>
+                <a:ea typeface="Calibri"/>
+                <a:cs typeface="Calibri"/>
+                <a:sym typeface="Calibri"/>
+              </a:endParaRPr>
+            </a:p>
+          </p:txBody>
+        </p:sp>
+        <p:sp>
+          <p:nvSpPr>
+            <p:cNvPr id="143" name="Google Shape;143;g32c78dc77c3_0_27"/>
+            <p:cNvSpPr txBox="1"/>
+            <p:nvPr/>
+          </p:nvSpPr>
+          <p:spPr>
+            <a:xfrm>
+              <a:off x="589231" y="4337398"/>
+              <a:ext cx="1156500" cy="1200600"/>
+            </a:xfrm>
+            <a:prstGeom prst="rect">
+              <a:avLst/>
+            </a:prstGeom>
+            <a:noFill/>
+            <a:ln>
+              <a:noFill/>
+            </a:ln>
+          </p:spPr>
+          <p:txBody>
+            <a:bodyPr anchorCtr="0" anchor="t" bIns="45700" lIns="91425" spcFirstLastPara="1" rIns="91425" wrap="square" tIns="45700">
+              <a:spAutoFit/>
+            </a:bodyPr>
+            <a:lstStyle/>
+            <a:p>
+              <a:pPr indent="0" lvl="0" marL="0" marR="0" rtl="0" algn="l">
+                <a:spcBef>
+                  <a:spcPts val="0"/>
+                </a:spcBef>
+                <a:spcAft>
+                  <a:spcPts val="0"/>
+                </a:spcAft>
+                <a:buNone/>
+              </a:pPr>
+              <a:r>
+                <a:rPr lang="pt-BR" sz="7200">
+                  <a:solidFill>
+                    <a:srgbClr val="FFFFFF"/>
+                  </a:solidFill>
+                  <a:latin typeface="Calibri"/>
+                  <a:ea typeface="Calibri"/>
+                  <a:cs typeface="Calibri"/>
+                  <a:sym typeface="Calibri"/>
+                </a:rPr>
+                <a:t>3</a:t>
+              </a:r>
+              <a:endParaRPr sz="7200">
+                <a:solidFill>
+                  <a:srgbClr val="FFFFFF"/>
+                </a:solidFill>
+                <a:latin typeface="Calibri"/>
+                <a:ea typeface="Calibri"/>
+                <a:cs typeface="Calibri"/>
+                <a:sym typeface="Calibri"/>
+              </a:endParaRPr>
+            </a:p>
+          </p:txBody>
+        </p:sp>
+      </p:grpSp>
       <p:sp>
         <p:nvSpPr>
-          <p:cNvPr id="146" name="Google Shape;146;g32c78dc77c3_0_63"/>
-          <p:cNvSpPr/>
+          <p:cNvPr id="144" name="Google Shape;144;g32c78dc77c3_0_27"/>
+          <p:cNvSpPr txBox="1"/>
           <p:nvPr/>
         </p:nvSpPr>
         <p:spPr>
           <a:xfrm>
-            <a:off x="3338054" y="4930059"/>
-            <a:ext cx="1353000" cy="1014900"/>
+            <a:off x="1381925" y="490400"/>
+            <a:ext cx="10324500" cy="646500"/>
           </a:xfrm>
-          <a:prstGeom prst="ellipse">
+          <a:prstGeom prst="rect">
             <a:avLst/>
           </a:prstGeom>
-          <a:solidFill>
-            <a:srgbClr val="FFFFFF"/>
-          </a:solidFill>
+          <a:noFill/>
           <a:ln>
             <a:noFill/>
           </a:ln>
         </p:spPr>
         <p:txBody>
-          <a:bodyPr anchorCtr="0" anchor="ctr" bIns="45700" lIns="91425" spcFirstLastPara="1" rIns="91425" wrap="square" tIns="45700">
-            <a:noAutofit/>
+          <a:bodyPr anchorCtr="0" anchor="t" bIns="45700" lIns="91425" spcFirstLastPara="1" rIns="91425" wrap="square" tIns="45700">
+            <a:spAutoFit/>
           </a:bodyPr>
           <a:lstStyle/>
           <a:p>
-            <a:pPr indent="0" lvl="0" marL="0" marR="0" rtl="0" algn="ctr">
+            <a:pPr indent="0" lvl="0" marL="0" rtl="0" algn="l">
+              <a:lnSpc>
+                <a:spcPct val="90000"/>
+              </a:lnSpc>
               <a:spcBef>
                 <a:spcPts val="0"/>
               </a:spcBef>
@@ -14715,12 +16441,27 @@
               <a:buNone/>
             </a:pPr>
             <a:r>
-              <a:t/>
+              <a:rPr lang="pt-BR" sz="4000">
+                <a:latin typeface="Calibri"/>
+                <a:ea typeface="Calibri"/>
+                <a:cs typeface="Calibri"/>
+                <a:sym typeface="Calibri"/>
+              </a:rPr>
+              <a:t>Seção </a:t>
             </a:r>
-            <a:endParaRPr sz="1800">
-              <a:solidFill>
-                <a:srgbClr val="FFFFFF"/>
-              </a:solidFill>
+            <a:r>
+              <a:rPr lang="pt-BR" sz="4000">
+                <a:solidFill>
+                  <a:schemeClr val="dk1"/>
+                </a:solidFill>
+                <a:latin typeface="Calibri"/>
+                <a:ea typeface="Calibri"/>
+                <a:cs typeface="Calibri"/>
+                <a:sym typeface="Calibri"/>
+              </a:rPr>
+              <a:t>Assistência ao Paciente (2.) por subseções</a:t>
+            </a:r>
+            <a:endParaRPr sz="6000">
               <a:latin typeface="Calibri"/>
               <a:ea typeface="Calibri"/>
               <a:cs typeface="Calibri"/>
@@ -14729,16 +16470,53 @@
           </a:p>
         </p:txBody>
       </p:sp>
+    </p:spTree>
+  </p:cSld>
+  <p:clrMapOvr>
+    <a:masterClrMapping/>
+  </p:clrMapOvr>
+</p:sld>
+</file>
+
+<file path=ppt/slides/slide8.xml><?xml version="1.0" encoding="utf-8"?>
+<p:sld xmlns:a="http://schemas.openxmlformats.org/drawingml/2006/main" xmlns:r="http://schemas.openxmlformats.org/officeDocument/2006/relationships" xmlns:mc="http://schemas.openxmlformats.org/markup-compatibility/2006" xmlns:mv="urn:schemas-microsoft-com:mac:vml" xmlns:p="http://schemas.openxmlformats.org/presentationml/2006/main" xmlns:c="http://schemas.openxmlformats.org/drawingml/2006/chart" xmlns:dgm="http://schemas.openxmlformats.org/drawingml/2006/diagram" xmlns:o="urn:schemas-microsoft-com:office:office" xmlns:v="urn:schemas-microsoft-com:vml" xmlns:pvml="urn:schemas-microsoft-com:office:powerpoint" xmlns:com="http://schemas.openxmlformats.org/drawingml/2006/compatibility" xmlns:p14="http://schemas.microsoft.com/office/powerpoint/2010/main" xmlns:p15="http://schemas.microsoft.com/office/powerpoint/2012/main" xmlns:ahyp="http://schemas.microsoft.com/office/drawing/2018/hyperlinkcolor">
+  <p:cSld>
+    <p:bg>
+      <p:bgPr>
+        <a:blipFill>
+          <a:blip r:embed="rId3">
+            <a:alphaModFix/>
+          </a:blip>
+          <a:stretch>
+            <a:fillRect/>
+          </a:stretch>
+        </a:blipFill>
+      </p:bgPr>
+    </p:bg>
+    <p:spTree>
+      <p:nvGrpSpPr>
+        <p:cNvPr id="148" name="Shape 148"/>
+        <p:cNvGrpSpPr/>
+        <p:nvPr/>
+      </p:nvGrpSpPr>
+      <p:grpSpPr>
+        <a:xfrm>
+          <a:off x="0" y="0"/>
+          <a:ext cx="0" cy="0"/>
+          <a:chOff x="0" y="0"/>
+          <a:chExt cx="0" cy="0"/>
+        </a:xfrm>
+      </p:grpSpPr>
       <p:sp>
         <p:nvSpPr>
-          <p:cNvPr id="147" name="Google Shape;147;g32c78dc77c3_0_63"/>
+          <p:cNvPr id="149" name="Google Shape;149;g32c78dc77c3_0_63"/>
           <p:cNvSpPr txBox="1"/>
           <p:nvPr/>
         </p:nvSpPr>
         <p:spPr>
           <a:xfrm>
-            <a:off x="3554792" y="5252608"/>
-            <a:ext cx="1449600" cy="369300"/>
+            <a:off x="1704191" y="131140"/>
+            <a:ext cx="4997700" cy="1015800"/>
           </a:xfrm>
           <a:prstGeom prst="rect">
             <a:avLst/>
@@ -14764,30 +16542,38 @@
               <a:buNone/>
             </a:pPr>
             <a:r>
-              <a:rPr lang="pt-BR" sz="1800">
+              <a:rPr lang="pt-BR" sz="6000">
                 <a:solidFill>
-                  <a:srgbClr val="ED7D31"/>
+                  <a:srgbClr val="000000"/>
                 </a:solidFill>
                 <a:latin typeface="Calibri"/>
                 <a:ea typeface="Calibri"/>
                 <a:cs typeface="Calibri"/>
                 <a:sym typeface="Calibri"/>
               </a:rPr>
-              <a:t>Total N1   </a:t>
+              <a:t>Resultados</a:t>
             </a:r>
-            <a:endParaRPr/>
+            <a:endParaRPr sz="1800">
+              <a:solidFill>
+                <a:srgbClr val="000000"/>
+              </a:solidFill>
+              <a:latin typeface="Calibri"/>
+              <a:ea typeface="Calibri"/>
+              <a:cs typeface="Calibri"/>
+              <a:sym typeface="Calibri"/>
+            </a:endParaRPr>
           </a:p>
         </p:txBody>
       </p:sp>
       <p:grpSp>
         <p:nvGrpSpPr>
-          <p:cNvPr id="148" name="Google Shape;148;g32c78dc77c3_0_63"/>
+          <p:cNvPr id="150" name="Google Shape;150;g32c78dc77c3_0_63"/>
           <p:cNvGrpSpPr/>
           <p:nvPr/>
         </p:nvGrpSpPr>
         <p:grpSpPr>
           <a:xfrm>
-            <a:off x="1398867" y="1513547"/>
+            <a:off x="1704192" y="1075435"/>
             <a:ext cx="3033600" cy="657117"/>
             <a:chOff x="545584" y="162484"/>
             <a:chExt cx="3033600" cy="657117"/>
@@ -14795,7 +16581,7 @@
         </p:grpSpPr>
         <p:sp>
           <p:nvSpPr>
-            <p:cNvPr id="149" name="Google Shape;149;g32c78dc77c3_0_63"/>
+            <p:cNvPr id="151" name="Google Shape;151;g32c78dc77c3_0_63"/>
             <p:cNvSpPr/>
             <p:nvPr/>
           </p:nvSpPr>
@@ -14894,7 +16680,7 @@
         </p:sp>
         <p:sp>
           <p:nvSpPr>
-            <p:cNvPr id="150" name="Google Shape;150;g32c78dc77c3_0_63"/>
+            <p:cNvPr id="152" name="Google Shape;152;g32c78dc77c3_0_63"/>
             <p:cNvSpPr txBox="1"/>
             <p:nvPr/>
           </p:nvSpPr>
@@ -14974,158 +16760,23 @@
           </p:txBody>
         </p:sp>
       </p:grpSp>
-      <p:sp>
-        <p:nvSpPr>
-          <p:cNvPr id="151" name="Google Shape;151;g32c78dc77c3_0_63"/>
-          <p:cNvSpPr txBox="1"/>
-          <p:nvPr/>
-        </p:nvSpPr>
-        <p:spPr>
-          <a:xfrm>
-            <a:off x="1466707" y="4995205"/>
-            <a:ext cx="1175100" cy="861900"/>
-          </a:xfrm>
-          <a:prstGeom prst="rect">
-            <a:avLst/>
-          </a:prstGeom>
-          <a:noFill/>
-          <a:ln>
-            <a:noFill/>
-          </a:ln>
-        </p:spPr>
-        <p:txBody>
-          <a:bodyPr anchorCtr="0" anchor="t" bIns="45700" lIns="91425" spcFirstLastPara="1" rIns="91425" wrap="square" tIns="45700">
-            <a:spAutoFit/>
-          </a:bodyPr>
-          <a:lstStyle/>
-          <a:p>
-            <a:pPr indent="0" lvl="0" marL="0" marR="0" rtl="0" algn="l">
-              <a:spcBef>
-                <a:spcPts val="0"/>
-              </a:spcBef>
-              <a:spcAft>
-                <a:spcPts val="0"/>
-              </a:spcAft>
-              <a:buNone/>
-            </a:pPr>
-            <a:r>
-              <a:rPr lang="pt-BR" sz="1800">
-                <a:solidFill>
-                  <a:srgbClr val="FFFFFF"/>
-                </a:solidFill>
-                <a:latin typeface="Calibri"/>
-                <a:ea typeface="Calibri"/>
-                <a:cs typeface="Calibri"/>
-                <a:sym typeface="Calibri"/>
-              </a:rPr>
-              <a:t>N1</a:t>
-            </a:r>
-            <a:endParaRPr/>
-          </a:p>
-          <a:p>
-            <a:pPr indent="0" lvl="0" marL="0" marR="0" rtl="0" algn="l">
-              <a:spcBef>
-                <a:spcPts val="0"/>
-              </a:spcBef>
-              <a:spcAft>
-                <a:spcPts val="0"/>
-              </a:spcAft>
-              <a:buNone/>
-            </a:pPr>
-            <a:r>
-              <a:rPr lang="pt-BR" sz="1600">
-                <a:solidFill>
-                  <a:srgbClr val="FFFFFF"/>
-                </a:solidFill>
-                <a:latin typeface="Calibri"/>
-                <a:ea typeface="Calibri"/>
-                <a:cs typeface="Calibri"/>
-                <a:sym typeface="Calibri"/>
-              </a:rPr>
-              <a:t>Core 12 </a:t>
-            </a:r>
-            <a:endParaRPr/>
-          </a:p>
-          <a:p>
-            <a:pPr indent="0" lvl="0" marL="0" marR="0" rtl="0" algn="l">
-              <a:spcBef>
-                <a:spcPts val="0"/>
-              </a:spcBef>
-              <a:spcAft>
-                <a:spcPts val="0"/>
-              </a:spcAft>
-              <a:buNone/>
-            </a:pPr>
-            <a:r>
-              <a:rPr lang="pt-BR" sz="1600">
-                <a:solidFill>
-                  <a:srgbClr val="FFFFFF"/>
-                </a:solidFill>
-                <a:latin typeface="Calibri"/>
-                <a:ea typeface="Calibri"/>
-                <a:cs typeface="Calibri"/>
-                <a:sym typeface="Calibri"/>
-              </a:rPr>
-              <a:t>Outros 59  </a:t>
-            </a:r>
-            <a:endParaRPr/>
-          </a:p>
-        </p:txBody>
-      </p:sp>
-    </p:spTree>
-  </p:cSld>
-  <p:clrMapOvr>
-    <a:masterClrMapping/>
-  </p:clrMapOvr>
-</p:sld>
-</file>
-
-<file path=ppt/slides/slide7.xml><?xml version="1.0" encoding="utf-8"?>
-<p:sld xmlns:a="http://schemas.openxmlformats.org/drawingml/2006/main" xmlns:r="http://schemas.openxmlformats.org/officeDocument/2006/relationships" xmlns:mc="http://schemas.openxmlformats.org/markup-compatibility/2006" xmlns:mv="urn:schemas-microsoft-com:mac:vml" xmlns:p="http://schemas.openxmlformats.org/presentationml/2006/main" xmlns:c="http://schemas.openxmlformats.org/drawingml/2006/chart" xmlns:dgm="http://schemas.openxmlformats.org/drawingml/2006/diagram" xmlns:o="urn:schemas-microsoft-com:office:office" xmlns:v="urn:schemas-microsoft-com:vml" xmlns:pvml="urn:schemas-microsoft-com:office:powerpoint" xmlns:com="http://schemas.openxmlformats.org/drawingml/2006/compatibility" xmlns:p14="http://schemas.microsoft.com/office/powerpoint/2010/main" xmlns:p15="http://schemas.microsoft.com/office/powerpoint/2012/main" xmlns:ahyp="http://schemas.microsoft.com/office/drawing/2018/hyperlinkcolor">
-  <p:cSld>
-    <p:bg>
-      <p:bgPr>
-        <a:blipFill>
-          <a:blip r:embed="rId3">
-            <a:alphaModFix/>
-          </a:blip>
-          <a:stretch>
-            <a:fillRect/>
-          </a:stretch>
-        </a:blipFill>
-      </p:bgPr>
-    </p:bg>
-    <p:spTree>
-      <p:nvGrpSpPr>
-        <p:cNvPr id="155" name="Shape 155"/>
-        <p:cNvGrpSpPr/>
-        <p:nvPr/>
-      </p:nvGrpSpPr>
-      <p:grpSpPr>
-        <a:xfrm>
-          <a:off x="0" y="0"/>
-          <a:ext cx="0" cy="0"/>
-          <a:chOff x="0" y="0"/>
-          <a:chExt cx="0" cy="0"/>
-        </a:xfrm>
-      </p:grpSpPr>
       <p:grpSp>
         <p:nvGrpSpPr>
-          <p:cNvPr id="156" name="Google Shape;156;g32c78dc77c3_0_41"/>
+          <p:cNvPr id="153" name="Google Shape;153;g32c78dc77c3_0_63"/>
           <p:cNvGrpSpPr/>
           <p:nvPr/>
         </p:nvGrpSpPr>
         <p:grpSpPr>
           <a:xfrm>
-            <a:off x="461068" y="263120"/>
-            <a:ext cx="1396718" cy="1410507"/>
+            <a:off x="594422" y="211848"/>
+            <a:ext cx="1614002" cy="1440003"/>
             <a:chOff x="515359" y="4127491"/>
-            <a:chExt cx="1230372" cy="1410507"/>
+            <a:chExt cx="1230372" cy="1262607"/>
           </a:xfrm>
         </p:grpSpPr>
         <p:sp>
           <p:nvSpPr>
-            <p:cNvPr id="157" name="Google Shape;157;g32c78dc77c3_0_41"/>
+            <p:cNvPr id="154" name="Google Shape;154;g32c78dc77c3_0_63"/>
             <p:cNvSpPr/>
             <p:nvPr/>
           </p:nvSpPr>
@@ -15140,7 +16791,7 @@
               </a:avLst>
             </a:prstGeom>
             <a:solidFill>
-              <a:srgbClr val="385623"/>
+              <a:srgbClr val="ED7D31"/>
             </a:solidFill>
             <a:ln>
               <a:noFill/>
@@ -15178,14 +16829,14 @@
         </p:sp>
         <p:sp>
           <p:nvSpPr>
-            <p:cNvPr id="158" name="Google Shape;158;g32c78dc77c3_0_41"/>
+            <p:cNvPr id="155" name="Google Shape;155;g32c78dc77c3_0_63"/>
             <p:cNvSpPr txBox="1"/>
             <p:nvPr/>
           </p:nvSpPr>
           <p:spPr>
             <a:xfrm>
               <a:off x="589231" y="4337398"/>
-              <a:ext cx="1156500" cy="1200600"/>
+              <a:ext cx="1156500" cy="1052700"/>
             </a:xfrm>
             <a:prstGeom prst="rect">
               <a:avLst/>
@@ -15235,16 +16886,53 @@
           </p:txBody>
         </p:sp>
       </p:grpSp>
+    </p:spTree>
+  </p:cSld>
+  <p:clrMapOvr>
+    <a:masterClrMapping/>
+  </p:clrMapOvr>
+</p:sld>
+</file>
+
+<file path=ppt/slides/slide9.xml><?xml version="1.0" encoding="utf-8"?>
+<p:sld xmlns:a="http://schemas.openxmlformats.org/drawingml/2006/main" xmlns:r="http://schemas.openxmlformats.org/officeDocument/2006/relationships" xmlns:mc="http://schemas.openxmlformats.org/markup-compatibility/2006" xmlns:mv="urn:schemas-microsoft-com:mac:vml" xmlns:p="http://schemas.openxmlformats.org/presentationml/2006/main" xmlns:c="http://schemas.openxmlformats.org/drawingml/2006/chart" xmlns:dgm="http://schemas.openxmlformats.org/drawingml/2006/diagram" xmlns:o="urn:schemas-microsoft-com:office:office" xmlns:v="urn:schemas-microsoft-com:vml" xmlns:pvml="urn:schemas-microsoft-com:office:powerpoint" xmlns:com="http://schemas.openxmlformats.org/drawingml/2006/compatibility" xmlns:p14="http://schemas.microsoft.com/office/powerpoint/2010/main" xmlns:p15="http://schemas.microsoft.com/office/powerpoint/2012/main" xmlns:ahyp="http://schemas.microsoft.com/office/drawing/2018/hyperlinkcolor">
+  <p:cSld>
+    <p:bg>
+      <p:bgPr>
+        <a:blipFill>
+          <a:blip r:embed="rId3">
+            <a:alphaModFix/>
+          </a:blip>
+          <a:stretch>
+            <a:fillRect/>
+          </a:stretch>
+        </a:blipFill>
+      </p:bgPr>
+    </p:bg>
+    <p:spTree>
+      <p:nvGrpSpPr>
+        <p:cNvPr id="159" name="Shape 159"/>
+        <p:cNvGrpSpPr/>
+        <p:nvPr/>
+      </p:nvGrpSpPr>
+      <p:grpSpPr>
+        <a:xfrm>
+          <a:off x="0" y="0"/>
+          <a:ext cx="0" cy="0"/>
+          <a:chOff x="0" y="0"/>
+          <a:chExt cx="0" cy="0"/>
+        </a:xfrm>
+      </p:grpSpPr>
       <p:sp>
         <p:nvSpPr>
-          <p:cNvPr id="159" name="Google Shape;159;g32c78dc77c3_0_41"/>
+          <p:cNvPr id="160" name="Google Shape;160;g33455df2fac_0_56"/>
           <p:cNvSpPr txBox="1"/>
           <p:nvPr/>
         </p:nvSpPr>
         <p:spPr>
           <a:xfrm>
-            <a:off x="1261674" y="645080"/>
-            <a:ext cx="10612500" cy="646500"/>
+            <a:off x="1691304" y="118275"/>
+            <a:ext cx="7424100" cy="1015800"/>
           </a:xfrm>
           <a:prstGeom prst="rect">
             <a:avLst/>
@@ -15261,9 +16949,6 @@
           <a:lstStyle/>
           <a:p>
             <a:pPr indent="0" lvl="0" marL="0" rtl="0" algn="l">
-              <a:lnSpc>
-                <a:spcPct val="90000"/>
-              </a:lnSpc>
               <a:spcBef>
                 <a:spcPts val="0"/>
               </a:spcBef>
@@ -15273,16 +16958,7 @@
               <a:buNone/>
             </a:pPr>
             <a:r>
-              <a:rPr lang="pt-BR" sz="4000">
-                <a:latin typeface="Calibri"/>
-                <a:ea typeface="Calibri"/>
-                <a:cs typeface="Calibri"/>
-                <a:sym typeface="Calibri"/>
-              </a:rPr>
-              <a:t>Seção </a:t>
-            </a:r>
-            <a:r>
-              <a:rPr lang="pt-BR" sz="4000">
+              <a:rPr lang="pt-BR" sz="6000">
                 <a:solidFill>
                   <a:schemeClr val="dk1"/>
                 </a:solidFill>
@@ -15291,7 +16967,7 @@
                 <a:cs typeface="Calibri"/>
                 <a:sym typeface="Calibri"/>
               </a:rPr>
-              <a:t>Diagnóstico e terapêutica (3.) por subseções </a:t>
+              <a:t>Resultados CORE</a:t>
             </a:r>
             <a:endParaRPr sz="6000">
               <a:latin typeface="Calibri"/>
@@ -15302,60 +16978,218 @@
           </a:p>
         </p:txBody>
       </p:sp>
-    </p:spTree>
-  </p:cSld>
-  <p:clrMapOvr>
-    <a:masterClrMapping/>
-  </p:clrMapOvr>
-</p:sld>
-</file>
-
-<file path=ppt/slides/slide8.xml><?xml version="1.0" encoding="utf-8"?>
-<p:sld xmlns:a="http://schemas.openxmlformats.org/drawingml/2006/main" xmlns:r="http://schemas.openxmlformats.org/officeDocument/2006/relationships" xmlns:mc="http://schemas.openxmlformats.org/markup-compatibility/2006" xmlns:mv="urn:schemas-microsoft-com:mac:vml" xmlns:p="http://schemas.openxmlformats.org/presentationml/2006/main" xmlns:c="http://schemas.openxmlformats.org/drawingml/2006/chart" xmlns:dgm="http://schemas.openxmlformats.org/drawingml/2006/diagram" xmlns:o="urn:schemas-microsoft-com:office:office" xmlns:v="urn:schemas-microsoft-com:vml" xmlns:pvml="urn:schemas-microsoft-com:office:powerpoint" xmlns:com="http://schemas.openxmlformats.org/drawingml/2006/compatibility" xmlns:p14="http://schemas.microsoft.com/office/powerpoint/2010/main" xmlns:p15="http://schemas.microsoft.com/office/powerpoint/2012/main" xmlns:ahyp="http://schemas.microsoft.com/office/drawing/2018/hyperlinkcolor">
-  <p:cSld>
-    <p:bg>
-      <p:bgPr>
-        <a:blipFill>
-          <a:blip r:embed="rId3">
-            <a:alphaModFix/>
-          </a:blip>
-          <a:stretch>
-            <a:fillRect/>
-          </a:stretch>
-        </a:blipFill>
-      </p:bgPr>
-    </p:bg>
-    <p:spTree>
-      <p:nvGrpSpPr>
-        <p:cNvPr id="163" name="Shape 163"/>
-        <p:cNvGrpSpPr/>
-        <p:nvPr/>
-      </p:nvGrpSpPr>
-      <p:grpSpPr>
-        <a:xfrm>
-          <a:off x="0" y="0"/>
-          <a:ext cx="0" cy="0"/>
-          <a:chOff x="0" y="0"/>
-          <a:chExt cx="0" cy="0"/>
-        </a:xfrm>
-      </p:grpSpPr>
       <p:grpSp>
         <p:nvGrpSpPr>
-          <p:cNvPr id="164" name="Google Shape;164;g32c78dc77c3_0_78"/>
+          <p:cNvPr id="161" name="Google Shape;161;g33455df2fac_0_56"/>
           <p:cNvGrpSpPr/>
           <p:nvPr/>
         </p:nvGrpSpPr>
         <p:grpSpPr>
           <a:xfrm>
-            <a:off x="578439" y="263068"/>
-            <a:ext cx="1230372" cy="1410507"/>
-            <a:chOff x="515359" y="4127491"/>
-            <a:chExt cx="1230372" cy="1410507"/>
+            <a:off x="1691292" y="1062560"/>
+            <a:ext cx="3033600" cy="657117"/>
+            <a:chOff x="545584" y="162484"/>
+            <a:chExt cx="3033600" cy="657117"/>
           </a:xfrm>
         </p:grpSpPr>
         <p:sp>
           <p:nvSpPr>
-            <p:cNvPr id="165" name="Google Shape;165;g32c78dc77c3_0_78"/>
+            <p:cNvPr id="162" name="Google Shape;162;g33455df2fac_0_56"/>
+            <p:cNvSpPr/>
+            <p:nvPr/>
+          </p:nvSpPr>
+          <p:spPr>
+            <a:xfrm>
+              <a:off x="632836" y="162484"/>
+              <a:ext cx="2925300" cy="488400"/>
+            </a:xfrm>
+            <a:prstGeom prst="roundRect">
+              <a:avLst>
+                <a:gd fmla="val 16667" name="adj"/>
+              </a:avLst>
+            </a:prstGeom>
+            <a:solidFill>
+              <a:srgbClr val="ED7D31"/>
+            </a:solidFill>
+            <a:ln>
+              <a:noFill/>
+            </a:ln>
+          </p:spPr>
+          <p:txBody>
+            <a:bodyPr anchorCtr="0" anchor="ctr" bIns="45700" lIns="91425" spcFirstLastPara="1" rIns="91425" wrap="square" tIns="45700">
+              <a:noAutofit/>
+            </a:bodyPr>
+            <a:lstStyle/>
+            <a:p>
+              <a:pPr indent="0" lvl="0" marL="0" marR="0" rtl="0" algn="ctr">
+                <a:spcBef>
+                  <a:spcPts val="0"/>
+                </a:spcBef>
+                <a:spcAft>
+                  <a:spcPts val="0"/>
+                </a:spcAft>
+                <a:buNone/>
+              </a:pPr>
+              <a:r>
+                <a:t/>
+              </a:r>
+              <a:endParaRPr sz="1400">
+                <a:solidFill>
+                  <a:srgbClr val="FFFFFF"/>
+                </a:solidFill>
+                <a:latin typeface="Calibri"/>
+                <a:ea typeface="Calibri"/>
+                <a:cs typeface="Calibri"/>
+                <a:sym typeface="Calibri"/>
+              </a:endParaRPr>
+            </a:p>
+            <a:p>
+              <a:pPr indent="0" lvl="0" marL="0" marR="0" rtl="0" algn="ctr">
+                <a:spcBef>
+                  <a:spcPts val="0"/>
+                </a:spcBef>
+                <a:spcAft>
+                  <a:spcPts val="0"/>
+                </a:spcAft>
+                <a:buNone/>
+              </a:pPr>
+              <a:r>
+                <a:t/>
+              </a:r>
+              <a:endParaRPr sz="1400">
+                <a:solidFill>
+                  <a:srgbClr val="FFFFFF"/>
+                </a:solidFill>
+                <a:latin typeface="Calibri"/>
+                <a:ea typeface="Calibri"/>
+                <a:cs typeface="Calibri"/>
+                <a:sym typeface="Calibri"/>
+              </a:endParaRPr>
+            </a:p>
+            <a:p>
+              <a:pPr indent="0" lvl="0" marL="0" marR="0" rtl="0" algn="ctr">
+                <a:spcBef>
+                  <a:spcPts val="0"/>
+                </a:spcBef>
+                <a:spcAft>
+                  <a:spcPts val="0"/>
+                </a:spcAft>
+                <a:buNone/>
+              </a:pPr>
+              <a:r>
+                <a:t/>
+              </a:r>
+              <a:endParaRPr sz="1800">
+                <a:solidFill>
+                  <a:srgbClr val="FFFFFF"/>
+                </a:solidFill>
+                <a:latin typeface="Calibri"/>
+                <a:ea typeface="Calibri"/>
+                <a:cs typeface="Calibri"/>
+                <a:sym typeface="Calibri"/>
+              </a:endParaRPr>
+            </a:p>
+          </p:txBody>
+        </p:sp>
+        <p:sp>
+          <p:nvSpPr>
+            <p:cNvPr id="163" name="Google Shape;163;g33455df2fac_0_56"/>
+            <p:cNvSpPr txBox="1"/>
+            <p:nvPr/>
+          </p:nvSpPr>
+          <p:spPr>
+            <a:xfrm>
+              <a:off x="545584" y="234601"/>
+              <a:ext cx="3033600" cy="585000"/>
+            </a:xfrm>
+            <a:prstGeom prst="rect">
+              <a:avLst/>
+            </a:prstGeom>
+            <a:noFill/>
+            <a:ln>
+              <a:noFill/>
+            </a:ln>
+          </p:spPr>
+          <p:txBody>
+            <a:bodyPr anchorCtr="0" anchor="t" bIns="45700" lIns="91425" spcFirstLastPara="1" rIns="91425" wrap="square" tIns="45700">
+              <a:spAutoFit/>
+            </a:bodyPr>
+            <a:lstStyle/>
+            <a:p>
+              <a:pPr indent="0" lvl="0" marL="0" marR="0" rtl="0" algn="ctr">
+                <a:spcBef>
+                  <a:spcPts val="0"/>
+                </a:spcBef>
+                <a:spcAft>
+                  <a:spcPts val="0"/>
+                </a:spcAft>
+                <a:buNone/>
+              </a:pPr>
+              <a:r>
+                <a:rPr lang="pt-BR" sz="1400">
+                  <a:solidFill>
+                    <a:srgbClr val="FFFFFF"/>
+                  </a:solidFill>
+                  <a:latin typeface="Calibri"/>
+                  <a:ea typeface="Calibri"/>
+                  <a:cs typeface="Calibri"/>
+                  <a:sym typeface="Calibri"/>
+                </a:rPr>
+                <a:t>SEÇÃO 3. DIAGNÓSTICO TERAPÊUTICA</a:t>
+              </a:r>
+              <a:endParaRPr sz="1400">
+                <a:solidFill>
+                  <a:srgbClr val="FFFFFF"/>
+                </a:solidFill>
+                <a:latin typeface="Calibri"/>
+                <a:ea typeface="Calibri"/>
+                <a:cs typeface="Calibri"/>
+                <a:sym typeface="Calibri"/>
+              </a:endParaRPr>
+            </a:p>
+            <a:p>
+              <a:pPr indent="0" lvl="0" marL="0" marR="0" rtl="0" algn="l">
+                <a:spcBef>
+                  <a:spcPts val="0"/>
+                </a:spcBef>
+                <a:spcAft>
+                  <a:spcPts val="0"/>
+                </a:spcAft>
+                <a:buNone/>
+              </a:pPr>
+              <a:r>
+                <a:t/>
+              </a:r>
+              <a:endParaRPr sz="1800">
+                <a:solidFill>
+                  <a:srgbClr val="000000"/>
+                </a:solidFill>
+                <a:latin typeface="Calibri"/>
+                <a:ea typeface="Calibri"/>
+                <a:cs typeface="Calibri"/>
+                <a:sym typeface="Calibri"/>
+              </a:endParaRPr>
+            </a:p>
+          </p:txBody>
+        </p:sp>
+      </p:grpSp>
+      <p:grpSp>
+        <p:nvGrpSpPr>
+          <p:cNvPr id="164" name="Google Shape;164;g33455df2fac_0_56"/>
+          <p:cNvGrpSpPr/>
+          <p:nvPr/>
+        </p:nvGrpSpPr>
+        <p:grpSpPr>
+          <a:xfrm>
+            <a:off x="581522" y="198973"/>
+            <a:ext cx="1614002" cy="1440003"/>
+            <a:chOff x="515359" y="4127491"/>
+            <a:chExt cx="1230372" cy="1262607"/>
+          </a:xfrm>
+        </p:grpSpPr>
+        <p:sp>
+          <p:nvSpPr>
+            <p:cNvPr id="165" name="Google Shape;165;g33455df2fac_0_56"/>
             <p:cNvSpPr/>
             <p:nvPr/>
           </p:nvSpPr>
@@ -15370,7 +17204,7 @@
               </a:avLst>
             </a:prstGeom>
             <a:solidFill>
-              <a:srgbClr val="385623"/>
+              <a:srgbClr val="ED7D31"/>
             </a:solidFill>
             <a:ln>
               <a:noFill/>
@@ -15408,14 +17242,14 @@
         </p:sp>
         <p:sp>
           <p:nvSpPr>
-            <p:cNvPr id="166" name="Google Shape;166;g32c78dc77c3_0_78"/>
+            <p:cNvPr id="166" name="Google Shape;166;g33455df2fac_0_56"/>
             <p:cNvSpPr txBox="1"/>
             <p:nvPr/>
           </p:nvSpPr>
           <p:spPr>
             <a:xfrm>
               <a:off x="589231" y="4337398"/>
-              <a:ext cx="1156500" cy="1200600"/>
+              <a:ext cx="1156500" cy="1052700"/>
             </a:xfrm>
             <a:prstGeom prst="rect">
               <a:avLst/>
@@ -15465,755 +17299,6 @@
           </p:txBody>
         </p:sp>
       </p:grpSp>
-      <p:sp>
-        <p:nvSpPr>
-          <p:cNvPr id="167" name="Google Shape;167;g32c78dc77c3_0_78"/>
-          <p:cNvSpPr txBox="1"/>
-          <p:nvPr/>
-        </p:nvSpPr>
-        <p:spPr>
-          <a:xfrm>
-            <a:off x="1356116" y="265653"/>
-            <a:ext cx="4997700" cy="1015800"/>
-          </a:xfrm>
-          <a:prstGeom prst="rect">
-            <a:avLst/>
-          </a:prstGeom>
-          <a:noFill/>
-          <a:ln>
-            <a:noFill/>
-          </a:ln>
-        </p:spPr>
-        <p:txBody>
-          <a:bodyPr anchorCtr="0" anchor="t" bIns="45700" lIns="91425" spcFirstLastPara="1" rIns="91425" wrap="square" tIns="45700">
-            <a:spAutoFit/>
-          </a:bodyPr>
-          <a:lstStyle/>
-          <a:p>
-            <a:pPr indent="0" lvl="0" marL="0" marR="0" rtl="0" algn="l">
-              <a:spcBef>
-                <a:spcPts val="0"/>
-              </a:spcBef>
-              <a:spcAft>
-                <a:spcPts val="0"/>
-              </a:spcAft>
-              <a:buNone/>
-            </a:pPr>
-            <a:r>
-              <a:rPr lang="pt-BR" sz="6000">
-                <a:solidFill>
-                  <a:srgbClr val="000000"/>
-                </a:solidFill>
-                <a:latin typeface="Calibri"/>
-                <a:ea typeface="Calibri"/>
-                <a:cs typeface="Calibri"/>
-                <a:sym typeface="Calibri"/>
-              </a:rPr>
-              <a:t>Resultados</a:t>
-            </a:r>
-            <a:endParaRPr sz="1800">
-              <a:solidFill>
-                <a:srgbClr val="000000"/>
-              </a:solidFill>
-              <a:latin typeface="Calibri"/>
-              <a:ea typeface="Calibri"/>
-              <a:cs typeface="Calibri"/>
-              <a:sym typeface="Calibri"/>
-            </a:endParaRPr>
-          </a:p>
-        </p:txBody>
-      </p:sp>
-      <p:pic>
-        <p:nvPicPr>
-          <p:cNvPr descr="Interface gráfica do usuário, Texto, Aplicativo, chat ou mensagem de texto&#10;&#10;Descrição gerada automaticamente" id="168" name="Google Shape;168;g32c78dc77c3_0_78"/>
-          <p:cNvPicPr preferRelativeResize="0"/>
-          <p:nvPr/>
-        </p:nvPicPr>
-        <p:blipFill rotWithShape="1">
-          <a:blip r:embed="rId4">
-            <a:alphaModFix/>
-          </a:blip>
-          <a:srcRect b="0" l="0" r="0" t="0"/>
-          <a:stretch/>
-        </p:blipFill>
-        <p:spPr>
-          <a:xfrm>
-            <a:off x="1449352" y="2143896"/>
-            <a:ext cx="2743200" cy="2098964"/>
-          </a:xfrm>
-          <a:prstGeom prst="rect">
-            <a:avLst/>
-          </a:prstGeom>
-          <a:noFill/>
-          <a:ln>
-            <a:noFill/>
-          </a:ln>
-        </p:spPr>
-      </p:pic>
-      <p:grpSp>
-        <p:nvGrpSpPr>
-          <p:cNvPr id="169" name="Google Shape;169;g32c78dc77c3_0_78"/>
-          <p:cNvGrpSpPr/>
-          <p:nvPr/>
-        </p:nvGrpSpPr>
-        <p:grpSpPr>
-          <a:xfrm>
-            <a:off x="1359075" y="1673581"/>
-            <a:ext cx="2873639" cy="414145"/>
-            <a:chOff x="5505442" y="403385"/>
-            <a:chExt cx="2693700" cy="370500"/>
-          </a:xfrm>
-        </p:grpSpPr>
-        <p:sp>
-          <p:nvSpPr>
-            <p:cNvPr id="170" name="Google Shape;170;g32c78dc77c3_0_78"/>
-            <p:cNvSpPr/>
-            <p:nvPr/>
-          </p:nvSpPr>
-          <p:spPr>
-            <a:xfrm>
-              <a:off x="5505442" y="403385"/>
-              <a:ext cx="2693700" cy="370500"/>
-            </a:xfrm>
-            <a:prstGeom prst="roundRect">
-              <a:avLst>
-                <a:gd fmla="val 16667" name="adj"/>
-              </a:avLst>
-            </a:prstGeom>
-            <a:solidFill>
-              <a:srgbClr val="AEABAB"/>
-            </a:solidFill>
-            <a:ln>
-              <a:noFill/>
-            </a:ln>
-          </p:spPr>
-          <p:txBody>
-            <a:bodyPr anchorCtr="0" anchor="ctr" bIns="45700" lIns="91425" spcFirstLastPara="1" rIns="91425" wrap="square" tIns="45700">
-              <a:noAutofit/>
-            </a:bodyPr>
-            <a:lstStyle/>
-            <a:p>
-              <a:pPr indent="0" lvl="0" marL="0" marR="0" rtl="0" algn="ctr">
-                <a:spcBef>
-                  <a:spcPts val="0"/>
-                </a:spcBef>
-                <a:spcAft>
-                  <a:spcPts val="0"/>
-                </a:spcAft>
-                <a:buNone/>
-              </a:pPr>
-              <a:r>
-                <a:t/>
-              </a:r>
-              <a:endParaRPr sz="1400">
-                <a:solidFill>
-                  <a:srgbClr val="FFFFFF"/>
-                </a:solidFill>
-                <a:latin typeface="Calibri"/>
-                <a:ea typeface="Calibri"/>
-                <a:cs typeface="Calibri"/>
-                <a:sym typeface="Calibri"/>
-              </a:endParaRPr>
-            </a:p>
-          </p:txBody>
-        </p:sp>
-        <p:sp>
-          <p:nvSpPr>
-            <p:cNvPr id="171" name="Google Shape;171;g32c78dc77c3_0_78"/>
-            <p:cNvSpPr txBox="1"/>
-            <p:nvPr/>
-          </p:nvSpPr>
-          <p:spPr>
-            <a:xfrm>
-              <a:off x="5588874" y="434926"/>
-              <a:ext cx="2437200" cy="275400"/>
-            </a:xfrm>
-            <a:prstGeom prst="rect">
-              <a:avLst/>
-            </a:prstGeom>
-            <a:noFill/>
-            <a:ln>
-              <a:noFill/>
-            </a:ln>
-          </p:spPr>
-          <p:txBody>
-            <a:bodyPr anchorCtr="0" anchor="t" bIns="45700" lIns="91425" spcFirstLastPara="1" rIns="91425" wrap="square" tIns="45700">
-              <a:spAutoFit/>
-            </a:bodyPr>
-            <a:lstStyle/>
-            <a:p>
-              <a:pPr indent="0" lvl="0" marL="0" marR="0" rtl="0" algn="ctr">
-                <a:spcBef>
-                  <a:spcPts val="0"/>
-                </a:spcBef>
-                <a:spcAft>
-                  <a:spcPts val="0"/>
-                </a:spcAft>
-                <a:buNone/>
-              </a:pPr>
-              <a:r>
-                <a:rPr lang="pt-BR" sz="1400">
-                  <a:solidFill>
-                    <a:srgbClr val="FFFFFF"/>
-                  </a:solidFill>
-                  <a:latin typeface="Calibri"/>
-                  <a:ea typeface="Calibri"/>
-                  <a:cs typeface="Calibri"/>
-                  <a:sym typeface="Calibri"/>
-                </a:rPr>
-                <a:t>SEÇÃO 4. GESTÃO DE APOIO</a:t>
-              </a:r>
-              <a:endParaRPr/>
-            </a:p>
-          </p:txBody>
-        </p:sp>
-      </p:grpSp>
-      <p:grpSp>
-        <p:nvGrpSpPr>
-          <p:cNvPr id="172" name="Google Shape;172;g32c78dc77c3_0_78"/>
-          <p:cNvGrpSpPr/>
-          <p:nvPr/>
-        </p:nvGrpSpPr>
-        <p:grpSpPr>
-          <a:xfrm>
-            <a:off x="1358783" y="4510965"/>
-            <a:ext cx="3251636" cy="1014900"/>
-            <a:chOff x="5455846" y="2891599"/>
-            <a:chExt cx="3251636" cy="1014900"/>
-          </a:xfrm>
-        </p:grpSpPr>
-        <p:sp>
-          <p:nvSpPr>
-            <p:cNvPr id="173" name="Google Shape;173;g32c78dc77c3_0_78"/>
-            <p:cNvSpPr/>
-            <p:nvPr/>
-          </p:nvSpPr>
-          <p:spPr>
-            <a:xfrm>
-              <a:off x="5455846" y="2918877"/>
-              <a:ext cx="2837100" cy="916500"/>
-            </a:xfrm>
-            <a:prstGeom prst="roundRect">
-              <a:avLst>
-                <a:gd fmla="val 16667" name="adj"/>
-              </a:avLst>
-            </a:prstGeom>
-            <a:solidFill>
-              <a:srgbClr val="AEABAB"/>
-            </a:solidFill>
-            <a:ln>
-              <a:noFill/>
-            </a:ln>
-          </p:spPr>
-          <p:txBody>
-            <a:bodyPr anchorCtr="0" anchor="ctr" bIns="45700" lIns="91425" spcFirstLastPara="1" rIns="91425" wrap="square" tIns="45700">
-              <a:noAutofit/>
-            </a:bodyPr>
-            <a:lstStyle/>
-            <a:p>
-              <a:pPr indent="0" lvl="0" marL="0" marR="0" rtl="0" algn="ctr">
-                <a:spcBef>
-                  <a:spcPts val="0"/>
-                </a:spcBef>
-                <a:spcAft>
-                  <a:spcPts val="0"/>
-                </a:spcAft>
-                <a:buNone/>
-              </a:pPr>
-              <a:r>
-                <a:t/>
-              </a:r>
-              <a:endParaRPr sz="1800">
-                <a:solidFill>
-                  <a:srgbClr val="FFFFFF"/>
-                </a:solidFill>
-                <a:latin typeface="Calibri"/>
-                <a:ea typeface="Calibri"/>
-                <a:cs typeface="Calibri"/>
-                <a:sym typeface="Calibri"/>
-              </a:endParaRPr>
-            </a:p>
-          </p:txBody>
-        </p:sp>
-        <p:sp>
-          <p:nvSpPr>
-            <p:cNvPr id="174" name="Google Shape;174;g32c78dc77c3_0_78"/>
-            <p:cNvSpPr/>
-            <p:nvPr/>
-          </p:nvSpPr>
-          <p:spPr>
-            <a:xfrm>
-              <a:off x="7354482" y="2891599"/>
-              <a:ext cx="1353000" cy="1014900"/>
-            </a:xfrm>
-            <a:prstGeom prst="ellipse">
-              <a:avLst/>
-            </a:prstGeom>
-            <a:solidFill>
-              <a:srgbClr val="FFFFFF"/>
-            </a:solidFill>
-            <a:ln>
-              <a:noFill/>
-            </a:ln>
-          </p:spPr>
-          <p:txBody>
-            <a:bodyPr anchorCtr="0" anchor="ctr" bIns="45700" lIns="91425" spcFirstLastPara="1" rIns="91425" wrap="square" tIns="45700">
-              <a:noAutofit/>
-            </a:bodyPr>
-            <a:lstStyle/>
-            <a:p>
-              <a:pPr indent="0" lvl="0" marL="0" marR="0" rtl="0" algn="ctr">
-                <a:spcBef>
-                  <a:spcPts val="0"/>
-                </a:spcBef>
-                <a:spcAft>
-                  <a:spcPts val="0"/>
-                </a:spcAft>
-                <a:buNone/>
-              </a:pPr>
-              <a:r>
-                <a:t/>
-              </a:r>
-              <a:endParaRPr sz="1800">
-                <a:solidFill>
-                  <a:srgbClr val="FFFFFF"/>
-                </a:solidFill>
-                <a:latin typeface="Calibri"/>
-                <a:ea typeface="Calibri"/>
-                <a:cs typeface="Calibri"/>
-                <a:sym typeface="Calibri"/>
-              </a:endParaRPr>
-            </a:p>
-          </p:txBody>
-        </p:sp>
-        <p:sp>
-          <p:nvSpPr>
-            <p:cNvPr id="175" name="Google Shape;175;g32c78dc77c3_0_78"/>
-            <p:cNvSpPr txBox="1"/>
-            <p:nvPr/>
-          </p:nvSpPr>
-          <p:spPr>
-            <a:xfrm>
-              <a:off x="7398129" y="3208037"/>
-              <a:ext cx="971100" cy="369300"/>
-            </a:xfrm>
-            <a:prstGeom prst="rect">
-              <a:avLst/>
-            </a:prstGeom>
-            <a:noFill/>
-            <a:ln>
-              <a:noFill/>
-            </a:ln>
-          </p:spPr>
-          <p:txBody>
-            <a:bodyPr anchorCtr="0" anchor="t" bIns="45700" lIns="91425" spcFirstLastPara="1" rIns="91425" wrap="square" tIns="45700">
-              <a:spAutoFit/>
-            </a:bodyPr>
-            <a:lstStyle/>
-            <a:p>
-              <a:pPr indent="0" lvl="0" marL="0" marR="0" rtl="0" algn="l">
-                <a:spcBef>
-                  <a:spcPts val="0"/>
-                </a:spcBef>
-                <a:spcAft>
-                  <a:spcPts val="0"/>
-                </a:spcAft>
-                <a:buNone/>
-              </a:pPr>
-              <a:r>
-                <a:t/>
-              </a:r>
-              <a:endParaRPr sz="1800">
-                <a:solidFill>
-                  <a:srgbClr val="757070"/>
-                </a:solidFill>
-                <a:latin typeface="Calibri"/>
-                <a:ea typeface="Calibri"/>
-                <a:cs typeface="Calibri"/>
-                <a:sym typeface="Calibri"/>
-              </a:endParaRPr>
-            </a:p>
-          </p:txBody>
-        </p:sp>
-      </p:grpSp>
-      <p:sp>
-        <p:nvSpPr>
-          <p:cNvPr id="176" name="Google Shape;176;g32c78dc77c3_0_78"/>
-          <p:cNvSpPr txBox="1"/>
-          <p:nvPr/>
-        </p:nvSpPr>
-        <p:spPr>
-          <a:xfrm>
-            <a:off x="3333340" y="4700286"/>
-            <a:ext cx="1353000" cy="369300"/>
-          </a:xfrm>
-          <a:prstGeom prst="rect">
-            <a:avLst/>
-          </a:prstGeom>
-          <a:noFill/>
-          <a:ln>
-            <a:noFill/>
-          </a:ln>
-        </p:spPr>
-        <p:txBody>
-          <a:bodyPr anchorCtr="0" anchor="t" bIns="45700" lIns="91425" spcFirstLastPara="1" rIns="91425" wrap="square" tIns="45700">
-            <a:spAutoFit/>
-          </a:bodyPr>
-          <a:lstStyle/>
-          <a:p>
-            <a:pPr indent="0" lvl="0" marL="0" marR="0" rtl="0" algn="l">
-              <a:spcBef>
-                <a:spcPts val="0"/>
-              </a:spcBef>
-              <a:spcAft>
-                <a:spcPts val="0"/>
-              </a:spcAft>
-              <a:buNone/>
-            </a:pPr>
-            <a:r>
-              <a:rPr lang="pt-BR" sz="1800">
-                <a:solidFill>
-                  <a:srgbClr val="757070"/>
-                </a:solidFill>
-                <a:latin typeface="Calibri"/>
-                <a:ea typeface="Calibri"/>
-                <a:cs typeface="Calibri"/>
-                <a:sym typeface="Calibri"/>
-              </a:rPr>
-              <a:t>Total N1 </a:t>
-            </a:r>
-            <a:endParaRPr/>
-          </a:p>
-        </p:txBody>
-      </p:sp>
-      <p:sp>
-        <p:nvSpPr>
-          <p:cNvPr id="177" name="Google Shape;177;g32c78dc77c3_0_78"/>
-          <p:cNvSpPr txBox="1"/>
-          <p:nvPr/>
-        </p:nvSpPr>
-        <p:spPr>
-          <a:xfrm>
-            <a:off x="1356121" y="4593051"/>
-            <a:ext cx="1082100" cy="861900"/>
-          </a:xfrm>
-          <a:prstGeom prst="rect">
-            <a:avLst/>
-          </a:prstGeom>
-          <a:noFill/>
-          <a:ln>
-            <a:noFill/>
-          </a:ln>
-        </p:spPr>
-        <p:txBody>
-          <a:bodyPr anchorCtr="0" anchor="t" bIns="45700" lIns="91425" spcFirstLastPara="1" rIns="91425" wrap="square" tIns="45700">
-            <a:spAutoFit/>
-          </a:bodyPr>
-          <a:lstStyle/>
-          <a:p>
-            <a:pPr indent="0" lvl="0" marL="0" marR="0" rtl="0" algn="l">
-              <a:spcBef>
-                <a:spcPts val="0"/>
-              </a:spcBef>
-              <a:spcAft>
-                <a:spcPts val="0"/>
-              </a:spcAft>
-              <a:buNone/>
-            </a:pPr>
-            <a:r>
-              <a:rPr lang="pt-BR" sz="1800">
-                <a:solidFill>
-                  <a:srgbClr val="FFFFFF"/>
-                </a:solidFill>
-                <a:latin typeface="Calibri"/>
-                <a:ea typeface="Calibri"/>
-                <a:cs typeface="Calibri"/>
-                <a:sym typeface="Calibri"/>
-              </a:rPr>
-              <a:t>N1</a:t>
-            </a:r>
-            <a:endParaRPr/>
-          </a:p>
-          <a:p>
-            <a:pPr indent="0" lvl="0" marL="0" marR="0" rtl="0" algn="l">
-              <a:spcBef>
-                <a:spcPts val="0"/>
-              </a:spcBef>
-              <a:spcAft>
-                <a:spcPts val="0"/>
-              </a:spcAft>
-              <a:buNone/>
-            </a:pPr>
-            <a:r>
-              <a:rPr lang="pt-BR" sz="1600">
-                <a:solidFill>
-                  <a:srgbClr val="FFFFFF"/>
-                </a:solidFill>
-                <a:latin typeface="Calibri"/>
-                <a:ea typeface="Calibri"/>
-                <a:cs typeface="Calibri"/>
-                <a:sym typeface="Calibri"/>
-              </a:rPr>
-              <a:t>Core </a:t>
-            </a:r>
-            <a:endParaRPr/>
-          </a:p>
-          <a:p>
-            <a:pPr indent="0" lvl="0" marL="0" marR="0" rtl="0" algn="l">
-              <a:spcBef>
-                <a:spcPts val="0"/>
-              </a:spcBef>
-              <a:spcAft>
-                <a:spcPts val="0"/>
-              </a:spcAft>
-              <a:buNone/>
-            </a:pPr>
-            <a:r>
-              <a:rPr lang="pt-BR" sz="1600">
-                <a:solidFill>
-                  <a:srgbClr val="FFFFFF"/>
-                </a:solidFill>
-                <a:latin typeface="Calibri"/>
-                <a:ea typeface="Calibri"/>
-                <a:cs typeface="Calibri"/>
-                <a:sym typeface="Calibri"/>
-              </a:rPr>
-              <a:t>Outros  </a:t>
-            </a:r>
-            <a:endParaRPr/>
-          </a:p>
-        </p:txBody>
-      </p:sp>
-    </p:spTree>
-  </p:cSld>
-  <p:clrMapOvr>
-    <a:masterClrMapping/>
-  </p:clrMapOvr>
-</p:sld>
-</file>
-
-<file path=ppt/slides/slide9.xml><?xml version="1.0" encoding="utf-8"?>
-<p:sld xmlns:a="http://schemas.openxmlformats.org/drawingml/2006/main" xmlns:r="http://schemas.openxmlformats.org/officeDocument/2006/relationships" xmlns:mc="http://schemas.openxmlformats.org/markup-compatibility/2006" xmlns:mv="urn:schemas-microsoft-com:mac:vml" xmlns:p="http://schemas.openxmlformats.org/presentationml/2006/main" xmlns:c="http://schemas.openxmlformats.org/drawingml/2006/chart" xmlns:dgm="http://schemas.openxmlformats.org/drawingml/2006/diagram" xmlns:o="urn:schemas-microsoft-com:office:office" xmlns:v="urn:schemas-microsoft-com:vml" xmlns:pvml="urn:schemas-microsoft-com:office:powerpoint" xmlns:com="http://schemas.openxmlformats.org/drawingml/2006/compatibility" xmlns:p14="http://schemas.microsoft.com/office/powerpoint/2010/main" xmlns:p15="http://schemas.microsoft.com/office/powerpoint/2012/main" xmlns:ahyp="http://schemas.microsoft.com/office/drawing/2018/hyperlinkcolor">
-  <p:cSld>
-    <p:bg>
-      <p:bgPr>
-        <a:blipFill>
-          <a:blip r:embed="rId3">
-            <a:alphaModFix/>
-          </a:blip>
-          <a:stretch>
-            <a:fillRect/>
-          </a:stretch>
-        </a:blipFill>
-      </p:bgPr>
-    </p:bg>
-    <p:spTree>
-      <p:nvGrpSpPr>
-        <p:cNvPr id="181" name="Shape 181"/>
-        <p:cNvGrpSpPr/>
-        <p:nvPr/>
-      </p:nvGrpSpPr>
-      <p:grpSpPr>
-        <a:xfrm>
-          <a:off x="0" y="0"/>
-          <a:ext cx="0" cy="0"/>
-          <a:chOff x="0" y="0"/>
-          <a:chExt cx="0" cy="0"/>
-        </a:xfrm>
-      </p:grpSpPr>
-      <p:grpSp>
-        <p:nvGrpSpPr>
-          <p:cNvPr id="182" name="Google Shape;182;g32c78dc77c3_0_34"/>
-          <p:cNvGrpSpPr/>
-          <p:nvPr/>
-        </p:nvGrpSpPr>
-        <p:grpSpPr>
-          <a:xfrm>
-            <a:off x="578439" y="263068"/>
-            <a:ext cx="1230372" cy="1410507"/>
-            <a:chOff x="515359" y="4127491"/>
-            <a:chExt cx="1230372" cy="1410507"/>
-          </a:xfrm>
-        </p:grpSpPr>
-        <p:sp>
-          <p:nvSpPr>
-            <p:cNvPr id="183" name="Google Shape;183;g32c78dc77c3_0_34"/>
-            <p:cNvSpPr/>
-            <p:nvPr/>
-          </p:nvSpPr>
-          <p:spPr>
-            <a:xfrm>
-              <a:off x="515359" y="4127491"/>
-              <a:ext cx="747300" cy="1077000"/>
-            </a:xfrm>
-            <a:prstGeom prst="roundRect">
-              <a:avLst>
-                <a:gd fmla="val 16667" name="adj"/>
-              </a:avLst>
-            </a:prstGeom>
-            <a:solidFill>
-              <a:srgbClr val="385623"/>
-            </a:solidFill>
-            <a:ln>
-              <a:noFill/>
-            </a:ln>
-          </p:spPr>
-          <p:txBody>
-            <a:bodyPr anchorCtr="0" anchor="ctr" bIns="45700" lIns="91425" spcFirstLastPara="1" rIns="91425" wrap="square" tIns="45700">
-              <a:noAutofit/>
-            </a:bodyPr>
-            <a:lstStyle/>
-            <a:p>
-              <a:pPr indent="0" lvl="0" marL="0" marR="0" rtl="0" algn="ctr">
-                <a:spcBef>
-                  <a:spcPts val="0"/>
-                </a:spcBef>
-                <a:spcAft>
-                  <a:spcPts val="0"/>
-                </a:spcAft>
-                <a:buNone/>
-              </a:pPr>
-              <a:r>
-                <a:t/>
-              </a:r>
-              <a:endParaRPr sz="7200">
-                <a:solidFill>
-                  <a:srgbClr val="FFFFFF"/>
-                </a:solidFill>
-                <a:latin typeface="Calibri"/>
-                <a:ea typeface="Calibri"/>
-                <a:cs typeface="Calibri"/>
-                <a:sym typeface="Calibri"/>
-              </a:endParaRPr>
-            </a:p>
-          </p:txBody>
-        </p:sp>
-        <p:sp>
-          <p:nvSpPr>
-            <p:cNvPr id="184" name="Google Shape;184;g32c78dc77c3_0_34"/>
-            <p:cNvSpPr txBox="1"/>
-            <p:nvPr/>
-          </p:nvSpPr>
-          <p:spPr>
-            <a:xfrm>
-              <a:off x="589231" y="4337398"/>
-              <a:ext cx="1156500" cy="1200600"/>
-            </a:xfrm>
-            <a:prstGeom prst="rect">
-              <a:avLst/>
-            </a:prstGeom>
-            <a:noFill/>
-            <a:ln>
-              <a:noFill/>
-            </a:ln>
-          </p:spPr>
-          <p:txBody>
-            <a:bodyPr anchorCtr="0" anchor="t" bIns="45700" lIns="91425" spcFirstLastPara="1" rIns="91425" wrap="square" tIns="45700">
-              <a:spAutoFit/>
-            </a:bodyPr>
-            <a:lstStyle/>
-            <a:p>
-              <a:pPr indent="0" lvl="0" marL="0" marR="0" rtl="0" algn="l">
-                <a:spcBef>
-                  <a:spcPts val="0"/>
-                </a:spcBef>
-                <a:spcAft>
-                  <a:spcPts val="0"/>
-                </a:spcAft>
-                <a:buNone/>
-              </a:pPr>
-              <a:r>
-                <a:rPr lang="pt-BR" sz="7200">
-                  <a:solidFill>
-                    <a:srgbClr val="FFFFFF"/>
-                  </a:solidFill>
-                  <a:latin typeface="Calibri"/>
-                  <a:ea typeface="Calibri"/>
-                  <a:cs typeface="Calibri"/>
-                  <a:sym typeface="Calibri"/>
-                </a:rPr>
-                <a:t>3</a:t>
-              </a:r>
-              <a:endParaRPr sz="7200">
-                <a:solidFill>
-                  <a:srgbClr val="FFFFFF"/>
-                </a:solidFill>
-                <a:latin typeface="Calibri"/>
-                <a:ea typeface="Calibri"/>
-                <a:cs typeface="Calibri"/>
-                <a:sym typeface="Calibri"/>
-              </a:endParaRPr>
-            </a:p>
-          </p:txBody>
-        </p:sp>
-      </p:grpSp>
-      <p:sp>
-        <p:nvSpPr>
-          <p:cNvPr id="185" name="Google Shape;185;g32c78dc77c3_0_34"/>
-          <p:cNvSpPr txBox="1"/>
-          <p:nvPr/>
-        </p:nvSpPr>
-        <p:spPr>
-          <a:xfrm>
-            <a:off x="1369025" y="645075"/>
-            <a:ext cx="10324500" cy="646500"/>
-          </a:xfrm>
-          <a:prstGeom prst="rect">
-            <a:avLst/>
-          </a:prstGeom>
-          <a:noFill/>
-          <a:ln>
-            <a:noFill/>
-          </a:ln>
-        </p:spPr>
-        <p:txBody>
-          <a:bodyPr anchorCtr="0" anchor="t" bIns="45700" lIns="91425" spcFirstLastPara="1" rIns="91425" wrap="square" tIns="45700">
-            <a:spAutoFit/>
-          </a:bodyPr>
-          <a:lstStyle/>
-          <a:p>
-            <a:pPr indent="0" lvl="0" marL="0" rtl="0" algn="l">
-              <a:lnSpc>
-                <a:spcPct val="90000"/>
-              </a:lnSpc>
-              <a:spcBef>
-                <a:spcPts val="0"/>
-              </a:spcBef>
-              <a:spcAft>
-                <a:spcPts val="0"/>
-              </a:spcAft>
-              <a:buNone/>
-            </a:pPr>
-            <a:r>
-              <a:rPr lang="pt-BR" sz="4000">
-                <a:latin typeface="Calibri"/>
-                <a:ea typeface="Calibri"/>
-                <a:cs typeface="Calibri"/>
-                <a:sym typeface="Calibri"/>
-              </a:rPr>
-              <a:t>Seção </a:t>
-            </a:r>
-            <a:r>
-              <a:rPr lang="pt-BR" sz="4000">
-                <a:solidFill>
-                  <a:schemeClr val="dk1"/>
-                </a:solidFill>
-                <a:latin typeface="Calibri"/>
-                <a:ea typeface="Calibri"/>
-                <a:cs typeface="Calibri"/>
-                <a:sym typeface="Calibri"/>
-              </a:rPr>
-              <a:t>Gestão de Apoio (4.) por subseções</a:t>
-            </a:r>
-            <a:endParaRPr sz="6000">
-              <a:latin typeface="Calibri"/>
-              <a:ea typeface="Calibri"/>
-              <a:cs typeface="Calibri"/>
-              <a:sym typeface="Calibri"/>
-            </a:endParaRPr>
-          </a:p>
-        </p:txBody>
-      </p:sp>
     </p:spTree>
   </p:cSld>
   <p:clrMapOvr>
@@ -16223,6 +17308,285 @@
 </file>
 
 <file path=ppt/theme/theme1.xml><?xml version="1.0" encoding="utf-8"?>
+<a:theme xmlns:a="http://schemas.openxmlformats.org/drawingml/2006/main" xmlns:r="http://schemas.openxmlformats.org/officeDocument/2006/relationships">
+  <a:themeElements>
+    <a:clrScheme name="Default">
+      <a:dk1>
+        <a:srgbClr val="000000"/>
+      </a:dk1>
+      <a:lt1>
+        <a:srgbClr val="FFFFFF"/>
+      </a:lt1>
+      <a:dk2>
+        <a:srgbClr val="158158"/>
+      </a:dk2>
+      <a:lt2>
+        <a:srgbClr val="F3F3F3"/>
+      </a:lt2>
+      <a:accent1>
+        <a:srgbClr val="058DC7"/>
+      </a:accent1>
+      <a:accent2>
+        <a:srgbClr val="50B432"/>
+      </a:accent2>
+      <a:accent3>
+        <a:srgbClr val="ED561B"/>
+      </a:accent3>
+      <a:accent4>
+        <a:srgbClr val="EDEF00"/>
+      </a:accent4>
+      <a:accent5>
+        <a:srgbClr val="24CBE5"/>
+      </a:accent5>
+      <a:accent6>
+        <a:srgbClr val="64E572"/>
+      </a:accent6>
+      <a:hlink>
+        <a:srgbClr val="2200CC"/>
+      </a:hlink>
+      <a:folHlink>
+        <a:srgbClr val="551A8B"/>
+      </a:folHlink>
+    </a:clrScheme>
+    <a:fontScheme name="Office">
+      <a:majorFont>
+        <a:latin typeface="Arial"/>
+        <a:ea typeface=""/>
+        <a:cs typeface=""/>
+        <a:font script="Jpan" typeface="ＭＳ Ｐゴシック"/>
+        <a:font script="Hang" typeface="맑은 고딕"/>
+        <a:font script="Hans" typeface="宋体"/>
+        <a:font script="Hant" typeface="新細明體"/>
+        <a:font script="Arab" typeface="Times New Roman"/>
+        <a:font script="Hebr" typeface="Times New Roman"/>
+        <a:font script="Thai" typeface="Angsana New"/>
+        <a:font script="Ethi" typeface="Nyala"/>
+        <a:font script="Beng" typeface="Vrinda"/>
+        <a:font script="Gujr" typeface="Shruti"/>
+        <a:font script="Khmr" typeface="MoolBoran"/>
+        <a:font script="Knda" typeface="Tunga"/>
+        <a:font script="Guru" typeface="Raavi"/>
+        <a:font script="Cans" typeface="Euphemia"/>
+        <a:font script="Cher" typeface="Plantagenet Cherokee"/>
+        <a:font script="Yiii" typeface="Microsoft Yi Baiti"/>
+        <a:font script="Tibt" typeface="Microsoft Himalaya"/>
+        <a:font script="Thaa" typeface="MV Boli"/>
+        <a:font script="Deva" typeface="Mangal"/>
+        <a:font script="Telu" typeface="Gautami"/>
+        <a:font script="Taml" typeface="Latha"/>
+        <a:font script="Syrc" typeface="Estrangelo Edessa"/>
+        <a:font script="Orya" typeface="Kalinga"/>
+        <a:font script="Mlym" typeface="Kartika"/>
+        <a:font script="Laoo" typeface="DokChampa"/>
+        <a:font script="Sinh" typeface="Iskoola Pota"/>
+        <a:font script="Mong" typeface="Mongolian Baiti"/>
+        <a:font script="Viet" typeface="Times New Roman"/>
+        <a:font script="Uigh" typeface="Microsoft Uighur"/>
+        <a:font script="Geor" typeface="Sylfaen"/>
+      </a:majorFont>
+      <a:minorFont>
+        <a:latin typeface="Arial"/>
+        <a:ea typeface=""/>
+        <a:cs typeface=""/>
+        <a:font script="Jpan" typeface="ＭＳ Ｐゴシック"/>
+        <a:font script="Hang" typeface="맑은 고딕"/>
+        <a:font script="Hans" typeface="宋体"/>
+        <a:font script="Hant" typeface="新細明體"/>
+        <a:font script="Arab" typeface="Arial"/>
+        <a:font script="Hebr" typeface="Arial"/>
+        <a:font script="Thai" typeface="Cordia New"/>
+        <a:font script="Ethi" typeface="Nyala"/>
+        <a:font script="Beng" typeface="Vrinda"/>
+        <a:font script="Gujr" typeface="Shruti"/>
+        <a:font script="Khmr" typeface="DaunPenh"/>
+        <a:font script="Knda" typeface="Tunga"/>
+        <a:font script="Guru" typeface="Raavi"/>
+        <a:font script="Cans" typeface="Euphemia"/>
+        <a:font script="Cher" typeface="Plantagenet Cherokee"/>
+        <a:font script="Yiii" typeface="Microsoft Yi Baiti"/>
+        <a:font script="Tibt" typeface="Microsoft Himalaya"/>
+        <a:font script="Thaa" typeface="MV Boli"/>
+        <a:font script="Deva" typeface="Mangal"/>
+        <a:font script="Telu" typeface="Gautami"/>
+        <a:font script="Taml" typeface="Latha"/>
+        <a:font script="Syrc" typeface="Estrangelo Edessa"/>
+        <a:font script="Orya" typeface="Kalinga"/>
+        <a:font script="Mlym" typeface="Kartika"/>
+        <a:font script="Laoo" typeface="DokChampa"/>
+        <a:font script="Sinh" typeface="Iskoola Pota"/>
+        <a:font script="Mong" typeface="Mongolian Baiti"/>
+        <a:font script="Viet" typeface="Arial"/>
+        <a:font script="Uigh" typeface="Microsoft Uighur"/>
+        <a:font script="Geor" typeface="Sylfaen"/>
+      </a:minorFont>
+    </a:fontScheme>
+    <a:fmtScheme name="Office">
+      <a:fillStyleLst>
+        <a:solidFill>
+          <a:schemeClr val="phClr"/>
+        </a:solidFill>
+        <a:gradFill rotWithShape="1">
+          <a:gsLst>
+            <a:gs pos="0">
+              <a:schemeClr val="phClr">
+                <a:tint val="50000"/>
+                <a:satMod val="300000"/>
+              </a:schemeClr>
+            </a:gs>
+            <a:gs pos="35000">
+              <a:schemeClr val="phClr">
+                <a:tint val="37000"/>
+                <a:satMod val="300000"/>
+              </a:schemeClr>
+            </a:gs>
+            <a:gs pos="100000">
+              <a:schemeClr val="phClr">
+                <a:tint val="15000"/>
+                <a:satMod val="350000"/>
+              </a:schemeClr>
+            </a:gs>
+          </a:gsLst>
+          <a:lin ang="16200000" scaled="1"/>
+        </a:gradFill>
+        <a:gradFill rotWithShape="1">
+          <a:gsLst>
+            <a:gs pos="0">
+              <a:schemeClr val="phClr">
+                <a:tint val="100000"/>
+                <a:shade val="100000"/>
+                <a:satMod val="130000"/>
+              </a:schemeClr>
+            </a:gs>
+            <a:gs pos="100000">
+              <a:schemeClr val="phClr">
+                <a:tint val="50000"/>
+                <a:shade val="100000"/>
+                <a:satMod val="350000"/>
+              </a:schemeClr>
+            </a:gs>
+          </a:gsLst>
+          <a:lin ang="16200000" scaled="0"/>
+        </a:gradFill>
+      </a:fillStyleLst>
+      <a:lnStyleLst>
+        <a:ln w="9525" cap="flat" cmpd="sng" algn="ctr">
+          <a:solidFill>
+            <a:schemeClr val="phClr">
+              <a:shade val="95000"/>
+              <a:satMod val="105000"/>
+            </a:schemeClr>
+          </a:solidFill>
+          <a:prstDash val="solid"/>
+        </a:ln>
+        <a:ln w="25400" cap="flat" cmpd="sng" algn="ctr">
+          <a:solidFill>
+            <a:schemeClr val="phClr"/>
+          </a:solidFill>
+          <a:prstDash val="solid"/>
+        </a:ln>
+        <a:ln w="38100" cap="flat" cmpd="sng" algn="ctr">
+          <a:solidFill>
+            <a:schemeClr val="phClr"/>
+          </a:solidFill>
+          <a:prstDash val="solid"/>
+        </a:ln>
+      </a:lnStyleLst>
+      <a:effectStyleLst>
+        <a:effectStyle>
+          <a:effectLst>
+            <a:outerShdw blurRad="40000" dist="20000" dir="5400000" rotWithShape="0">
+              <a:srgbClr val="000000">
+                <a:alpha val="38000"/>
+              </a:srgbClr>
+            </a:outerShdw>
+          </a:effectLst>
+        </a:effectStyle>
+        <a:effectStyle>
+          <a:effectLst>
+            <a:outerShdw blurRad="40000" dist="23000" dir="5400000" rotWithShape="0">
+              <a:srgbClr val="000000">
+                <a:alpha val="35000"/>
+              </a:srgbClr>
+            </a:outerShdw>
+          </a:effectLst>
+        </a:effectStyle>
+        <a:effectStyle>
+          <a:effectLst>
+            <a:outerShdw blurRad="40000" dist="23000" dir="5400000" rotWithShape="0">
+              <a:srgbClr val="000000">
+                <a:alpha val="35000"/>
+              </a:srgbClr>
+            </a:outerShdw>
+          </a:effectLst>
+          <a:scene3d>
+            <a:camera prst="orthographicFront">
+              <a:rot lat="0" lon="0" rev="0"/>
+            </a:camera>
+            <a:lightRig rig="threePt" dir="t">
+              <a:rot lat="0" lon="0" rev="1200000"/>
+            </a:lightRig>
+          </a:scene3d>
+          <a:sp3d>
+            <a:bevelT w="63500" h="25400"/>
+          </a:sp3d>
+        </a:effectStyle>
+      </a:effectStyleLst>
+      <a:bgFillStyleLst>
+        <a:solidFill>
+          <a:schemeClr val="phClr"/>
+        </a:solidFill>
+        <a:gradFill rotWithShape="1">
+          <a:gsLst>
+            <a:gs pos="0">
+              <a:schemeClr val="phClr">
+                <a:tint val="40000"/>
+                <a:satMod val="350000"/>
+              </a:schemeClr>
+            </a:gs>
+            <a:gs pos="40000">
+              <a:schemeClr val="phClr">
+                <a:tint val="45000"/>
+                <a:shade val="99000"/>
+                <a:satMod val="350000"/>
+              </a:schemeClr>
+            </a:gs>
+            <a:gs pos="100000">
+              <a:schemeClr val="phClr">
+                <a:shade val="20000"/>
+                <a:satMod val="255000"/>
+              </a:schemeClr>
+            </a:gs>
+          </a:gsLst>
+          <a:path path="circle">
+            <a:fillToRect l="50000" t="-80000" r="50000" b="180000"/>
+          </a:path>
+        </a:gradFill>
+        <a:gradFill rotWithShape="1">
+          <a:gsLst>
+            <a:gs pos="0">
+              <a:schemeClr val="phClr">
+                <a:tint val="80000"/>
+                <a:satMod val="300000"/>
+              </a:schemeClr>
+            </a:gs>
+            <a:gs pos="100000">
+              <a:schemeClr val="phClr">
+                <a:shade val="30000"/>
+                <a:satMod val="200000"/>
+              </a:schemeClr>
+            </a:gs>
+          </a:gsLst>
+          <a:path path="circle">
+            <a:fillToRect l="50000" t="50000" r="50000" b="50000"/>
+          </a:path>
+        </a:gradFill>
+      </a:bgFillStyleLst>
+    </a:fmtScheme>
+  </a:themeElements>
+</a:theme>
+</file>
+
+<file path=ppt/theme/theme2.xml><?xml version="1.0" encoding="utf-8"?>
 <a:theme xmlns:a="http://schemas.openxmlformats.org/drawingml/2006/main" xmlns:r="http://schemas.openxmlformats.org/officeDocument/2006/relationships" name="Tema do Office">
   <a:themeElements>
     <a:clrScheme name="Office">
@@ -16499,283 +17863,4 @@
     </a:fmtScheme>
   </a:themeElements>
 </a:theme>
-</file>
-
-<file path=ppt/theme/theme2.xml><?xml version="1.0" encoding="utf-8"?>
-<a:theme xmlns:a="http://schemas.openxmlformats.org/drawingml/2006/main" xmlns:r="http://schemas.openxmlformats.org/officeDocument/2006/relationships">
-  <a:themeElements>
-    <a:clrScheme name="Default">
-      <a:dk1>
-        <a:srgbClr val="000000"/>
-      </a:dk1>
-      <a:lt1>
-        <a:srgbClr val="FFFFFF"/>
-      </a:lt1>
-      <a:dk2>
-        <a:srgbClr val="158158"/>
-      </a:dk2>
-      <a:lt2>
-        <a:srgbClr val="F3F3F3"/>
-      </a:lt2>
-      <a:accent1>
-        <a:srgbClr val="058DC7"/>
-      </a:accent1>
-      <a:accent2>
-        <a:srgbClr val="50B432"/>
-      </a:accent2>
-      <a:accent3>
-        <a:srgbClr val="ED561B"/>
-      </a:accent3>
-      <a:accent4>
-        <a:srgbClr val="EDEF00"/>
-      </a:accent4>
-      <a:accent5>
-        <a:srgbClr val="24CBE5"/>
-      </a:accent5>
-      <a:accent6>
-        <a:srgbClr val="64E572"/>
-      </a:accent6>
-      <a:hlink>
-        <a:srgbClr val="2200CC"/>
-      </a:hlink>
-      <a:folHlink>
-        <a:srgbClr val="551A8B"/>
-      </a:folHlink>
-    </a:clrScheme>
-    <a:fontScheme name="Office">
-      <a:majorFont>
-        <a:latin typeface="Arial"/>
-        <a:ea typeface=""/>
-        <a:cs typeface=""/>
-        <a:font script="Jpan" typeface="ＭＳ Ｐゴシック"/>
-        <a:font script="Hang" typeface="맑은 고딕"/>
-        <a:font script="Hans" typeface="宋体"/>
-        <a:font script="Hant" typeface="新細明體"/>
-        <a:font script="Arab" typeface="Times New Roman"/>
-        <a:font script="Hebr" typeface="Times New Roman"/>
-        <a:font script="Thai" typeface="Angsana New"/>
-        <a:font script="Ethi" typeface="Nyala"/>
-        <a:font script="Beng" typeface="Vrinda"/>
-        <a:font script="Gujr" typeface="Shruti"/>
-        <a:font script="Khmr" typeface="MoolBoran"/>
-        <a:font script="Knda" typeface="Tunga"/>
-        <a:font script="Guru" typeface="Raavi"/>
-        <a:font script="Cans" typeface="Euphemia"/>
-        <a:font script="Cher" typeface="Plantagenet Cherokee"/>
-        <a:font script="Yiii" typeface="Microsoft Yi Baiti"/>
-        <a:font script="Tibt" typeface="Microsoft Himalaya"/>
-        <a:font script="Thaa" typeface="MV Boli"/>
-        <a:font script="Deva" typeface="Mangal"/>
-        <a:font script="Telu" typeface="Gautami"/>
-        <a:font script="Taml" typeface="Latha"/>
-        <a:font script="Syrc" typeface="Estrangelo Edessa"/>
-        <a:font script="Orya" typeface="Kalinga"/>
-        <a:font script="Mlym" typeface="Kartika"/>
-        <a:font script="Laoo" typeface="DokChampa"/>
-        <a:font script="Sinh" typeface="Iskoola Pota"/>
-        <a:font script="Mong" typeface="Mongolian Baiti"/>
-        <a:font script="Viet" typeface="Times New Roman"/>
-        <a:font script="Uigh" typeface="Microsoft Uighur"/>
-        <a:font script="Geor" typeface="Sylfaen"/>
-      </a:majorFont>
-      <a:minorFont>
-        <a:latin typeface="Arial"/>
-        <a:ea typeface=""/>
-        <a:cs typeface=""/>
-        <a:font script="Jpan" typeface="ＭＳ Ｐゴシック"/>
-        <a:font script="Hang" typeface="맑은 고딕"/>
-        <a:font script="Hans" typeface="宋体"/>
-        <a:font script="Hant" typeface="新細明體"/>
-        <a:font script="Arab" typeface="Arial"/>
-        <a:font script="Hebr" typeface="Arial"/>
-        <a:font script="Thai" typeface="Cordia New"/>
-        <a:font script="Ethi" typeface="Nyala"/>
-        <a:font script="Beng" typeface="Vrinda"/>
-        <a:font script="Gujr" typeface="Shruti"/>
-        <a:font script="Khmr" typeface="DaunPenh"/>
-        <a:font script="Knda" typeface="Tunga"/>
-        <a:font script="Guru" typeface="Raavi"/>
-        <a:font script="Cans" typeface="Euphemia"/>
-        <a:font script="Cher" typeface="Plantagenet Cherokee"/>
-        <a:font script="Yiii" typeface="Microsoft Yi Baiti"/>
-        <a:font script="Tibt" typeface="Microsoft Himalaya"/>
-        <a:font script="Thaa" typeface="MV Boli"/>
-        <a:font script="Deva" typeface="Mangal"/>
-        <a:font script="Telu" typeface="Gautami"/>
-        <a:font script="Taml" typeface="Latha"/>
-        <a:font script="Syrc" typeface="Estrangelo Edessa"/>
-        <a:font script="Orya" typeface="Kalinga"/>
-        <a:font script="Mlym" typeface="Kartika"/>
-        <a:font script="Laoo" typeface="DokChampa"/>
-        <a:font script="Sinh" typeface="Iskoola Pota"/>
-        <a:font script="Mong" typeface="Mongolian Baiti"/>
-        <a:font script="Viet" typeface="Arial"/>
-        <a:font script="Uigh" typeface="Microsoft Uighur"/>
-        <a:font script="Geor" typeface="Sylfaen"/>
-      </a:minorFont>
-    </a:fontScheme>
-    <a:fmtScheme name="Office">
-      <a:fillStyleLst>
-        <a:solidFill>
-          <a:schemeClr val="phClr"/>
-        </a:solidFill>
-        <a:gradFill rotWithShape="1">
-          <a:gsLst>
-            <a:gs pos="0">
-              <a:schemeClr val="phClr">
-                <a:tint val="50000"/>
-                <a:satMod val="300000"/>
-              </a:schemeClr>
-            </a:gs>
-            <a:gs pos="35000">
-              <a:schemeClr val="phClr">
-                <a:tint val="37000"/>
-                <a:satMod val="300000"/>
-              </a:schemeClr>
-            </a:gs>
-            <a:gs pos="100000">
-              <a:schemeClr val="phClr">
-                <a:tint val="15000"/>
-                <a:satMod val="350000"/>
-              </a:schemeClr>
-            </a:gs>
-          </a:gsLst>
-          <a:lin ang="16200000" scaled="1"/>
-        </a:gradFill>
-        <a:gradFill rotWithShape="1">
-          <a:gsLst>
-            <a:gs pos="0">
-              <a:schemeClr val="phClr">
-                <a:tint val="100000"/>
-                <a:shade val="100000"/>
-                <a:satMod val="130000"/>
-              </a:schemeClr>
-            </a:gs>
-            <a:gs pos="100000">
-              <a:schemeClr val="phClr">
-                <a:tint val="50000"/>
-                <a:shade val="100000"/>
-                <a:satMod val="350000"/>
-              </a:schemeClr>
-            </a:gs>
-          </a:gsLst>
-          <a:lin ang="16200000" scaled="0"/>
-        </a:gradFill>
-      </a:fillStyleLst>
-      <a:lnStyleLst>
-        <a:ln w="9525" cap="flat" cmpd="sng" algn="ctr">
-          <a:solidFill>
-            <a:schemeClr val="phClr">
-              <a:shade val="95000"/>
-              <a:satMod val="105000"/>
-            </a:schemeClr>
-          </a:solidFill>
-          <a:prstDash val="solid"/>
-        </a:ln>
-        <a:ln w="25400" cap="flat" cmpd="sng" algn="ctr">
-          <a:solidFill>
-            <a:schemeClr val="phClr"/>
-          </a:solidFill>
-          <a:prstDash val="solid"/>
-        </a:ln>
-        <a:ln w="38100" cap="flat" cmpd="sng" algn="ctr">
-          <a:solidFill>
-            <a:schemeClr val="phClr"/>
-          </a:solidFill>
-          <a:prstDash val="solid"/>
-        </a:ln>
-      </a:lnStyleLst>
-      <a:effectStyleLst>
-        <a:effectStyle>
-          <a:effectLst>
-            <a:outerShdw blurRad="40000" dist="20000" dir="5400000" rotWithShape="0">
-              <a:srgbClr val="000000">
-                <a:alpha val="38000"/>
-              </a:srgbClr>
-            </a:outerShdw>
-          </a:effectLst>
-        </a:effectStyle>
-        <a:effectStyle>
-          <a:effectLst>
-            <a:outerShdw blurRad="40000" dist="23000" dir="5400000" rotWithShape="0">
-              <a:srgbClr val="000000">
-                <a:alpha val="35000"/>
-              </a:srgbClr>
-            </a:outerShdw>
-          </a:effectLst>
-        </a:effectStyle>
-        <a:effectStyle>
-          <a:effectLst>
-            <a:outerShdw blurRad="40000" dist="23000" dir="5400000" rotWithShape="0">
-              <a:srgbClr val="000000">
-                <a:alpha val="35000"/>
-              </a:srgbClr>
-            </a:outerShdw>
-          </a:effectLst>
-          <a:scene3d>
-            <a:camera prst="orthographicFront">
-              <a:rot lat="0" lon="0" rev="0"/>
-            </a:camera>
-            <a:lightRig rig="threePt" dir="t">
-              <a:rot lat="0" lon="0" rev="1200000"/>
-            </a:lightRig>
-          </a:scene3d>
-          <a:sp3d>
-            <a:bevelT w="63500" h="25400"/>
-          </a:sp3d>
-        </a:effectStyle>
-      </a:effectStyleLst>
-      <a:bgFillStyleLst>
-        <a:solidFill>
-          <a:schemeClr val="phClr"/>
-        </a:solidFill>
-        <a:gradFill rotWithShape="1">
-          <a:gsLst>
-            <a:gs pos="0">
-              <a:schemeClr val="phClr">
-                <a:tint val="40000"/>
-                <a:satMod val="350000"/>
-              </a:schemeClr>
-            </a:gs>
-            <a:gs pos="40000">
-              <a:schemeClr val="phClr">
-                <a:tint val="45000"/>
-                <a:shade val="99000"/>
-                <a:satMod val="350000"/>
-              </a:schemeClr>
-            </a:gs>
-            <a:gs pos="100000">
-              <a:schemeClr val="phClr">
-                <a:shade val="20000"/>
-                <a:satMod val="255000"/>
-              </a:schemeClr>
-            </a:gs>
-          </a:gsLst>
-          <a:path path="circle">
-            <a:fillToRect l="50000" t="-80000" r="50000" b="180000"/>
-          </a:path>
-        </a:gradFill>
-        <a:gradFill rotWithShape="1">
-          <a:gsLst>
-            <a:gs pos="0">
-              <a:schemeClr val="phClr">
-                <a:tint val="80000"/>
-                <a:satMod val="300000"/>
-              </a:schemeClr>
-            </a:gs>
-            <a:gs pos="100000">
-              <a:schemeClr val="phClr">
-                <a:shade val="30000"/>
-                <a:satMod val="200000"/>
-              </a:schemeClr>
-            </a:gs>
-          </a:gsLst>
-          <a:path path="circle">
-            <a:fillToRect l="50000" t="50000" r="50000" b="50000"/>
-          </a:path>
-        </a:gradFill>
-      </a:bgFillStyleLst>
-    </a:fmtScheme>
-  </a:themeElements>
-</a:theme>
 </file>